--- a/Hackschool.pptx
+++ b/Hackschool.pptx
@@ -223,7 +223,7 @@
           <a:p>
             <a:fld id="{418AA284-825F-4886-9A11-F48E5CF22948}" type="datetimeFigureOut">
               <a:rPr lang="de-DE" smtClean="0"/>
-              <a:t>16.09.16</a:t>
+              <a:t>16.09.2016</a:t>
             </a:fld>
             <a:endParaRPr lang="de-DE"/>
           </a:p>
@@ -287,38 +287,37 @@
           <a:p>
             <a:pPr lvl="0"/>
             <a:r>
-              <a:rPr lang="de-DE" smtClean="0"/>
+              <a:rPr lang="de-DE"/>
               <a:t>Textmasterformat bearbeiten</a:t>
             </a:r>
           </a:p>
           <a:p>
             <a:pPr lvl="1"/>
             <a:r>
-              <a:rPr lang="de-DE" smtClean="0"/>
+              <a:rPr lang="de-DE"/>
               <a:t>Zweite Ebene</a:t>
             </a:r>
           </a:p>
           <a:p>
             <a:pPr lvl="2"/>
             <a:r>
-              <a:rPr lang="de-DE" smtClean="0"/>
+              <a:rPr lang="de-DE"/>
               <a:t>Dritte Ebene</a:t>
             </a:r>
           </a:p>
           <a:p>
             <a:pPr lvl="3"/>
             <a:r>
-              <a:rPr lang="de-DE" smtClean="0"/>
+              <a:rPr lang="de-DE"/>
               <a:t>Vierte Ebene</a:t>
             </a:r>
           </a:p>
           <a:p>
             <a:pPr lvl="4"/>
             <a:r>
-              <a:rPr lang="de-DE" smtClean="0"/>
+              <a:rPr lang="de-DE"/>
               <a:t>Fünfte Ebene</a:t>
             </a:r>
-            <a:endParaRPr lang="de-DE"/>
           </a:p>
         </p:txBody>
       </p:sp>
@@ -533,10 +532,9 @@
           </a:lstStyle>
           <a:p>
             <a:r>
-              <a:rPr lang="de-DE" dirty="0" smtClean="0"/>
+              <a:rPr lang="de-DE" dirty="0"/>
               <a:t>Titelmasterformat durch Klicken bearbeiten</a:t>
             </a:r>
-            <a:endParaRPr lang="de-DE" dirty="0"/>
           </a:p>
         </p:txBody>
       </p:sp>
@@ -654,10 +652,9 @@
           </a:lstStyle>
           <a:p>
             <a:r>
-              <a:rPr lang="de-DE" dirty="0" smtClean="0"/>
+              <a:rPr lang="de-DE" dirty="0"/>
               <a:t>Formatvorlage des Untertitelmasters durch Klicken bearbeiten</a:t>
             </a:r>
-            <a:endParaRPr lang="de-DE" dirty="0"/>
           </a:p>
         </p:txBody>
       </p:sp>
@@ -678,7 +675,7 @@
           <a:p>
             <a:fld id="{49F58C5F-2A47-4155-8A24-93E4578DD726}" type="datetime1">
               <a:rPr lang="de-DE" smtClean="0"/>
-              <a:t>16.09.16</a:t>
+              <a:t>16.09.2016</a:t>
             </a:fld>
             <a:endParaRPr lang="de-DE"/>
           </a:p>
@@ -704,10 +701,9 @@
           </a:lstStyle>
           <a:p>
             <a:r>
-              <a:rPr lang="de-DE" dirty="0" smtClean="0"/>
+              <a:rPr lang="de-DE" dirty="0"/>
               <a:t>Thinktecture AG</a:t>
             </a:r>
-            <a:endParaRPr lang="de-DE" dirty="0"/>
           </a:p>
         </p:txBody>
       </p:sp>
@@ -744,13 +740,6 @@
   <p:clrMapOvr>
     <a:masterClrMapping/>
   </p:clrMapOvr>
-  <p:timing>
-    <p:tnLst>
-      <p:par>
-        <p:cTn id="1" dur="indefinite" restart="never" nodeType="tmRoot"/>
-      </p:par>
-    </p:tnLst>
-  </p:timing>
 </p:sldLayout>
 </file>
 
@@ -787,10 +776,9 @@
           <a:lstStyle/>
           <a:p>
             <a:r>
-              <a:rPr lang="de-DE" smtClean="0"/>
+              <a:rPr lang="de-DE"/>
               <a:t>Titelmasterformat durch Klicken bearbeiten</a:t>
             </a:r>
-            <a:endParaRPr lang="de-DE"/>
           </a:p>
         </p:txBody>
       </p:sp>
@@ -811,38 +799,37 @@
           <a:p>
             <a:pPr lvl="0"/>
             <a:r>
-              <a:rPr lang="de-DE" smtClean="0"/>
+              <a:rPr lang="de-DE"/>
               <a:t>Textmasterformat bearbeiten</a:t>
             </a:r>
           </a:p>
           <a:p>
             <a:pPr lvl="1"/>
             <a:r>
-              <a:rPr lang="de-DE" smtClean="0"/>
+              <a:rPr lang="de-DE"/>
               <a:t>Zweite Ebene</a:t>
             </a:r>
           </a:p>
           <a:p>
             <a:pPr lvl="2"/>
             <a:r>
-              <a:rPr lang="de-DE" smtClean="0"/>
+              <a:rPr lang="de-DE"/>
               <a:t>Dritte Ebene</a:t>
             </a:r>
           </a:p>
           <a:p>
             <a:pPr lvl="3"/>
             <a:r>
-              <a:rPr lang="de-DE" smtClean="0"/>
+              <a:rPr lang="de-DE"/>
               <a:t>Vierte Ebene</a:t>
             </a:r>
           </a:p>
           <a:p>
             <a:pPr lvl="4"/>
             <a:r>
-              <a:rPr lang="de-DE" smtClean="0"/>
+              <a:rPr lang="de-DE"/>
               <a:t>Fünfte Ebene</a:t>
             </a:r>
-            <a:endParaRPr lang="de-DE"/>
           </a:p>
         </p:txBody>
       </p:sp>
@@ -863,7 +850,7 @@
           <a:p>
             <a:fld id="{6CC1F0CD-C325-45B2-84F0-EC7EE2C11FF8}" type="datetime1">
               <a:rPr lang="de-DE" smtClean="0"/>
-              <a:t>16.09.16</a:t>
+              <a:t>16.09.2016</a:t>
             </a:fld>
             <a:endParaRPr lang="de-DE"/>
           </a:p>
@@ -885,10 +872,9 @@
           <a:lstStyle/>
           <a:p>
             <a:r>
-              <a:rPr lang="de-DE" dirty="0" smtClean="0"/>
+              <a:rPr lang="de-DE" dirty="0"/>
               <a:t>Thinktecture AG</a:t>
             </a:r>
-            <a:endParaRPr lang="de-DE" dirty="0"/>
           </a:p>
         </p:txBody>
       </p:sp>
@@ -966,10 +952,9 @@
           <a:lstStyle/>
           <a:p>
             <a:r>
-              <a:rPr lang="de-DE" smtClean="0"/>
+              <a:rPr lang="de-DE"/>
               <a:t>Titelmasterformat durch Klicken bearbeiten</a:t>
             </a:r>
-            <a:endParaRPr lang="de-DE"/>
           </a:p>
         </p:txBody>
       </p:sp>
@@ -995,38 +980,37 @@
           <a:p>
             <a:pPr lvl="0"/>
             <a:r>
-              <a:rPr lang="de-DE" smtClean="0"/>
+              <a:rPr lang="de-DE"/>
               <a:t>Textmasterformat bearbeiten</a:t>
             </a:r>
           </a:p>
           <a:p>
             <a:pPr lvl="1"/>
             <a:r>
-              <a:rPr lang="de-DE" smtClean="0"/>
+              <a:rPr lang="de-DE"/>
               <a:t>Zweite Ebene</a:t>
             </a:r>
           </a:p>
           <a:p>
             <a:pPr lvl="2"/>
             <a:r>
-              <a:rPr lang="de-DE" smtClean="0"/>
+              <a:rPr lang="de-DE"/>
               <a:t>Dritte Ebene</a:t>
             </a:r>
           </a:p>
           <a:p>
             <a:pPr lvl="3"/>
             <a:r>
-              <a:rPr lang="de-DE" smtClean="0"/>
+              <a:rPr lang="de-DE"/>
               <a:t>Vierte Ebene</a:t>
             </a:r>
           </a:p>
           <a:p>
             <a:pPr lvl="4"/>
             <a:r>
-              <a:rPr lang="de-DE" smtClean="0"/>
+              <a:rPr lang="de-DE"/>
               <a:t>Fünfte Ebene</a:t>
             </a:r>
-            <a:endParaRPr lang="de-DE"/>
           </a:p>
         </p:txBody>
       </p:sp>
@@ -1047,7 +1031,7 @@
           <a:p>
             <a:fld id="{A0461D7F-EDF9-4AF0-AA91-65D7B548FB29}" type="datetime1">
               <a:rPr lang="de-DE" smtClean="0"/>
-              <a:t>16.09.16</a:t>
+              <a:t>16.09.2016</a:t>
             </a:fld>
             <a:endParaRPr lang="de-DE"/>
           </a:p>
@@ -1069,10 +1053,9 @@
           <a:lstStyle/>
           <a:p>
             <a:r>
-              <a:rPr lang="de-DE" dirty="0" smtClean="0"/>
+              <a:rPr lang="de-DE" dirty="0"/>
               <a:t>Thinktecture AG</a:t>
             </a:r>
-            <a:endParaRPr lang="de-DE" dirty="0"/>
           </a:p>
         </p:txBody>
       </p:sp>
@@ -1145,10 +1128,9 @@
           <a:lstStyle/>
           <a:p>
             <a:r>
-              <a:rPr lang="de-DE" smtClean="0"/>
+              <a:rPr lang="de-DE"/>
               <a:t>Titelmasterformat durch Klicken bearbeiten</a:t>
             </a:r>
-            <a:endParaRPr lang="de-DE"/>
           </a:p>
         </p:txBody>
       </p:sp>
@@ -1179,38 +1161,37 @@
           <a:p>
             <a:pPr lvl="0"/>
             <a:r>
-              <a:rPr lang="de-DE" dirty="0" smtClean="0"/>
+              <a:rPr lang="de-DE" dirty="0"/>
               <a:t>Textmasterformat bearbeiten</a:t>
             </a:r>
           </a:p>
           <a:p>
             <a:pPr lvl="1"/>
             <a:r>
-              <a:rPr lang="de-DE" dirty="0" smtClean="0"/>
+              <a:rPr lang="de-DE" dirty="0"/>
               <a:t>Zweite Ebene</a:t>
             </a:r>
           </a:p>
           <a:p>
             <a:pPr lvl="2"/>
             <a:r>
-              <a:rPr lang="de-DE" dirty="0" smtClean="0"/>
+              <a:rPr lang="de-DE" dirty="0"/>
               <a:t>Dritte Ebene</a:t>
             </a:r>
           </a:p>
           <a:p>
             <a:pPr lvl="3"/>
             <a:r>
-              <a:rPr lang="de-DE" dirty="0" smtClean="0"/>
+              <a:rPr lang="de-DE" dirty="0"/>
               <a:t>Vierte Ebene</a:t>
             </a:r>
           </a:p>
           <a:p>
             <a:pPr lvl="4"/>
             <a:r>
-              <a:rPr lang="de-DE" dirty="0" smtClean="0"/>
+              <a:rPr lang="de-DE" dirty="0"/>
               <a:t>Fünfte Ebene</a:t>
             </a:r>
-            <a:endParaRPr lang="de-DE" dirty="0"/>
           </a:p>
         </p:txBody>
       </p:sp>
@@ -1231,7 +1212,7 @@
           <a:p>
             <a:fld id="{3A735D52-20DE-4354-9C16-36FEBE25E686}" type="datetime1">
               <a:rPr lang="de-DE" smtClean="0"/>
-              <a:t>16.09.16</a:t>
+              <a:t>16.09.2016</a:t>
             </a:fld>
             <a:endParaRPr lang="de-DE"/>
           </a:p>
@@ -1253,10 +1234,9 @@
           <a:lstStyle/>
           <a:p>
             <a:r>
-              <a:rPr lang="de-DE" dirty="0" smtClean="0"/>
+              <a:rPr lang="de-DE" dirty="0"/>
               <a:t>Thinktecture AG</a:t>
             </a:r>
-            <a:endParaRPr lang="de-DE" dirty="0"/>
           </a:p>
         </p:txBody>
       </p:sp>
@@ -1293,13 +1273,6 @@
   <p:clrMapOvr>
     <a:masterClrMapping/>
   </p:clrMapOvr>
-  <p:timing>
-    <p:tnLst>
-      <p:par>
-        <p:cTn id="1" dur="indefinite" restart="never" nodeType="tmRoot"/>
-      </p:par>
-    </p:tnLst>
-  </p:timing>
 </p:sldLayout>
 </file>
 
@@ -1345,10 +1318,9 @@
           </a:lstStyle>
           <a:p>
             <a:r>
-              <a:rPr lang="de-DE" smtClean="0"/>
+              <a:rPr lang="de-DE"/>
               <a:t>Titelmasterformat durch Klicken bearbeiten</a:t>
             </a:r>
-            <a:endParaRPr lang="de-DE"/>
           </a:p>
         </p:txBody>
       </p:sp>
@@ -1465,7 +1437,7 @@
           <a:p>
             <a:pPr lvl="0"/>
             <a:r>
-              <a:rPr lang="de-DE" smtClean="0"/>
+              <a:rPr lang="de-DE"/>
               <a:t>Textmasterformat bearbeiten</a:t>
             </a:r>
           </a:p>
@@ -1488,7 +1460,7 @@
           <a:p>
             <a:fld id="{48FB9DC3-0B49-45DC-995E-D94736C3FACA}" type="datetime1">
               <a:rPr lang="de-DE" smtClean="0"/>
-              <a:t>16.09.16</a:t>
+              <a:t>16.09.2016</a:t>
             </a:fld>
             <a:endParaRPr lang="de-DE"/>
           </a:p>
@@ -1510,10 +1482,9 @@
           <a:lstStyle/>
           <a:p>
             <a:r>
-              <a:rPr lang="de-DE" dirty="0" smtClean="0"/>
+              <a:rPr lang="de-DE" dirty="0"/>
               <a:t>Thinktecture AG</a:t>
             </a:r>
-            <a:endParaRPr lang="de-DE" dirty="0"/>
           </a:p>
         </p:txBody>
       </p:sp>
@@ -1550,13 +1521,6 @@
   <p:clrMapOvr>
     <a:masterClrMapping/>
   </p:clrMapOvr>
-  <p:timing>
-    <p:tnLst>
-      <p:par>
-        <p:cTn id="1" dur="indefinite" restart="never" nodeType="tmRoot"/>
-      </p:par>
-    </p:tnLst>
-  </p:timing>
 </p:sldLayout>
 </file>
 
@@ -1593,10 +1557,9 @@
           <a:lstStyle/>
           <a:p>
             <a:r>
-              <a:rPr lang="de-DE" smtClean="0"/>
+              <a:rPr lang="de-DE"/>
               <a:t>Titelmasterformat durch Klicken bearbeiten</a:t>
             </a:r>
-            <a:endParaRPr lang="de-DE"/>
           </a:p>
         </p:txBody>
       </p:sp>
@@ -1650,38 +1613,37 @@
           <a:p>
             <a:pPr lvl="0"/>
             <a:r>
-              <a:rPr lang="de-DE" smtClean="0"/>
+              <a:rPr lang="de-DE"/>
               <a:t>Textmasterformat bearbeiten</a:t>
             </a:r>
           </a:p>
           <a:p>
             <a:pPr lvl="1"/>
             <a:r>
-              <a:rPr lang="de-DE" smtClean="0"/>
+              <a:rPr lang="de-DE"/>
               <a:t>Zweite Ebene</a:t>
             </a:r>
           </a:p>
           <a:p>
             <a:pPr lvl="2"/>
             <a:r>
-              <a:rPr lang="de-DE" smtClean="0"/>
+              <a:rPr lang="de-DE"/>
               <a:t>Dritte Ebene</a:t>
             </a:r>
           </a:p>
           <a:p>
             <a:pPr lvl="3"/>
             <a:r>
-              <a:rPr lang="de-DE" smtClean="0"/>
+              <a:rPr lang="de-DE"/>
               <a:t>Vierte Ebene</a:t>
             </a:r>
           </a:p>
           <a:p>
             <a:pPr lvl="4"/>
             <a:r>
-              <a:rPr lang="de-DE" smtClean="0"/>
+              <a:rPr lang="de-DE"/>
               <a:t>Fünfte Ebene</a:t>
             </a:r>
-            <a:endParaRPr lang="de-DE"/>
           </a:p>
         </p:txBody>
       </p:sp>
@@ -1735,38 +1697,37 @@
           <a:p>
             <a:pPr lvl="0"/>
             <a:r>
-              <a:rPr lang="de-DE" smtClean="0"/>
+              <a:rPr lang="de-DE"/>
               <a:t>Textmasterformat bearbeiten</a:t>
             </a:r>
           </a:p>
           <a:p>
             <a:pPr lvl="1"/>
             <a:r>
-              <a:rPr lang="de-DE" smtClean="0"/>
+              <a:rPr lang="de-DE"/>
               <a:t>Zweite Ebene</a:t>
             </a:r>
           </a:p>
           <a:p>
             <a:pPr lvl="2"/>
             <a:r>
-              <a:rPr lang="de-DE" smtClean="0"/>
+              <a:rPr lang="de-DE"/>
               <a:t>Dritte Ebene</a:t>
             </a:r>
           </a:p>
           <a:p>
             <a:pPr lvl="3"/>
             <a:r>
-              <a:rPr lang="de-DE" smtClean="0"/>
+              <a:rPr lang="de-DE"/>
               <a:t>Vierte Ebene</a:t>
             </a:r>
           </a:p>
           <a:p>
             <a:pPr lvl="4"/>
             <a:r>
-              <a:rPr lang="de-DE" smtClean="0"/>
+              <a:rPr lang="de-DE"/>
               <a:t>Fünfte Ebene</a:t>
             </a:r>
-            <a:endParaRPr lang="de-DE"/>
           </a:p>
         </p:txBody>
       </p:sp>
@@ -1787,7 +1748,7 @@
           <a:p>
             <a:fld id="{3D9C5F60-CD2F-4A29-B225-C68BEA969866}" type="datetime1">
               <a:rPr lang="de-DE" smtClean="0"/>
-              <a:t>16.09.16</a:t>
+              <a:t>16.09.2016</a:t>
             </a:fld>
             <a:endParaRPr lang="de-DE"/>
           </a:p>
@@ -1809,10 +1770,9 @@
           <a:lstStyle/>
           <a:p>
             <a:r>
-              <a:rPr lang="de-DE" dirty="0" smtClean="0"/>
+              <a:rPr lang="de-DE" dirty="0"/>
               <a:t>Thinktecture AG</a:t>
             </a:r>
-            <a:endParaRPr lang="de-DE" dirty="0"/>
           </a:p>
         </p:txBody>
       </p:sp>
@@ -1889,10 +1849,9 @@
           </a:lstStyle>
           <a:p>
             <a:r>
-              <a:rPr lang="de-DE" smtClean="0"/>
+              <a:rPr lang="de-DE"/>
               <a:t>Titelmasterformat durch Klicken bearbeiten</a:t>
             </a:r>
-            <a:endParaRPr lang="de-DE"/>
           </a:p>
         </p:txBody>
       </p:sp>
@@ -1955,7 +1914,7 @@
           <a:p>
             <a:pPr lvl="0"/>
             <a:r>
-              <a:rPr lang="de-DE" smtClean="0"/>
+              <a:rPr lang="de-DE"/>
               <a:t>Textmasterformat bearbeiten</a:t>
             </a:r>
           </a:p>
@@ -2011,38 +1970,37 @@
           <a:p>
             <a:pPr lvl="0"/>
             <a:r>
-              <a:rPr lang="de-DE" smtClean="0"/>
+              <a:rPr lang="de-DE"/>
               <a:t>Textmasterformat bearbeiten</a:t>
             </a:r>
           </a:p>
           <a:p>
             <a:pPr lvl="1"/>
             <a:r>
-              <a:rPr lang="de-DE" smtClean="0"/>
+              <a:rPr lang="de-DE"/>
               <a:t>Zweite Ebene</a:t>
             </a:r>
           </a:p>
           <a:p>
             <a:pPr lvl="2"/>
             <a:r>
-              <a:rPr lang="de-DE" smtClean="0"/>
+              <a:rPr lang="de-DE"/>
               <a:t>Dritte Ebene</a:t>
             </a:r>
           </a:p>
           <a:p>
             <a:pPr lvl="3"/>
             <a:r>
-              <a:rPr lang="de-DE" smtClean="0"/>
+              <a:rPr lang="de-DE"/>
               <a:t>Vierte Ebene</a:t>
             </a:r>
           </a:p>
           <a:p>
             <a:pPr lvl="4"/>
             <a:r>
-              <a:rPr lang="de-DE" smtClean="0"/>
+              <a:rPr lang="de-DE"/>
               <a:t>Fünfte Ebene</a:t>
             </a:r>
-            <a:endParaRPr lang="de-DE"/>
           </a:p>
         </p:txBody>
       </p:sp>
@@ -2105,7 +2063,7 @@
           <a:p>
             <a:pPr lvl="0"/>
             <a:r>
-              <a:rPr lang="de-DE" smtClean="0"/>
+              <a:rPr lang="de-DE"/>
               <a:t>Textmasterformat bearbeiten</a:t>
             </a:r>
           </a:p>
@@ -2161,38 +2119,37 @@
           <a:p>
             <a:pPr lvl="0"/>
             <a:r>
-              <a:rPr lang="de-DE" smtClean="0"/>
+              <a:rPr lang="de-DE"/>
               <a:t>Textmasterformat bearbeiten</a:t>
             </a:r>
           </a:p>
           <a:p>
             <a:pPr lvl="1"/>
             <a:r>
-              <a:rPr lang="de-DE" smtClean="0"/>
+              <a:rPr lang="de-DE"/>
               <a:t>Zweite Ebene</a:t>
             </a:r>
           </a:p>
           <a:p>
             <a:pPr lvl="2"/>
             <a:r>
-              <a:rPr lang="de-DE" smtClean="0"/>
+              <a:rPr lang="de-DE"/>
               <a:t>Dritte Ebene</a:t>
             </a:r>
           </a:p>
           <a:p>
             <a:pPr lvl="3"/>
             <a:r>
-              <a:rPr lang="de-DE" smtClean="0"/>
+              <a:rPr lang="de-DE"/>
               <a:t>Vierte Ebene</a:t>
             </a:r>
           </a:p>
           <a:p>
             <a:pPr lvl="4"/>
             <a:r>
-              <a:rPr lang="de-DE" smtClean="0"/>
+              <a:rPr lang="de-DE"/>
               <a:t>Fünfte Ebene</a:t>
             </a:r>
-            <a:endParaRPr lang="de-DE"/>
           </a:p>
         </p:txBody>
       </p:sp>
@@ -2213,7 +2170,7 @@
           <a:p>
             <a:fld id="{BA297D2E-C96F-45B3-BC0A-156A354E3A19}" type="datetime1">
               <a:rPr lang="de-DE" smtClean="0"/>
-              <a:t>16.09.16</a:t>
+              <a:t>16.09.2016</a:t>
             </a:fld>
             <a:endParaRPr lang="de-DE"/>
           </a:p>
@@ -2235,10 +2192,9 @@
           <a:lstStyle/>
           <a:p>
             <a:r>
-              <a:rPr lang="de-DE" dirty="0" smtClean="0"/>
+              <a:rPr lang="de-DE" dirty="0"/>
               <a:t>Thinktecture AG</a:t>
             </a:r>
-            <a:endParaRPr lang="de-DE" dirty="0"/>
           </a:p>
         </p:txBody>
       </p:sp>
@@ -2311,10 +2267,9 @@
           <a:lstStyle/>
           <a:p>
             <a:r>
-              <a:rPr lang="de-DE" smtClean="0"/>
+              <a:rPr lang="de-DE"/>
               <a:t>Titelmasterformat durch Klicken bearbeiten</a:t>
             </a:r>
-            <a:endParaRPr lang="de-DE"/>
           </a:p>
         </p:txBody>
       </p:sp>
@@ -2335,7 +2290,7 @@
           <a:p>
             <a:fld id="{8B7E8498-BFF7-4DD2-AB1B-D3ACA3638E74}" type="datetime1">
               <a:rPr lang="de-DE" smtClean="0"/>
-              <a:t>16.09.16</a:t>
+              <a:t>16.09.2016</a:t>
             </a:fld>
             <a:endParaRPr lang="de-DE"/>
           </a:p>
@@ -2357,10 +2312,9 @@
           <a:lstStyle/>
           <a:p>
             <a:r>
-              <a:rPr lang="de-DE" dirty="0" smtClean="0"/>
+              <a:rPr lang="de-DE" dirty="0"/>
               <a:t>Thinktecture AG</a:t>
             </a:r>
-            <a:endParaRPr lang="de-DE" dirty="0"/>
           </a:p>
         </p:txBody>
       </p:sp>
@@ -2434,7 +2388,7 @@
           <a:p>
             <a:fld id="{000A7196-2DAF-45A0-B938-B243C63B9C3A}" type="datetime1">
               <a:rPr lang="de-DE" smtClean="0"/>
-              <a:t>16.09.16</a:t>
+              <a:t>16.09.2016</a:t>
             </a:fld>
             <a:endParaRPr lang="de-DE"/>
           </a:p>
@@ -2456,10 +2410,9 @@
           <a:lstStyle/>
           <a:p>
             <a:r>
-              <a:rPr lang="de-DE" dirty="0" smtClean="0"/>
+              <a:rPr lang="de-DE" dirty="0"/>
               <a:t>Thinktecture AG</a:t>
             </a:r>
-            <a:endParaRPr lang="de-DE" dirty="0"/>
           </a:p>
         </p:txBody>
       </p:sp>
@@ -2541,10 +2494,9 @@
           </a:lstStyle>
           <a:p>
             <a:r>
-              <a:rPr lang="de-DE" smtClean="0"/>
+              <a:rPr lang="de-DE"/>
               <a:t>Titelmasterformat durch Klicken bearbeiten</a:t>
             </a:r>
-            <a:endParaRPr lang="de-DE"/>
           </a:p>
         </p:txBody>
       </p:sp>
@@ -2598,38 +2550,37 @@
           <a:p>
             <a:pPr lvl="0"/>
             <a:r>
-              <a:rPr lang="de-DE" smtClean="0"/>
+              <a:rPr lang="de-DE"/>
               <a:t>Textmasterformat bearbeiten</a:t>
             </a:r>
           </a:p>
           <a:p>
             <a:pPr lvl="1"/>
             <a:r>
-              <a:rPr lang="de-DE" smtClean="0"/>
+              <a:rPr lang="de-DE"/>
               <a:t>Zweite Ebene</a:t>
             </a:r>
           </a:p>
           <a:p>
             <a:pPr lvl="2"/>
             <a:r>
-              <a:rPr lang="de-DE" smtClean="0"/>
+              <a:rPr lang="de-DE"/>
               <a:t>Dritte Ebene</a:t>
             </a:r>
           </a:p>
           <a:p>
             <a:pPr lvl="3"/>
             <a:r>
-              <a:rPr lang="de-DE" smtClean="0"/>
+              <a:rPr lang="de-DE"/>
               <a:t>Vierte Ebene</a:t>
             </a:r>
           </a:p>
           <a:p>
             <a:pPr lvl="4"/>
             <a:r>
-              <a:rPr lang="de-DE" smtClean="0"/>
+              <a:rPr lang="de-DE"/>
               <a:t>Fünfte Ebene</a:t>
             </a:r>
-            <a:endParaRPr lang="de-DE"/>
           </a:p>
         </p:txBody>
       </p:sp>
@@ -2692,7 +2643,7 @@
           <a:p>
             <a:pPr lvl="0"/>
             <a:r>
-              <a:rPr lang="de-DE" smtClean="0"/>
+              <a:rPr lang="de-DE"/>
               <a:t>Textmasterformat bearbeiten</a:t>
             </a:r>
           </a:p>
@@ -2715,7 +2666,7 @@
           <a:p>
             <a:fld id="{A5C58A3D-8E51-4295-BEAC-4D2495FBAF92}" type="datetime1">
               <a:rPr lang="de-DE" smtClean="0"/>
-              <a:t>16.09.16</a:t>
+              <a:t>16.09.2016</a:t>
             </a:fld>
             <a:endParaRPr lang="de-DE"/>
           </a:p>
@@ -2737,10 +2688,9 @@
           <a:lstStyle/>
           <a:p>
             <a:r>
-              <a:rPr lang="de-DE" dirty="0" smtClean="0"/>
+              <a:rPr lang="de-DE" dirty="0"/>
               <a:t>Thinktecture AG</a:t>
             </a:r>
-            <a:endParaRPr lang="de-DE" dirty="0"/>
           </a:p>
         </p:txBody>
       </p:sp>
@@ -2822,10 +2772,9 @@
           </a:lstStyle>
           <a:p>
             <a:r>
-              <a:rPr lang="de-DE" smtClean="0"/>
+              <a:rPr lang="de-DE"/>
               <a:t>Titelmasterformat durch Klicken bearbeiten</a:t>
             </a:r>
-            <a:endParaRPr lang="de-DE"/>
           </a:p>
         </p:txBody>
       </p:sp>
@@ -2949,7 +2898,7 @@
           <a:p>
             <a:pPr lvl="0"/>
             <a:r>
-              <a:rPr lang="de-DE" smtClean="0"/>
+              <a:rPr lang="de-DE"/>
               <a:t>Textmasterformat bearbeiten</a:t>
             </a:r>
           </a:p>
@@ -2972,7 +2921,7 @@
           <a:p>
             <a:fld id="{78F0536F-C5C3-4B22-9F81-E0B6E31B69F0}" type="datetime1">
               <a:rPr lang="de-DE" smtClean="0"/>
-              <a:t>16.09.16</a:t>
+              <a:t>16.09.2016</a:t>
             </a:fld>
             <a:endParaRPr lang="de-DE"/>
           </a:p>
@@ -2994,10 +2943,9 @@
           <a:lstStyle/>
           <a:p>
             <a:r>
-              <a:rPr lang="de-DE" dirty="0" smtClean="0"/>
+              <a:rPr lang="de-DE" dirty="0"/>
               <a:t>Thinktecture AG</a:t>
             </a:r>
-            <a:endParaRPr lang="de-DE" dirty="0"/>
           </a:p>
         </p:txBody>
       </p:sp>
@@ -3135,10 +3083,9 @@
           <a:lstStyle/>
           <a:p>
             <a:r>
-              <a:rPr lang="de-DE" dirty="0" smtClean="0"/>
+              <a:rPr lang="de-DE" dirty="0"/>
               <a:t>Titelmasterformat durch Klicken bearbeiten</a:t>
             </a:r>
-            <a:endParaRPr lang="de-DE" dirty="0"/>
           </a:p>
         </p:txBody>
       </p:sp>
@@ -3169,38 +3116,37 @@
           <a:p>
             <a:pPr lvl="0"/>
             <a:r>
-              <a:rPr lang="de-DE" dirty="0" smtClean="0"/>
+              <a:rPr lang="de-DE" dirty="0"/>
               <a:t>Textmasterformat bearbeiten</a:t>
             </a:r>
           </a:p>
           <a:p>
             <a:pPr lvl="1"/>
             <a:r>
-              <a:rPr lang="de-DE" dirty="0" smtClean="0"/>
+              <a:rPr lang="de-DE" dirty="0"/>
               <a:t>Zweite Ebene</a:t>
             </a:r>
           </a:p>
           <a:p>
             <a:pPr lvl="2"/>
             <a:r>
-              <a:rPr lang="de-DE" dirty="0" smtClean="0"/>
+              <a:rPr lang="de-DE" dirty="0"/>
               <a:t>Dritte Ebene</a:t>
             </a:r>
           </a:p>
           <a:p>
             <a:pPr lvl="3"/>
             <a:r>
-              <a:rPr lang="de-DE" dirty="0" smtClean="0"/>
+              <a:rPr lang="de-DE" dirty="0"/>
               <a:t>Vierte Ebene</a:t>
             </a:r>
           </a:p>
           <a:p>
             <a:pPr lvl="4"/>
             <a:r>
-              <a:rPr lang="de-DE" dirty="0" smtClean="0"/>
+              <a:rPr lang="de-DE" dirty="0"/>
               <a:t>Fünfte Ebene</a:t>
             </a:r>
-            <a:endParaRPr lang="de-DE" dirty="0"/>
           </a:p>
         </p:txBody>
       </p:sp>
@@ -3238,7 +3184,7 @@
           <a:p>
             <a:fld id="{3EA40879-1D4E-4B48-87F7-898D964442F8}" type="datetime1">
               <a:rPr lang="de-DE" smtClean="0"/>
-              <a:t>16.09.16</a:t>
+              <a:t>16.09.2016</a:t>
             </a:fld>
             <a:endParaRPr lang="de-DE" dirty="0"/>
           </a:p>
@@ -3277,10 +3223,9 @@
           </a:lstStyle>
           <a:p>
             <a:r>
-              <a:rPr lang="de-DE" dirty="0" smtClean="0"/>
+              <a:rPr lang="de-DE" dirty="0"/>
               <a:t>Thinktecture AG</a:t>
             </a:r>
-            <a:endParaRPr lang="de-DE" dirty="0"/>
           </a:p>
         </p:txBody>
       </p:sp>
@@ -3471,13 +3416,6 @@
     <p:sldLayoutId id="2147483658" r:id="rId10"/>
     <p:sldLayoutId id="2147483659" r:id="rId11"/>
   </p:sldLayoutIdLst>
-  <p:timing>
-    <p:tnLst>
-      <p:par>
-        <p:cTn id="1" dur="indefinite" restart="never" nodeType="tmRoot"/>
-      </p:par>
-    </p:tnLst>
-  </p:timing>
   <p:hf hdr="0" dt="0"/>
   <p:txStyles>
     <p:titleStyle>
@@ -3768,15 +3706,15 @@
           <a:lstStyle/>
           <a:p>
             <a:r>
-              <a:rPr lang="en-US" sz="2800" dirty="0" err="1" smtClean="0"/>
+              <a:rPr lang="en-US" sz="2800" dirty="0" err="1"/>
               <a:t>Hackschool</a:t>
             </a:r>
             <a:r>
-              <a:rPr lang="en-US" sz="2800" dirty="0" smtClean="0"/>
+              <a:rPr lang="en-US" sz="2800" dirty="0"/>
               <a:t> - </a:t>
             </a:r>
             <a:r>
-              <a:rPr lang="en-US" sz="2800" dirty="0" err="1" smtClean="0"/>
+              <a:rPr lang="en-US" sz="2800" dirty="0" err="1"/>
               <a:t>Crossplattform</a:t>
             </a:r>
             <a:endParaRPr lang="en-US" sz="2800" dirty="0"/>
@@ -3806,7 +3744,7 @@
           <a:lstStyle/>
           <a:p>
             <a:r>
-              <a:rPr lang="en-US" sz="2400" dirty="0" smtClean="0">
+              <a:rPr lang="en-US" sz="2400" dirty="0">
                 <a:solidFill>
                   <a:schemeClr val="bg1">
                     <a:lumMod val="50000"/>
@@ -3816,7 +3754,7 @@
               <a:t>Steffen Jahr &amp; Sebastian </a:t>
             </a:r>
             <a:r>
-              <a:rPr lang="en-US" sz="2400" dirty="0" err="1" smtClean="0">
+              <a:rPr lang="en-US" sz="2400" dirty="0" err="1">
                 <a:solidFill>
                   <a:schemeClr val="bg1">
                     <a:lumMod val="50000"/>
@@ -3825,7 +3763,7 @@
               </a:rPr>
               <a:t>Gingter</a:t>
             </a:r>
-            <a:endParaRPr lang="en-US" sz="2400" dirty="0" smtClean="0">
+            <a:endParaRPr lang="en-US" sz="2400" dirty="0">
               <a:solidFill>
                 <a:schemeClr val="bg1">
                   <a:lumMod val="50000"/>
@@ -3835,7 +3773,7 @@
           </a:p>
           <a:p>
             <a:r>
-              <a:rPr lang="en-US" dirty="0" err="1" smtClean="0">
+              <a:rPr lang="en-US" dirty="0" err="1">
                 <a:solidFill>
                   <a:schemeClr val="bg1">
                     <a:lumMod val="50000"/>
@@ -3845,7 +3783,7 @@
               <a:t>Thinktecture</a:t>
             </a:r>
             <a:r>
-              <a:rPr lang="en-US" dirty="0" smtClean="0">
+              <a:rPr lang="en-US" dirty="0">
                 <a:solidFill>
                   <a:schemeClr val="bg1">
                     <a:lumMod val="50000"/>
@@ -3874,13 +3812,6 @@
   <p:clrMapOvr>
     <a:masterClrMapping/>
   </p:clrMapOvr>
-  <p:timing>
-    <p:tnLst>
-      <p:par>
-        <p:cTn id="1" dur="indefinite" restart="never" nodeType="tmRoot"/>
-      </p:par>
-    </p:tnLst>
-  </p:timing>
 </p:sld>
 </file>
 
@@ -3917,7 +3848,7 @@
           <a:lstStyle/>
           <a:p>
             <a:r>
-              <a:rPr lang="en-US" dirty="0" err="1" smtClean="0"/>
+              <a:rPr lang="en-US" dirty="0" err="1"/>
               <a:t>Direktiven</a:t>
             </a:r>
             <a:endParaRPr lang="en-US" dirty="0"/>
@@ -4005,7 +3936,7 @@
           <a:lstStyle/>
           <a:p>
             <a:r>
-              <a:rPr lang="de-DE" smtClean="0"/>
+              <a:rPr lang="de-DE"/>
               <a:t>Thinktecture AG</a:t>
             </a:r>
             <a:endParaRPr lang="de-DE" dirty="0"/>
@@ -4081,10 +4012,9 @@
           <a:lstStyle/>
           <a:p>
             <a:r>
-              <a:rPr lang="en-US" dirty="0" smtClean="0"/>
+              <a:rPr lang="en-US" dirty="0"/>
               <a:t>Bindings</a:t>
             </a:r>
-            <a:endParaRPr lang="en-US" dirty="0"/>
           </a:p>
         </p:txBody>
       </p:sp>
@@ -4181,7 +4111,7 @@
           <a:lstStyle/>
           <a:p>
             <a:r>
-              <a:rPr lang="de-DE" smtClean="0"/>
+              <a:rPr lang="de-DE"/>
               <a:t>Thinktecture AG</a:t>
             </a:r>
             <a:endParaRPr lang="de-DE" dirty="0"/>
@@ -4257,10 +4187,9 @@
           <a:lstStyle/>
           <a:p>
             <a:r>
-              <a:rPr lang="en-US" dirty="0" smtClean="0"/>
+              <a:rPr lang="en-US" dirty="0"/>
               <a:t>Routing</a:t>
             </a:r>
-            <a:endParaRPr lang="en-US" dirty="0"/>
           </a:p>
         </p:txBody>
       </p:sp>
@@ -4349,7 +4278,7 @@
           <a:lstStyle/>
           <a:p>
             <a:r>
-              <a:rPr lang="de-DE" smtClean="0"/>
+              <a:rPr lang="de-DE"/>
               <a:t>Thinktecture AG</a:t>
             </a:r>
             <a:endParaRPr lang="de-DE" dirty="0"/>
@@ -4425,37 +4354,178 @@
           <a:lstStyle/>
           <a:p>
             <a:r>
-              <a:rPr lang="en-US" dirty="0" smtClean="0"/>
+              <a:rPr lang="en-US" dirty="0"/>
               <a:t>Was </a:t>
             </a:r>
             <a:r>
-              <a:rPr lang="en-US" dirty="0" err="1" smtClean="0"/>
+              <a:rPr lang="en-US" dirty="0" err="1"/>
               <a:t>ist</a:t>
             </a:r>
             <a:r>
-              <a:rPr lang="en-US" dirty="0" smtClean="0"/>
+              <a:rPr lang="en-US" dirty="0"/>
               <a:t> Gulp?</a:t>
             </a:r>
+          </a:p>
+        </p:txBody>
+      </p:sp>
+      <p:sp>
+        <p:nvSpPr>
+          <p:cNvPr id="3" name="Content Placeholder 2"/>
+          <p:cNvSpPr>
+            <a:spLocks noGrp="1"/>
+          </p:cNvSpPr>
+          <p:nvPr>
+            <p:ph idx="1"/>
+          </p:nvPr>
+        </p:nvSpPr>
+        <p:spPr/>
+        <p:txBody>
+          <a:bodyPr/>
+          <a:lstStyle/>
+          <a:p>
+            <a:r>
+              <a:rPr lang="en-US" dirty="0"/>
+              <a:t>Gulp </a:t>
+            </a:r>
+            <a:r>
+              <a:rPr lang="en-US" dirty="0" err="1"/>
+              <a:t>ist</a:t>
+            </a:r>
+            <a:r>
+              <a:rPr lang="en-US" dirty="0"/>
+              <a:t> </a:t>
+            </a:r>
+            <a:r>
+              <a:rPr lang="en-US" dirty="0" err="1"/>
+              <a:t>ein</a:t>
+            </a:r>
+            <a:r>
+              <a:rPr lang="en-US" dirty="0"/>
+              <a:t> Task-Runner</a:t>
+            </a:r>
+          </a:p>
+          <a:p>
             <a:endParaRPr lang="en-US" dirty="0"/>
           </a:p>
-        </p:txBody>
-      </p:sp>
-      <p:sp>
-        <p:nvSpPr>
-          <p:cNvPr id="3" name="Content Placeholder 2"/>
-          <p:cNvSpPr>
-            <a:spLocks noGrp="1"/>
-          </p:cNvSpPr>
-          <p:nvPr>
-            <p:ph idx="1"/>
-          </p:nvPr>
-        </p:nvSpPr>
-        <p:spPr/>
-        <p:txBody>
-          <a:bodyPr/>
-          <a:lstStyle/>
-          <a:p>
-            <a:endParaRPr lang="en-US"/>
+          <a:p>
+            <a:r>
+              <a:rPr lang="en-US" dirty="0" err="1"/>
+              <a:t>Basiert</a:t>
+            </a:r>
+            <a:r>
+              <a:rPr lang="en-US" dirty="0"/>
+              <a:t> auf Node.js</a:t>
+            </a:r>
+          </a:p>
+          <a:p>
+            <a:endParaRPr lang="en-US" dirty="0"/>
+          </a:p>
+          <a:p>
+            <a:r>
+              <a:rPr lang="en-US" dirty="0"/>
+              <a:t>Gulp-Tasks </a:t>
+            </a:r>
+            <a:r>
+              <a:rPr lang="en-US" dirty="0" err="1"/>
+              <a:t>sind</a:t>
+            </a:r>
+            <a:r>
+              <a:rPr lang="en-US" dirty="0"/>
+              <a:t> </a:t>
+            </a:r>
+            <a:r>
+              <a:rPr lang="en-US" dirty="0" err="1"/>
+              <a:t>kleine</a:t>
+            </a:r>
+            <a:r>
+              <a:rPr lang="en-US" dirty="0"/>
+              <a:t>, </a:t>
+            </a:r>
+            <a:r>
+              <a:rPr lang="en-US" dirty="0" err="1"/>
+              <a:t>Eigentständige</a:t>
+            </a:r>
+            <a:r>
+              <a:rPr lang="en-US" dirty="0"/>
+              <a:t> JavaScript-</a:t>
+            </a:r>
+            <a:r>
+              <a:rPr lang="en-US" dirty="0" err="1"/>
+              <a:t>Funktionen</a:t>
+            </a:r>
+            <a:endParaRPr lang="en-US" dirty="0"/>
+          </a:p>
+          <a:p>
+            <a:endParaRPr lang="en-US" dirty="0"/>
+          </a:p>
+          <a:p>
+            <a:r>
+              <a:rPr lang="en-US" dirty="0" err="1"/>
+              <a:t>Erlaubt</a:t>
+            </a:r>
+            <a:r>
+              <a:rPr lang="en-US" dirty="0"/>
+              <a:t> </a:t>
+            </a:r>
+            <a:r>
+              <a:rPr lang="en-US" dirty="0" err="1"/>
+              <a:t>es</a:t>
+            </a:r>
+            <a:r>
+              <a:rPr lang="en-US" dirty="0"/>
+              <a:t>, </a:t>
+            </a:r>
+            <a:r>
+              <a:rPr lang="en-US" dirty="0" err="1"/>
+              <a:t>Aufgaben</a:t>
+            </a:r>
+            <a:r>
+              <a:rPr lang="en-US" dirty="0"/>
+              <a:t> </a:t>
+            </a:r>
+            <a:r>
+              <a:rPr lang="en-US" dirty="0" err="1"/>
+              <a:t>im</a:t>
+            </a:r>
+            <a:r>
+              <a:rPr lang="en-US" dirty="0"/>
+              <a:t> Build-</a:t>
+            </a:r>
+            <a:r>
+              <a:rPr lang="en-US" dirty="0" err="1"/>
+              <a:t>Prozess</a:t>
+            </a:r>
+            <a:r>
+              <a:rPr lang="en-US" dirty="0"/>
+              <a:t> </a:t>
+            </a:r>
+            <a:r>
+              <a:rPr lang="en-US" dirty="0" err="1"/>
+              <a:t>bequem</a:t>
+            </a:r>
+            <a:r>
+              <a:rPr lang="en-US" dirty="0"/>
+              <a:t> </a:t>
+            </a:r>
+            <a:r>
+              <a:rPr lang="en-US" dirty="0" err="1"/>
+              <a:t>zu</a:t>
+            </a:r>
+            <a:r>
+              <a:rPr lang="en-US" dirty="0"/>
+              <a:t> </a:t>
+            </a:r>
+            <a:r>
+              <a:rPr lang="en-US" dirty="0" err="1"/>
+              <a:t>automatisieren</a:t>
+            </a:r>
+            <a:endParaRPr lang="en-US" dirty="0"/>
+          </a:p>
+          <a:p>
+            <a:endParaRPr lang="en-US" dirty="0"/>
+          </a:p>
+          <a:p>
+            <a:endParaRPr lang="en-US" dirty="0"/>
           </a:p>
         </p:txBody>
       </p:sp>
@@ -4475,7 +4545,7 @@
           <a:lstStyle/>
           <a:p>
             <a:r>
-              <a:rPr lang="de-DE" smtClean="0"/>
+              <a:rPr lang="de-DE"/>
               <a:t>Thinktecture AG</a:t>
             </a:r>
             <a:endParaRPr lang="de-DE" dirty="0"/>
@@ -4551,10 +4621,9 @@
           <a:lstStyle/>
           <a:p>
             <a:r>
-              <a:rPr lang="en-US" dirty="0" smtClean="0"/>
+              <a:rPr lang="en-US" dirty="0"/>
               <a:t>Apache Cordova</a:t>
             </a:r>
-            <a:endParaRPr lang="en-US" dirty="0"/>
           </a:p>
         </p:txBody>
       </p:sp>
@@ -4624,6 +4693,9 @@
             <a:endParaRPr lang="en-US" dirty="0"/>
           </a:p>
           <a:p>
+            <a:endParaRPr lang="en-US" dirty="0"/>
+          </a:p>
+          <a:p>
             <a:r>
               <a:rPr lang="en-US" dirty="0" err="1"/>
               <a:t>Erweiterbar</a:t>
@@ -4642,6 +4714,9 @@
             </a:r>
           </a:p>
           <a:p>
+            <a:endParaRPr lang="en-US" dirty="0"/>
+          </a:p>
+          <a:p>
             <a:r>
               <a:rPr lang="en-US" dirty="0" err="1"/>
               <a:t>Ermöglicht</a:t>
@@ -4688,7 +4763,7 @@
           <a:lstStyle/>
           <a:p>
             <a:r>
-              <a:rPr lang="de-DE" smtClean="0"/>
+              <a:rPr lang="de-DE"/>
               <a:t>Thinktecture AG</a:t>
             </a:r>
             <a:endParaRPr lang="de-DE" dirty="0"/>
@@ -4764,14 +4839,13 @@
           <a:lstStyle/>
           <a:p>
             <a:r>
-              <a:rPr lang="en-US" dirty="0" err="1" smtClean="0"/>
+              <a:rPr lang="en-US" dirty="0" err="1"/>
               <a:t>Fragen</a:t>
             </a:r>
             <a:r>
-              <a:rPr lang="en-US" dirty="0" smtClean="0"/>
+              <a:rPr lang="en-US" dirty="0"/>
               <a:t>?</a:t>
             </a:r>
-            <a:endParaRPr lang="en-US" dirty="0"/>
           </a:p>
         </p:txBody>
       </p:sp>
@@ -4791,14 +4865,13 @@
           <a:lstStyle/>
           <a:p>
             <a:r>
-              <a:rPr lang="en-US" dirty="0" err="1" smtClean="0"/>
+              <a:rPr lang="en-US" dirty="0" err="1"/>
               <a:t>Antworten</a:t>
             </a:r>
             <a:r>
-              <a:rPr lang="en-US" dirty="0" smtClean="0"/>
+              <a:rPr lang="en-US" dirty="0"/>
               <a:t>!</a:t>
             </a:r>
-            <a:endParaRPr lang="en-US" dirty="0"/>
           </a:p>
         </p:txBody>
       </p:sp>
@@ -4848,14 +4921,13 @@
           <a:lstStyle/>
           <a:p>
             <a:r>
-              <a:rPr lang="en-US" dirty="0" err="1" smtClean="0"/>
+              <a:rPr lang="en-US" dirty="0" err="1"/>
               <a:t>Quellen</a:t>
             </a:r>
             <a:r>
-              <a:rPr lang="en-US" dirty="0" smtClean="0"/>
+              <a:rPr lang="en-US" dirty="0"/>
               <a:t>/Links</a:t>
             </a:r>
-            <a:endParaRPr lang="en-US" dirty="0"/>
           </a:p>
         </p:txBody>
       </p:sp>
@@ -4894,7 +4966,7 @@
           <a:lstStyle/>
           <a:p>
             <a:r>
-              <a:rPr lang="de-DE" smtClean="0"/>
+              <a:rPr lang="de-DE"/>
               <a:t>Thinktecture AG</a:t>
             </a:r>
             <a:endParaRPr lang="de-DE" dirty="0"/>
@@ -4970,10 +5042,9 @@
           <a:lstStyle/>
           <a:p>
             <a:r>
-              <a:rPr lang="en-US" dirty="0" smtClean="0"/>
+              <a:rPr lang="en-US" dirty="0"/>
               <a:t>Speaker</a:t>
             </a:r>
-            <a:endParaRPr lang="en-US" dirty="0"/>
           </a:p>
         </p:txBody>
       </p:sp>
@@ -5010,7 +5081,7 @@
               <a:defRPr/>
             </a:pPr>
             <a:r>
-              <a:rPr lang="en-US" b="1" dirty="0" smtClean="0"/>
+              <a:rPr lang="en-US" b="1" dirty="0"/>
               <a:t>Steffen Jahr</a:t>
             </a:r>
           </a:p>
@@ -5033,7 +5104,7 @@
               <a:defRPr/>
             </a:pPr>
             <a:r>
-              <a:rPr lang="en-US" dirty="0" smtClean="0"/>
+              <a:rPr lang="en-US" dirty="0"/>
               <a:t>Software Developer</a:t>
             </a:r>
           </a:p>
@@ -5076,11 +5147,11 @@
               <a:defRPr/>
             </a:pPr>
             <a:r>
-              <a:rPr lang="en-US" dirty="0" err="1" smtClean="0"/>
+              <a:rPr lang="en-US" dirty="0" err="1"/>
               <a:t>Fokus</a:t>
             </a:r>
             <a:r>
-              <a:rPr lang="en-US" dirty="0" smtClean="0"/>
+              <a:rPr lang="en-US" dirty="0"/>
               <a:t>:</a:t>
             </a:r>
           </a:p>
@@ -5103,7 +5174,7 @@
               <a:defRPr/>
             </a:pPr>
             <a:r>
-              <a:rPr lang="en-US" dirty="0" smtClean="0"/>
+              <a:rPr lang="en-US" dirty="0"/>
               <a:t>Frontend</a:t>
             </a:r>
           </a:p>
@@ -5126,7 +5197,7 @@
               <a:defRPr/>
             </a:pPr>
             <a:r>
-              <a:rPr lang="en-US" dirty="0" smtClean="0"/>
+              <a:rPr lang="en-US" dirty="0"/>
               <a:t>Angular</a:t>
             </a:r>
           </a:p>
@@ -5149,8 +5220,54 @@
               <a:defRPr/>
             </a:pPr>
             <a:r>
-              <a:rPr lang="en-US" dirty="0" smtClean="0"/>
+              <a:rPr lang="en-US" dirty="0"/>
               <a:t>Apache Cordova</a:t>
+            </a:r>
+          </a:p>
+          <a:p>
+            <a:pPr marR="0" lvl="0" defTabSz="914400" eaLnBrk="1" fontAlgn="auto" latinLnBrk="0" hangingPunct="1">
+              <a:lnSpc>
+                <a:spcPct val="100000"/>
+              </a:lnSpc>
+              <a:spcBef>
+                <a:spcPts val="0"/>
+              </a:spcBef>
+              <a:spcAft>
+                <a:spcPts val="0"/>
+              </a:spcAft>
+              <a:buClrTx/>
+              <a:buSzTx/>
+              <a:buFontTx/>
+              <a:buChar char="-"/>
+              <a:tabLst/>
+              <a:defRPr/>
+            </a:pPr>
+            <a:endParaRPr lang="en-US" dirty="0"/>
+          </a:p>
+          <a:p>
+            <a:pPr marL="0" marR="0" lvl="0" indent="0" defTabSz="914400" eaLnBrk="1" fontAlgn="auto" latinLnBrk="0" hangingPunct="1">
+              <a:lnSpc>
+                <a:spcPct val="100000"/>
+              </a:lnSpc>
+              <a:spcBef>
+                <a:spcPts val="0"/>
+              </a:spcBef>
+              <a:spcAft>
+                <a:spcPts val="0"/>
+              </a:spcAft>
+              <a:buClrTx/>
+              <a:buSzTx/>
+              <a:buNone/>
+              <a:tabLst/>
+              <a:defRPr/>
+            </a:pPr>
+            <a:r>
+              <a:rPr lang="en-US" dirty="0"/>
+              <a:t>Twitter:      @</a:t>
+            </a:r>
+            <a:r>
+              <a:rPr lang="en-US" dirty="0" err="1"/>
+              <a:t>SteffenJahr</a:t>
             </a:r>
             <a:endParaRPr lang="en-US" dirty="0"/>
           </a:p>
@@ -5194,11 +5311,11 @@
               <a:defRPr/>
             </a:pPr>
             <a:r>
-              <a:rPr lang="en-US" b="1" dirty="0" smtClean="0"/>
+              <a:rPr lang="en-US" b="1" dirty="0"/>
               <a:t>Sebastian P.R. </a:t>
             </a:r>
             <a:r>
-              <a:rPr lang="en-US" b="1" dirty="0" err="1" smtClean="0"/>
+              <a:rPr lang="en-US" b="1" dirty="0" err="1"/>
               <a:t>Gingter</a:t>
             </a:r>
             <a:endParaRPr lang="en-US" b="1" dirty="0"/>
@@ -5222,143 +5339,9 @@
               <a:defRPr/>
             </a:pPr>
             <a:r>
-              <a:rPr lang="en-US" dirty="0" smtClean="0"/>
+              <a:rPr lang="en-US" dirty="0"/>
               <a:t>Software Engineer</a:t>
             </a:r>
-          </a:p>
-          <a:p>
-            <a:pPr marL="0" marR="0" lvl="0" indent="0" defTabSz="914400" eaLnBrk="1" fontAlgn="auto" latinLnBrk="0" hangingPunct="1">
-              <a:lnSpc>
-                <a:spcPct val="100000"/>
-              </a:lnSpc>
-              <a:spcBef>
-                <a:spcPts val="0"/>
-              </a:spcBef>
-              <a:spcAft>
-                <a:spcPts val="0"/>
-              </a:spcAft>
-              <a:buClrTx/>
-              <a:buSzTx/>
-              <a:buFontTx/>
-              <a:buNone/>
-              <a:tabLst/>
-              <a:defRPr/>
-            </a:pPr>
-            <a:endParaRPr lang="en-US" dirty="0" smtClean="0"/>
-          </a:p>
-          <a:p>
-            <a:pPr marL="0" marR="0" lvl="0" indent="0" defTabSz="914400" eaLnBrk="1" fontAlgn="auto" latinLnBrk="0" hangingPunct="1">
-              <a:lnSpc>
-                <a:spcPct val="100000"/>
-              </a:lnSpc>
-              <a:spcBef>
-                <a:spcPts val="0"/>
-              </a:spcBef>
-              <a:spcAft>
-                <a:spcPts val="0"/>
-              </a:spcAft>
-              <a:buClrTx/>
-              <a:buSzTx/>
-              <a:buFontTx/>
-              <a:buNone/>
-              <a:tabLst/>
-              <a:defRPr/>
-            </a:pPr>
-            <a:r>
-              <a:rPr lang="en-US" dirty="0" smtClean="0"/>
-              <a:t>		</a:t>
-            </a:r>
-            <a:r>
-              <a:rPr lang="en-US" dirty="0" err="1" smtClean="0"/>
-              <a:t>Fokus</a:t>
-            </a:r>
-            <a:r>
-              <a:rPr lang="en-US" dirty="0" smtClean="0"/>
-              <a:t>:</a:t>
-            </a:r>
-          </a:p>
-          <a:p>
-            <a:pPr marL="0" marR="0" lvl="0" indent="0" defTabSz="914400" eaLnBrk="1" fontAlgn="auto" latinLnBrk="0" hangingPunct="1">
-              <a:lnSpc>
-                <a:spcPct val="100000"/>
-              </a:lnSpc>
-              <a:spcBef>
-                <a:spcPts val="0"/>
-              </a:spcBef>
-              <a:spcAft>
-                <a:spcPts val="0"/>
-              </a:spcAft>
-              <a:buClrTx/>
-              <a:buSzTx/>
-              <a:buFontTx/>
-              <a:buNone/>
-              <a:tabLst/>
-              <a:defRPr/>
-            </a:pPr>
-            <a:r>
-              <a:rPr lang="en-US" dirty="0" smtClean="0"/>
-              <a:t>		- Backend</a:t>
-            </a:r>
-          </a:p>
-          <a:p>
-            <a:pPr marL="0" marR="0" lvl="0" indent="0" defTabSz="914400" eaLnBrk="1" fontAlgn="auto" latinLnBrk="0" hangingPunct="1">
-              <a:lnSpc>
-                <a:spcPct val="100000"/>
-              </a:lnSpc>
-              <a:spcBef>
-                <a:spcPts val="0"/>
-              </a:spcBef>
-              <a:spcAft>
-                <a:spcPts val="0"/>
-              </a:spcAft>
-              <a:buClrTx/>
-              <a:buSzTx/>
-              <a:buFontTx/>
-              <a:buNone/>
-              <a:tabLst/>
-              <a:defRPr/>
-            </a:pPr>
-            <a:r>
-              <a:rPr lang="en-US" dirty="0"/>
-              <a:t>	</a:t>
-            </a:r>
-            <a:r>
-              <a:rPr lang="en-US" dirty="0" smtClean="0"/>
-              <a:t>	- </a:t>
-            </a:r>
-            <a:r>
-              <a:rPr lang="en-US" dirty="0" err="1" smtClean="0"/>
-              <a:t>TypeScript</a:t>
-            </a:r>
-            <a:endParaRPr lang="en-US" dirty="0" smtClean="0"/>
-          </a:p>
-          <a:p>
-            <a:pPr marL="0" marR="0" lvl="0" indent="0" defTabSz="914400" eaLnBrk="1" fontAlgn="auto" latinLnBrk="0" hangingPunct="1">
-              <a:lnSpc>
-                <a:spcPct val="100000"/>
-              </a:lnSpc>
-              <a:spcBef>
-                <a:spcPts val="0"/>
-              </a:spcBef>
-              <a:spcAft>
-                <a:spcPts val="0"/>
-              </a:spcAft>
-              <a:buClrTx/>
-              <a:buSzTx/>
-              <a:buFontTx/>
-              <a:buNone/>
-              <a:tabLst/>
-              <a:defRPr/>
-            </a:pPr>
-            <a:r>
-              <a:rPr lang="en-US" dirty="0"/>
-              <a:t>	 </a:t>
-            </a:r>
-            <a:r>
-              <a:rPr lang="en-US" dirty="0" smtClean="0"/>
-              <a:t>     	- C# / .NET Core</a:t>
-            </a:r>
-            <a:endParaRPr lang="en-US" dirty="0"/>
           </a:p>
           <a:p>
             <a:pPr marL="0" marR="0" lvl="0" indent="0" defTabSz="914400" eaLnBrk="1" fontAlgn="auto" latinLnBrk="0" hangingPunct="1">
@@ -5380,6 +5363,146 @@
             </a:pPr>
             <a:endParaRPr lang="en-US" dirty="0"/>
           </a:p>
+          <a:p>
+            <a:pPr marL="0" marR="0" lvl="0" indent="0" defTabSz="914400" eaLnBrk="1" fontAlgn="auto" latinLnBrk="0" hangingPunct="1">
+              <a:lnSpc>
+                <a:spcPct val="100000"/>
+              </a:lnSpc>
+              <a:spcBef>
+                <a:spcPts val="0"/>
+              </a:spcBef>
+              <a:spcAft>
+                <a:spcPts val="0"/>
+              </a:spcAft>
+              <a:buClrTx/>
+              <a:buSzTx/>
+              <a:buFontTx/>
+              <a:buNone/>
+              <a:tabLst/>
+              <a:defRPr/>
+            </a:pPr>
+            <a:r>
+              <a:rPr lang="en-US" dirty="0"/>
+              <a:t>		</a:t>
+            </a:r>
+            <a:r>
+              <a:rPr lang="en-US" dirty="0" err="1"/>
+              <a:t>Fokus</a:t>
+            </a:r>
+            <a:r>
+              <a:rPr lang="en-US" dirty="0"/>
+              <a:t>:</a:t>
+            </a:r>
+          </a:p>
+          <a:p>
+            <a:pPr marL="0" marR="0" lvl="0" indent="0" defTabSz="914400" eaLnBrk="1" fontAlgn="auto" latinLnBrk="0" hangingPunct="1">
+              <a:lnSpc>
+                <a:spcPct val="100000"/>
+              </a:lnSpc>
+              <a:spcBef>
+                <a:spcPts val="0"/>
+              </a:spcBef>
+              <a:spcAft>
+                <a:spcPts val="0"/>
+              </a:spcAft>
+              <a:buClrTx/>
+              <a:buSzTx/>
+              <a:buFontTx/>
+              <a:buNone/>
+              <a:tabLst/>
+              <a:defRPr/>
+            </a:pPr>
+            <a:r>
+              <a:rPr lang="en-US" dirty="0"/>
+              <a:t>		- Backend</a:t>
+            </a:r>
+          </a:p>
+          <a:p>
+            <a:pPr marL="0" marR="0" lvl="0" indent="0" defTabSz="914400" eaLnBrk="1" fontAlgn="auto" latinLnBrk="0" hangingPunct="1">
+              <a:lnSpc>
+                <a:spcPct val="100000"/>
+              </a:lnSpc>
+              <a:spcBef>
+                <a:spcPts val="0"/>
+              </a:spcBef>
+              <a:spcAft>
+                <a:spcPts val="0"/>
+              </a:spcAft>
+              <a:buClrTx/>
+              <a:buSzTx/>
+              <a:buFontTx/>
+              <a:buNone/>
+              <a:tabLst/>
+              <a:defRPr/>
+            </a:pPr>
+            <a:r>
+              <a:rPr lang="en-US" dirty="0"/>
+              <a:t>		- </a:t>
+            </a:r>
+            <a:r>
+              <a:rPr lang="en-US" dirty="0" err="1"/>
+              <a:t>TypeScript</a:t>
+            </a:r>
+            <a:endParaRPr lang="en-US" dirty="0"/>
+          </a:p>
+          <a:p>
+            <a:pPr marL="0" marR="0" lvl="0" indent="0" defTabSz="914400" eaLnBrk="1" fontAlgn="auto" latinLnBrk="0" hangingPunct="1">
+              <a:lnSpc>
+                <a:spcPct val="100000"/>
+              </a:lnSpc>
+              <a:spcBef>
+                <a:spcPts val="0"/>
+              </a:spcBef>
+              <a:spcAft>
+                <a:spcPts val="0"/>
+              </a:spcAft>
+              <a:buClrTx/>
+              <a:buSzTx/>
+              <a:buFontTx/>
+              <a:buNone/>
+              <a:tabLst/>
+              <a:defRPr/>
+            </a:pPr>
+            <a:r>
+              <a:rPr lang="en-US" dirty="0"/>
+              <a:t>	      	- C# / .NET Core</a:t>
+            </a:r>
+            <a:br>
+              <a:rPr lang="en-US" dirty="0"/>
+            </a:br>
+            <a:br>
+              <a:rPr lang="en-US" dirty="0"/>
+            </a:br>
+            <a:r>
+              <a:rPr lang="en-US" dirty="0"/>
+              <a:t>	@</a:t>
+            </a:r>
+            <a:r>
+              <a:rPr lang="en-US" dirty="0" err="1"/>
+              <a:t>PhoenixHawk</a:t>
+            </a:r>
+            <a:endParaRPr lang="en-US" dirty="0"/>
+          </a:p>
+          <a:p>
+            <a:pPr marL="0" marR="0" lvl="0" indent="0" defTabSz="914400" eaLnBrk="1" fontAlgn="auto" latinLnBrk="0" hangingPunct="1">
+              <a:lnSpc>
+                <a:spcPct val="100000"/>
+              </a:lnSpc>
+              <a:spcBef>
+                <a:spcPts val="0"/>
+              </a:spcBef>
+              <a:spcAft>
+                <a:spcPts val="0"/>
+              </a:spcAft>
+              <a:buClrTx/>
+              <a:buSzTx/>
+              <a:buFontTx/>
+              <a:buNone/>
+              <a:tabLst/>
+              <a:defRPr/>
+            </a:pPr>
+            <a:endParaRPr lang="en-US" dirty="0"/>
+          </a:p>
         </p:txBody>
       </p:sp>
       <p:sp>
@@ -5398,7 +5521,7 @@
           <a:lstStyle/>
           <a:p>
             <a:r>
-              <a:rPr lang="de-DE" smtClean="0"/>
+              <a:rPr lang="de-DE"/>
               <a:t>Thinktecture AG</a:t>
             </a:r>
             <a:endParaRPr lang="de-DE" dirty="0"/>
@@ -5428,30 +5551,6 @@
           </a:p>
         </p:txBody>
       </p:sp>
-      <p:pic>
-        <p:nvPicPr>
-          <p:cNvPr id="10" name="Picture 9"/>
-          <p:cNvPicPr>
-            <a:picLocks noChangeAspect="1"/>
-          </p:cNvPicPr>
-          <p:nvPr/>
-        </p:nvPicPr>
-        <p:blipFill>
-          <a:blip r:embed="rId2"/>
-          <a:stretch>
-            <a:fillRect/>
-          </a:stretch>
-        </p:blipFill>
-        <p:spPr>
-          <a:xfrm>
-            <a:off x="4237112" y="2906052"/>
-            <a:ext cx="1357630" cy="1914258"/>
-          </a:xfrm>
-          <a:prstGeom prst="rect">
-            <a:avLst/>
-          </a:prstGeom>
-        </p:spPr>
-      </p:pic>
     </p:spTree>
     <p:extLst>
       <p:ext uri="{BB962C8B-B14F-4D97-AF65-F5344CB8AC3E}">
@@ -5462,13 +5561,6 @@
   <p:clrMapOvr>
     <a:masterClrMapping/>
   </p:clrMapOvr>
-  <p:timing>
-    <p:tnLst>
-      <p:par>
-        <p:cTn id="1" dur="indefinite" restart="never" nodeType="tmRoot"/>
-      </p:par>
-    </p:tnLst>
-  </p:timing>
 </p:sld>
 </file>
 
@@ -5505,10 +5597,9 @@
           <a:lstStyle/>
           <a:p>
             <a:r>
-              <a:rPr lang="en-US" dirty="0" smtClean="0"/>
+              <a:rPr lang="en-US" dirty="0"/>
               <a:t>Apps should run on any device and platform</a:t>
             </a:r>
-            <a:endParaRPr lang="en-US" dirty="0"/>
           </a:p>
         </p:txBody>
       </p:sp>
@@ -5528,10 +5619,9 @@
           <a:lstStyle/>
           <a:p>
             <a:r>
-              <a:rPr lang="en-US" dirty="0" smtClean="0"/>
+              <a:rPr lang="en-US" dirty="0"/>
               <a:t>Thinktecture AG</a:t>
             </a:r>
-            <a:endParaRPr lang="en-US" dirty="0"/>
           </a:p>
         </p:txBody>
       </p:sp>
@@ -5581,14 +5671,11 @@
           <a:lstStyle/>
           <a:p>
             <a:r>
-              <a:rPr lang="en-US" dirty="0" smtClean="0">
+              <a:rPr lang="en-US" dirty="0">
                 <a:latin typeface="Textra LT Book" panose="02000503080000020004" pitchFamily="2" charset="0"/>
               </a:rPr>
               <a:t>Support all devices</a:t>
             </a:r>
-            <a:endParaRPr lang="en-US" dirty="0">
-              <a:latin typeface="Textra LT Book" panose="02000503080000020004" pitchFamily="2" charset="0"/>
-            </a:endParaRPr>
           </a:p>
         </p:txBody>
       </p:sp>
@@ -5615,14 +5702,11 @@
           <a:lstStyle/>
           <a:p>
             <a:r>
-              <a:rPr lang="en-US" dirty="0" smtClean="0">
+              <a:rPr lang="en-US" dirty="0">
                 <a:latin typeface="Textra LT Book" panose="02000503080000020004" pitchFamily="2" charset="0"/>
               </a:rPr>
               <a:t>Support any platform</a:t>
             </a:r>
-            <a:endParaRPr lang="en-US" dirty="0">
-              <a:latin typeface="Textra LT Book" panose="02000503080000020004" pitchFamily="2" charset="0"/>
-            </a:endParaRPr>
           </a:p>
         </p:txBody>
       </p:sp>
@@ -5649,14 +5733,11 @@
           <a:lstStyle/>
           <a:p>
             <a:r>
-              <a:rPr lang="en-US" dirty="0" smtClean="0">
+              <a:rPr lang="en-US" dirty="0">
                 <a:latin typeface="Textra LT Book" panose="02000503080000020004" pitchFamily="2" charset="0"/>
               </a:rPr>
               <a:t>Support apps and websites</a:t>
             </a:r>
-            <a:endParaRPr lang="en-US" dirty="0">
-              <a:latin typeface="Textra LT Book" panose="02000503080000020004" pitchFamily="2" charset="0"/>
-            </a:endParaRPr>
           </a:p>
         </p:txBody>
       </p:sp>
@@ -5686,7 +5767,7 @@
           <a:p>
             <a:pPr algn="ctr"/>
             <a:r>
-              <a:rPr lang="en-US" sz="2800" dirty="0" smtClean="0">
+              <a:rPr lang="en-US" sz="2800" dirty="0">
                 <a:solidFill>
                   <a:schemeClr val="bg1"/>
                 </a:solidFill>
@@ -5694,12 +5775,6 @@
               </a:rPr>
               <a:t>Multi platform + multi channel approach</a:t>
             </a:r>
-            <a:endParaRPr lang="en-US" sz="2800" dirty="0">
-              <a:solidFill>
-                <a:schemeClr val="bg1"/>
-              </a:solidFill>
-              <a:latin typeface="Textra LT Book" panose="02000503080000020004" pitchFamily="2" charset="0"/>
-            </a:endParaRPr>
           </a:p>
         </p:txBody>
       </p:sp>
@@ -6414,7 +6489,7 @@
               <a:lstStyle/>
               <a:p>
                 <a:r>
-                  <a:rPr lang="en-US" sz="600" dirty="0" smtClean="0">
+                  <a:rPr lang="en-US" sz="600" dirty="0">
                     <a:solidFill>
                       <a:schemeClr val="bg1">
                         <a:lumMod val="50000"/>
@@ -6558,7 +6633,7 @@
               <a:lstStyle/>
               <a:p>
                 <a:r>
-                  <a:rPr lang="en-US" sz="600" dirty="0" smtClean="0">
+                  <a:rPr lang="en-US" sz="600" dirty="0">
                     <a:solidFill>
                       <a:schemeClr val="bg1">
                         <a:lumMod val="50000"/>
@@ -7054,7 +7129,7 @@
           <a:lstStyle/>
           <a:p>
             <a:r>
-              <a:rPr lang="en-US" dirty="0" smtClean="0">
+              <a:rPr lang="en-US" dirty="0">
                 <a:solidFill>
                   <a:schemeClr val="accent6"/>
                 </a:solidFill>
@@ -7064,14 +7139,6 @@
               </a:rPr>
               <a:t>Including websites + browsers!</a:t>
             </a:r>
-            <a:endParaRPr lang="en-US" dirty="0">
-              <a:solidFill>
-                <a:schemeClr val="accent6"/>
-              </a:solidFill>
-              <a:latin typeface="Chalkduster" charset="0"/>
-              <a:ea typeface="Chalkduster" charset="0"/>
-              <a:cs typeface="Chalkduster" charset="0"/>
-            </a:endParaRPr>
           </a:p>
         </p:txBody>
       </p:sp>
@@ -7085,13 +7152,6 @@
   <p:clrMapOvr>
     <a:masterClrMapping/>
   </p:clrMapOvr>
-  <p:timing>
-    <p:tnLst>
-      <p:par>
-        <p:cTn id="1" dur="indefinite" restart="never" nodeType="tmRoot"/>
-      </p:par>
-    </p:tnLst>
-  </p:timing>
 </p:sld>
 </file>
 
@@ -7128,10 +7188,9 @@
           <a:lstStyle/>
           <a:p>
             <a:r>
-              <a:rPr lang="en-US" dirty="0" smtClean="0"/>
+              <a:rPr lang="en-US" dirty="0"/>
               <a:t>Agenda</a:t>
             </a:r>
-            <a:endParaRPr lang="en-US" dirty="0"/>
           </a:p>
         </p:txBody>
       </p:sp>
@@ -7153,28 +7212,27 @@
           <a:lstStyle/>
           <a:p>
             <a:r>
-              <a:rPr lang="en-US" sz="3200" dirty="0" smtClean="0"/>
+              <a:rPr lang="en-US" sz="3200" dirty="0"/>
               <a:t>Block 1: Intro &amp; Setup</a:t>
             </a:r>
           </a:p>
           <a:p>
             <a:r>
-              <a:rPr lang="en-US" sz="3200" dirty="0" smtClean="0"/>
+              <a:rPr lang="en-US" sz="3200" dirty="0"/>
               <a:t>Block 2: Angular</a:t>
             </a:r>
           </a:p>
           <a:p>
             <a:r>
-              <a:rPr lang="en-US" sz="3200" dirty="0" smtClean="0"/>
+              <a:rPr lang="en-US" sz="3200" dirty="0"/>
               <a:t>Block 3: Angular &amp; Cordova</a:t>
             </a:r>
           </a:p>
           <a:p>
             <a:r>
-              <a:rPr lang="en-US" sz="3200" dirty="0" smtClean="0"/>
+              <a:rPr lang="en-US" sz="3200" dirty="0"/>
               <a:t>Block 4: Cordova &amp; FAQ</a:t>
             </a:r>
-            <a:endParaRPr lang="en-US" sz="3200" dirty="0"/>
           </a:p>
         </p:txBody>
       </p:sp>
@@ -7194,7 +7252,7 @@
           <a:lstStyle/>
           <a:p>
             <a:r>
-              <a:rPr lang="de-DE" smtClean="0"/>
+              <a:rPr lang="de-DE"/>
               <a:t>Thinktecture AG</a:t>
             </a:r>
             <a:endParaRPr lang="de-DE" dirty="0"/>
@@ -7270,10 +7328,9 @@
           <a:lstStyle/>
           <a:p>
             <a:r>
-              <a:rPr lang="en-US" dirty="0" smtClean="0"/>
+              <a:rPr lang="en-US" dirty="0"/>
               <a:t>Intro</a:t>
             </a:r>
-            <a:endParaRPr lang="en-US" dirty="0"/>
           </a:p>
         </p:txBody>
       </p:sp>
@@ -7293,34 +7350,33 @@
           <a:lstStyle/>
           <a:p>
             <a:r>
-              <a:rPr lang="en-US" dirty="0" smtClean="0"/>
+              <a:rPr lang="en-US" dirty="0"/>
               <a:t>Was </a:t>
             </a:r>
             <a:r>
-              <a:rPr lang="en-US" dirty="0" err="1" smtClean="0"/>
+              <a:rPr lang="en-US" dirty="0" err="1"/>
               <a:t>haben</a:t>
             </a:r>
             <a:r>
-              <a:rPr lang="en-US" dirty="0" smtClean="0"/>
+              <a:rPr lang="en-US" dirty="0"/>
               <a:t> </a:t>
             </a:r>
             <a:r>
-              <a:rPr lang="en-US" dirty="0" err="1" smtClean="0"/>
+              <a:rPr lang="en-US" dirty="0" err="1"/>
               <a:t>wir</a:t>
             </a:r>
             <a:r>
-              <a:rPr lang="en-US" dirty="0" smtClean="0"/>
+              <a:rPr lang="en-US" dirty="0"/>
               <a:t> </a:t>
             </a:r>
             <a:r>
-              <a:rPr lang="en-US" dirty="0" err="1" smtClean="0"/>
+              <a:rPr lang="en-US" dirty="0" err="1"/>
               <a:t>vor</a:t>
             </a:r>
             <a:r>
-              <a:rPr lang="en-US" dirty="0" smtClean="0"/>
+              <a:rPr lang="en-US" dirty="0"/>
               <a:t>?</a:t>
             </a:r>
-            <a:endParaRPr lang="en-US" dirty="0"/>
           </a:p>
         </p:txBody>
       </p:sp>
@@ -7340,7 +7396,7 @@
           <a:lstStyle/>
           <a:p>
             <a:r>
-              <a:rPr lang="de-DE" smtClean="0"/>
+              <a:rPr lang="de-DE"/>
               <a:t>Thinktecture AG</a:t>
             </a:r>
             <a:endParaRPr lang="de-DE" dirty="0"/>
@@ -7416,10 +7472,9 @@
           <a:lstStyle/>
           <a:p>
             <a:r>
-              <a:rPr lang="en-US" dirty="0" smtClean="0"/>
+              <a:rPr lang="en-US" dirty="0"/>
               <a:t>Setup</a:t>
             </a:r>
-            <a:endParaRPr lang="en-US" dirty="0"/>
           </a:p>
         </p:txBody>
       </p:sp>
@@ -7446,39 +7501,20 @@
               <a:rPr lang="de-DE" dirty="0"/>
             </a:br>
             <a:r>
-              <a:rPr lang="de-DE" dirty="0"/>
-              <a:t>https://</a:t>
-            </a:r>
-            <a:r>
-              <a:rPr lang="de-DE" dirty="0" err="1"/>
-              <a:t>github.com</a:t>
-            </a:r>
-            <a:r>
-              <a:rPr lang="de-DE" dirty="0"/>
-              <a:t>/</a:t>
-            </a:r>
-            <a:r>
-              <a:rPr lang="de-DE" dirty="0" err="1"/>
-              <a:t>thinktecture</a:t>
-            </a:r>
-            <a:r>
-              <a:rPr lang="de-DE" dirty="0"/>
-              <a:t>/</a:t>
-            </a:r>
-            <a:br>
-              <a:rPr lang="de-DE" dirty="0"/>
-            </a:br>
-            <a:r>
-              <a:rPr lang="de-DE" dirty="0"/>
-              <a:t>	hackschool-</a:t>
-            </a:r>
-            <a:r>
-              <a:rPr lang="de-DE" dirty="0" err="1"/>
-              <a:t>crossplatform</a:t>
+              <a:rPr lang="de-DE" dirty="0">
+                <a:hlinkClick r:id="rId2"/>
+              </a:rPr>
+              <a:t>https://github.com/thinktecture/hackschool-crossplatform</a:t>
             </a:r>
             <a:endParaRPr lang="de-DE" dirty="0"/>
           </a:p>
           <a:p>
+            <a:endParaRPr lang="de-DE" dirty="0"/>
+          </a:p>
+          <a:p>
+            <a:endParaRPr lang="de-DE" dirty="0"/>
+          </a:p>
+          <a:p>
             <a:endParaRPr lang="en-US" dirty="0"/>
           </a:p>
         </p:txBody>
@@ -7499,7 +7535,7 @@
           <a:lstStyle/>
           <a:p>
             <a:r>
-              <a:rPr lang="de-DE" smtClean="0"/>
+              <a:rPr lang="de-DE"/>
               <a:t>Thinktecture AG</a:t>
             </a:r>
             <a:endParaRPr lang="de-DE" dirty="0"/>
@@ -7575,95 +7611,113 @@
           <a:lstStyle/>
           <a:p>
             <a:r>
-              <a:rPr lang="en-US" dirty="0" smtClean="0"/>
+              <a:rPr lang="en-US" dirty="0"/>
               <a:t>API</a:t>
             </a:r>
+          </a:p>
+        </p:txBody>
+      </p:sp>
+      <p:sp>
+        <p:nvSpPr>
+          <p:cNvPr id="3" name="Content Placeholder 2"/>
+          <p:cNvSpPr>
+            <a:spLocks noGrp="1"/>
+          </p:cNvSpPr>
+          <p:nvPr>
+            <p:ph idx="1"/>
+          </p:nvPr>
+        </p:nvSpPr>
+        <p:spPr/>
+        <p:txBody>
+          <a:bodyPr/>
+          <a:lstStyle/>
+          <a:p>
+            <a:r>
+              <a:rPr lang="en-US" dirty="0"/>
+              <a:t>Mini Pokémon API</a:t>
+            </a:r>
+          </a:p>
+          <a:p>
             <a:endParaRPr lang="en-US" dirty="0"/>
           </a:p>
-        </p:txBody>
-      </p:sp>
-      <p:sp>
-        <p:nvSpPr>
-          <p:cNvPr id="3" name="Content Placeholder 2"/>
-          <p:cNvSpPr>
-            <a:spLocks noGrp="1"/>
-          </p:cNvSpPr>
-          <p:nvPr>
-            <p:ph idx="1"/>
-          </p:nvPr>
-        </p:nvSpPr>
-        <p:spPr/>
-        <p:txBody>
-          <a:bodyPr/>
-          <a:lstStyle/>
-          <a:p>
-            <a:r>
-              <a:rPr lang="en-US" dirty="0" smtClean="0"/>
-              <a:t>Mini Pokémon API</a:t>
-            </a:r>
-          </a:p>
-          <a:p>
+          <a:p>
+            <a:r>
+              <a:rPr lang="en-US" dirty="0" err="1"/>
+              <a:t>Im</a:t>
+            </a:r>
+            <a:r>
+              <a:rPr lang="en-US" dirty="0"/>
+              <a:t> </a:t>
+            </a:r>
+            <a:r>
+              <a:rPr lang="en-US" dirty="0" err="1"/>
+              <a:t>Ordner</a:t>
+            </a:r>
+            <a:r>
+              <a:rPr lang="en-US" dirty="0"/>
+              <a:t> </a:t>
+            </a:r>
+            <a:r>
+              <a:rPr lang="en-US" i="1" dirty="0" err="1"/>
+              <a:t>api</a:t>
+            </a:r>
+            <a:endParaRPr lang="en-US" i="1" dirty="0"/>
+          </a:p>
+          <a:p>
+            <a:pPr lvl="1"/>
+            <a:r>
+              <a:rPr lang="en-US" dirty="0" err="1"/>
+              <a:t>npm</a:t>
+            </a:r>
+            <a:r>
+              <a:rPr lang="en-US" dirty="0"/>
+              <a:t> </a:t>
+            </a:r>
+            <a:r>
+              <a:rPr lang="en-US" dirty="0" err="1"/>
+              <a:t>i</a:t>
+            </a:r>
             <a:endParaRPr lang="en-US" dirty="0"/>
           </a:p>
           <a:p>
-            <a:r>
-              <a:rPr lang="en-US" dirty="0" err="1" smtClean="0"/>
-              <a:t>Im</a:t>
-            </a:r>
-            <a:r>
-              <a:rPr lang="en-US" dirty="0" smtClean="0"/>
-              <a:t> </a:t>
-            </a:r>
-            <a:r>
-              <a:rPr lang="en-US" dirty="0" err="1" smtClean="0"/>
-              <a:t>Ordner</a:t>
-            </a:r>
-            <a:r>
-              <a:rPr lang="en-US" dirty="0" smtClean="0"/>
-              <a:t> </a:t>
-            </a:r>
-            <a:r>
-              <a:rPr lang="en-US" i="1" dirty="0" err="1" smtClean="0"/>
-              <a:t>api</a:t>
-            </a:r>
-            <a:endParaRPr lang="en-US" i="1" dirty="0" smtClean="0"/>
-          </a:p>
-          <a:p>
             <a:pPr lvl="1"/>
             <a:r>
               <a:rPr lang="en-US" dirty="0" err="1"/>
-              <a:t>n</a:t>
-            </a:r>
-            <a:r>
-              <a:rPr lang="en-US" dirty="0" err="1" smtClean="0"/>
-              <a:t>pm</a:t>
-            </a:r>
-            <a:r>
-              <a:rPr lang="en-US" dirty="0" smtClean="0"/>
-              <a:t> </a:t>
-            </a:r>
-            <a:r>
-              <a:rPr lang="en-US" dirty="0" err="1" smtClean="0"/>
-              <a:t>i</a:t>
-            </a:r>
-            <a:endParaRPr lang="en-US" dirty="0" smtClean="0"/>
-          </a:p>
-          <a:p>
-            <a:pPr lvl="1"/>
+              <a:t>npm</a:t>
+            </a:r>
+            <a:r>
+              <a:rPr lang="en-US" dirty="0"/>
+              <a:t> start</a:t>
+            </a:r>
+          </a:p>
+          <a:p>
+            <a:endParaRPr lang="en-US" dirty="0"/>
+          </a:p>
+          <a:p>
+            <a:r>
+              <a:rPr lang="en-US" dirty="0"/>
+              <a:t>GET http://localhost:8090/pokemon		</a:t>
+            </a:r>
             <a:r>
               <a:rPr lang="en-US" dirty="0" err="1"/>
-              <a:t>n</a:t>
-            </a:r>
-            <a:r>
-              <a:rPr lang="en-US" dirty="0" err="1" smtClean="0"/>
-              <a:t>pm</a:t>
-            </a:r>
-            <a:r>
-              <a:rPr lang="en-US" dirty="0" smtClean="0"/>
-              <a:t> start</a:t>
+              <a:t>LiefertListe</a:t>
             </a:r>
             <a:endParaRPr lang="en-US" dirty="0"/>
           </a:p>
+          <a:p>
+            <a:r>
+              <a:rPr lang="en-US" dirty="0"/>
+              <a:t>GET http://localhost:8090/pokemon/{id}	</a:t>
+            </a:r>
+            <a:r>
+              <a:rPr lang="en-US" dirty="0" err="1"/>
+              <a:t>Liefert</a:t>
+            </a:r>
+            <a:r>
+              <a:rPr lang="en-US" dirty="0"/>
+              <a:t> Details </a:t>
+            </a:r>
+          </a:p>
         </p:txBody>
       </p:sp>
       <p:sp>
@@ -7682,7 +7736,7 @@
           <a:lstStyle/>
           <a:p>
             <a:r>
-              <a:rPr lang="de-DE" smtClean="0"/>
+              <a:rPr lang="de-DE"/>
               <a:t>Thinktecture AG</a:t>
             </a:r>
             <a:endParaRPr lang="de-DE" dirty="0"/>
@@ -7758,10 +7812,9 @@
           <a:lstStyle/>
           <a:p>
             <a:r>
-              <a:rPr lang="en-US" dirty="0" smtClean="0"/>
+              <a:rPr lang="en-US" dirty="0"/>
               <a:t>Angular 2</a:t>
             </a:r>
-            <a:endParaRPr lang="en-US" dirty="0"/>
           </a:p>
         </p:txBody>
       </p:sp>
@@ -7781,48 +7834,47 @@
           <a:lstStyle/>
           <a:p>
             <a:r>
-              <a:rPr lang="en-US" dirty="0" smtClean="0"/>
+              <a:rPr lang="en-US" dirty="0"/>
               <a:t>Was </a:t>
             </a:r>
             <a:r>
-              <a:rPr lang="en-US" dirty="0" err="1" smtClean="0"/>
+              <a:rPr lang="en-US" dirty="0" err="1"/>
               <a:t>ist</a:t>
             </a:r>
             <a:r>
-              <a:rPr lang="en-US" dirty="0" smtClean="0"/>
+              <a:rPr lang="en-US" dirty="0"/>
               <a:t> Angular?</a:t>
             </a:r>
           </a:p>
           <a:p>
             <a:r>
-              <a:rPr lang="en-US" dirty="0" smtClean="0"/>
+              <a:rPr lang="en-US" dirty="0"/>
               <a:t>Was </a:t>
             </a:r>
             <a:r>
-              <a:rPr lang="en-US" dirty="0" err="1" smtClean="0"/>
+              <a:rPr lang="en-US" dirty="0" err="1"/>
               <a:t>ist</a:t>
             </a:r>
             <a:r>
-              <a:rPr lang="en-US" dirty="0" smtClean="0"/>
+              <a:rPr lang="en-US" dirty="0"/>
               <a:t> </a:t>
             </a:r>
             <a:r>
-              <a:rPr lang="en-US" dirty="0" err="1" smtClean="0"/>
+              <a:rPr lang="en-US" dirty="0" err="1"/>
               <a:t>es</a:t>
             </a:r>
             <a:r>
-              <a:rPr lang="en-US" dirty="0" smtClean="0"/>
+              <a:rPr lang="en-US" dirty="0"/>
               <a:t> </a:t>
             </a:r>
             <a:r>
-              <a:rPr lang="en-US" dirty="0" err="1" smtClean="0"/>
+              <a:rPr lang="en-US" dirty="0" err="1"/>
               <a:t>nicht</a:t>
             </a:r>
             <a:r>
-              <a:rPr lang="en-US" dirty="0" smtClean="0"/>
+              <a:rPr lang="en-US" dirty="0"/>
               <a:t>?</a:t>
             </a:r>
-            <a:endParaRPr lang="en-US" dirty="0"/>
           </a:p>
         </p:txBody>
       </p:sp>
@@ -7842,7 +7894,7 @@
           <a:lstStyle/>
           <a:p>
             <a:r>
-              <a:rPr lang="de-DE" smtClean="0"/>
+              <a:rPr lang="de-DE"/>
               <a:t>Thinktecture AG</a:t>
             </a:r>
             <a:endParaRPr lang="de-DE" dirty="0"/>
@@ -7918,15 +7970,15 @@
           <a:lstStyle/>
           <a:p>
             <a:r>
-              <a:rPr lang="en-US" dirty="0" err="1" smtClean="0"/>
+              <a:rPr lang="en-US" dirty="0" err="1"/>
               <a:t>Komponenten</a:t>
             </a:r>
             <a:r>
-              <a:rPr lang="en-US" dirty="0" smtClean="0"/>
+              <a:rPr lang="en-US" dirty="0"/>
               <a:t> und </a:t>
             </a:r>
             <a:r>
-              <a:rPr lang="en-US" dirty="0" err="1" smtClean="0"/>
+              <a:rPr lang="en-US" dirty="0" err="1"/>
               <a:t>Direktiven</a:t>
             </a:r>
             <a:endParaRPr lang="en-US" dirty="0"/>
@@ -7949,110 +8001,109 @@
           <a:lstStyle/>
           <a:p>
             <a:r>
-              <a:rPr lang="en-US" dirty="0" smtClean="0"/>
+              <a:rPr lang="en-US" dirty="0"/>
               <a:t>Was </a:t>
             </a:r>
             <a:r>
-              <a:rPr lang="en-US" dirty="0" err="1" smtClean="0"/>
+              <a:rPr lang="en-US" dirty="0" err="1"/>
               <a:t>sind</a:t>
             </a:r>
             <a:r>
-              <a:rPr lang="en-US" dirty="0" smtClean="0"/>
+              <a:rPr lang="en-US" dirty="0"/>
               <a:t> </a:t>
             </a:r>
             <a:r>
-              <a:rPr lang="en-US" dirty="0" err="1" smtClean="0"/>
+              <a:rPr lang="en-US" dirty="0" err="1"/>
               <a:t>Komponenten</a:t>
             </a:r>
             <a:r>
-              <a:rPr lang="en-US" dirty="0" smtClean="0"/>
+              <a:rPr lang="en-US" dirty="0"/>
               <a:t>?</a:t>
             </a:r>
           </a:p>
           <a:p>
             <a:pPr lvl="1"/>
             <a:r>
-              <a:rPr lang="en-US" dirty="0" err="1" smtClean="0"/>
+              <a:rPr lang="en-US" dirty="0" err="1"/>
               <a:t>Erstellen</a:t>
             </a:r>
             <a:r>
-              <a:rPr lang="en-US" dirty="0" smtClean="0"/>
+              <a:rPr lang="en-US" dirty="0"/>
               <a:t> </a:t>
             </a:r>
             <a:r>
-              <a:rPr lang="en-US" dirty="0" err="1" smtClean="0"/>
+              <a:rPr lang="en-US" dirty="0" err="1"/>
               <a:t>neues</a:t>
             </a:r>
             <a:r>
-              <a:rPr lang="en-US" dirty="0" smtClean="0"/>
+              <a:rPr lang="en-US" dirty="0"/>
               <a:t> HTML</a:t>
             </a:r>
           </a:p>
           <a:p>
             <a:r>
-              <a:rPr lang="en-US" dirty="0" smtClean="0"/>
+              <a:rPr lang="en-US" dirty="0"/>
               <a:t>Was </a:t>
             </a:r>
             <a:r>
-              <a:rPr lang="en-US" dirty="0" err="1" smtClean="0"/>
+              <a:rPr lang="en-US" dirty="0" err="1"/>
               <a:t>sind</a:t>
             </a:r>
             <a:r>
-              <a:rPr lang="en-US" dirty="0" smtClean="0"/>
+              <a:rPr lang="en-US" dirty="0"/>
               <a:t> </a:t>
             </a:r>
             <a:r>
-              <a:rPr lang="en-US" dirty="0" err="1" smtClean="0"/>
+              <a:rPr lang="en-US" dirty="0" err="1"/>
               <a:t>Direktiven</a:t>
             </a:r>
             <a:r>
-              <a:rPr lang="en-US" dirty="0" smtClean="0"/>
+              <a:rPr lang="en-US" dirty="0"/>
               <a:t>?</a:t>
             </a:r>
           </a:p>
           <a:p>
             <a:pPr lvl="1"/>
             <a:r>
-              <a:rPr lang="en-US" dirty="0" err="1" smtClean="0"/>
+              <a:rPr lang="en-US" dirty="0" err="1"/>
               <a:t>Nehmen</a:t>
             </a:r>
             <a:r>
-              <a:rPr lang="en-US" dirty="0" smtClean="0"/>
+              <a:rPr lang="en-US" dirty="0"/>
               <a:t> </a:t>
             </a:r>
             <a:r>
-              <a:rPr lang="en-US" dirty="0" err="1" smtClean="0"/>
+              <a:rPr lang="en-US" dirty="0" err="1"/>
               <a:t>Einfluss</a:t>
             </a:r>
             <a:r>
-              <a:rPr lang="en-US" dirty="0" smtClean="0"/>
+              <a:rPr lang="en-US" dirty="0"/>
               <a:t> auf den DOM </a:t>
             </a:r>
             <a:r>
-              <a:rPr lang="en-US" dirty="0" err="1" smtClean="0"/>
+              <a:rPr lang="en-US" dirty="0" err="1"/>
               <a:t>innerhalb</a:t>
             </a:r>
             <a:r>
-              <a:rPr lang="en-US" dirty="0" smtClean="0"/>
+              <a:rPr lang="en-US" dirty="0"/>
               <a:t> </a:t>
             </a:r>
             <a:r>
-              <a:rPr lang="en-US" dirty="0" err="1" smtClean="0"/>
+              <a:rPr lang="en-US" dirty="0" err="1"/>
               <a:t>oder</a:t>
             </a:r>
             <a:r>
-              <a:rPr lang="en-US" dirty="0" smtClean="0"/>
+              <a:rPr lang="en-US" dirty="0"/>
               <a:t> auf </a:t>
             </a:r>
             <a:r>
-              <a:rPr lang="en-US" dirty="0" err="1" smtClean="0"/>
+              <a:rPr lang="en-US" dirty="0" err="1"/>
               <a:t>einem</a:t>
             </a:r>
             <a:r>
-              <a:rPr lang="en-US" dirty="0" smtClean="0"/>
+              <a:rPr lang="en-US" dirty="0"/>
               <a:t> HTML-Tag</a:t>
             </a:r>
-            <a:endParaRPr lang="en-US" dirty="0"/>
           </a:p>
         </p:txBody>
       </p:sp>
@@ -8072,7 +8123,7 @@
           <a:lstStyle/>
           <a:p>
             <a:r>
-              <a:rPr lang="de-DE" smtClean="0"/>
+              <a:rPr lang="de-DE"/>
               <a:t>Thinktecture AG</a:t>
             </a:r>
             <a:endParaRPr lang="de-DE" dirty="0"/>

--- a/Hackschool.pptx
+++ b/Hackschool.pptx
@@ -5,25 +5,24 @@
     <p:sldMasterId id="2147483648" r:id="rId1"/>
   </p:sldMasterIdLst>
   <p:notesMasterIdLst>
-    <p:notesMasterId r:id="rId18"/>
+    <p:notesMasterId r:id="rId17"/>
   </p:notesMasterIdLst>
   <p:sldIdLst>
     <p:sldId id="256" r:id="rId2"/>
     <p:sldId id="327" r:id="rId3"/>
-    <p:sldId id="304" r:id="rId4"/>
-    <p:sldId id="328" r:id="rId5"/>
-    <p:sldId id="329" r:id="rId6"/>
-    <p:sldId id="330" r:id="rId7"/>
-    <p:sldId id="331" r:id="rId8"/>
-    <p:sldId id="332" r:id="rId9"/>
-    <p:sldId id="333" r:id="rId10"/>
-    <p:sldId id="334" r:id="rId11"/>
-    <p:sldId id="335" r:id="rId12"/>
-    <p:sldId id="336" r:id="rId13"/>
-    <p:sldId id="337" r:id="rId14"/>
-    <p:sldId id="338" r:id="rId15"/>
-    <p:sldId id="340" r:id="rId16"/>
-    <p:sldId id="339" r:id="rId17"/>
+    <p:sldId id="328" r:id="rId4"/>
+    <p:sldId id="329" r:id="rId5"/>
+    <p:sldId id="330" r:id="rId6"/>
+    <p:sldId id="331" r:id="rId7"/>
+    <p:sldId id="332" r:id="rId8"/>
+    <p:sldId id="333" r:id="rId9"/>
+    <p:sldId id="334" r:id="rId10"/>
+    <p:sldId id="335" r:id="rId11"/>
+    <p:sldId id="336" r:id="rId12"/>
+    <p:sldId id="337" r:id="rId13"/>
+    <p:sldId id="338" r:id="rId14"/>
+    <p:sldId id="340" r:id="rId15"/>
+    <p:sldId id="339" r:id="rId16"/>
   </p:sldIdLst>
   <p:sldSz cx="9144000" cy="6858000" type="screen4x3"/>
   <p:notesSz cx="6858000" cy="9144000"/>
@@ -223,7 +222,7 @@
           <a:p>
             <a:fld id="{418AA284-825F-4886-9A11-F48E5CF22948}" type="datetimeFigureOut">
               <a:rPr lang="de-DE" smtClean="0"/>
-              <a:t>16.09.2016</a:t>
+              <a:t>16.09.16</a:t>
             </a:fld>
             <a:endParaRPr lang="de-DE"/>
           </a:p>
@@ -675,7 +674,7 @@
           <a:p>
             <a:fld id="{49F58C5F-2A47-4155-8A24-93E4578DD726}" type="datetime1">
               <a:rPr lang="de-DE" smtClean="0"/>
-              <a:t>16.09.2016</a:t>
+              <a:t>16.09.16</a:t>
             </a:fld>
             <a:endParaRPr lang="de-DE"/>
           </a:p>
@@ -850,7 +849,7 @@
           <a:p>
             <a:fld id="{6CC1F0CD-C325-45B2-84F0-EC7EE2C11FF8}" type="datetime1">
               <a:rPr lang="de-DE" smtClean="0"/>
-              <a:t>16.09.2016</a:t>
+              <a:t>16.09.16</a:t>
             </a:fld>
             <a:endParaRPr lang="de-DE"/>
           </a:p>
@@ -1031,7 +1030,7 @@
           <a:p>
             <a:fld id="{A0461D7F-EDF9-4AF0-AA91-65D7B548FB29}" type="datetime1">
               <a:rPr lang="de-DE" smtClean="0"/>
-              <a:t>16.09.2016</a:t>
+              <a:t>16.09.16</a:t>
             </a:fld>
             <a:endParaRPr lang="de-DE"/>
           </a:p>
@@ -1212,7 +1211,7 @@
           <a:p>
             <a:fld id="{3A735D52-20DE-4354-9C16-36FEBE25E686}" type="datetime1">
               <a:rPr lang="de-DE" smtClean="0"/>
-              <a:t>16.09.2016</a:t>
+              <a:t>16.09.16</a:t>
             </a:fld>
             <a:endParaRPr lang="de-DE"/>
           </a:p>
@@ -1460,7 +1459,7 @@
           <a:p>
             <a:fld id="{48FB9DC3-0B49-45DC-995E-D94736C3FACA}" type="datetime1">
               <a:rPr lang="de-DE" smtClean="0"/>
-              <a:t>16.09.2016</a:t>
+              <a:t>16.09.16</a:t>
             </a:fld>
             <a:endParaRPr lang="de-DE"/>
           </a:p>
@@ -1748,7 +1747,7 @@
           <a:p>
             <a:fld id="{3D9C5F60-CD2F-4A29-B225-C68BEA969866}" type="datetime1">
               <a:rPr lang="de-DE" smtClean="0"/>
-              <a:t>16.09.2016</a:t>
+              <a:t>16.09.16</a:t>
             </a:fld>
             <a:endParaRPr lang="de-DE"/>
           </a:p>
@@ -2170,7 +2169,7 @@
           <a:p>
             <a:fld id="{BA297D2E-C96F-45B3-BC0A-156A354E3A19}" type="datetime1">
               <a:rPr lang="de-DE" smtClean="0"/>
-              <a:t>16.09.2016</a:t>
+              <a:t>16.09.16</a:t>
             </a:fld>
             <a:endParaRPr lang="de-DE"/>
           </a:p>
@@ -2290,7 +2289,7 @@
           <a:p>
             <a:fld id="{8B7E8498-BFF7-4DD2-AB1B-D3ACA3638E74}" type="datetime1">
               <a:rPr lang="de-DE" smtClean="0"/>
-              <a:t>16.09.2016</a:t>
+              <a:t>16.09.16</a:t>
             </a:fld>
             <a:endParaRPr lang="de-DE"/>
           </a:p>
@@ -2388,7 +2387,7 @@
           <a:p>
             <a:fld id="{000A7196-2DAF-45A0-B938-B243C63B9C3A}" type="datetime1">
               <a:rPr lang="de-DE" smtClean="0"/>
-              <a:t>16.09.2016</a:t>
+              <a:t>16.09.16</a:t>
             </a:fld>
             <a:endParaRPr lang="de-DE"/>
           </a:p>
@@ -2666,7 +2665,7 @@
           <a:p>
             <a:fld id="{A5C58A3D-8E51-4295-BEAC-4D2495FBAF92}" type="datetime1">
               <a:rPr lang="de-DE" smtClean="0"/>
-              <a:t>16.09.2016</a:t>
+              <a:t>16.09.16</a:t>
             </a:fld>
             <a:endParaRPr lang="de-DE"/>
           </a:p>
@@ -2921,7 +2920,7 @@
           <a:p>
             <a:fld id="{78F0536F-C5C3-4B22-9F81-E0B6E31B69F0}" type="datetime1">
               <a:rPr lang="de-DE" smtClean="0"/>
-              <a:t>16.09.2016</a:t>
+              <a:t>16.09.16</a:t>
             </a:fld>
             <a:endParaRPr lang="de-DE"/>
           </a:p>
@@ -3184,7 +3183,7 @@
           <a:p>
             <a:fld id="{3EA40879-1D4E-4B48-87F7-898D964442F8}" type="datetime1">
               <a:rPr lang="de-DE" smtClean="0"/>
-              <a:t>16.09.2016</a:t>
+              <a:t>16.09.16</a:t>
             </a:fld>
             <a:endParaRPr lang="de-DE" dirty="0"/>
           </a:p>
@@ -3812,6 +3811,13 @@
   <p:clrMapOvr>
     <a:masterClrMapping/>
   </p:clrMapOvr>
+  <p:timing>
+    <p:tnLst>
+      <p:par>
+        <p:cTn id="1" dur="indefinite" restart="never" nodeType="tmRoot"/>
+      </p:par>
+    </p:tnLst>
+  </p:timing>
 </p:sld>
 </file>
 
@@ -3848,10 +3854,9 @@
           <a:lstStyle/>
           <a:p>
             <a:r>
-              <a:rPr lang="en-US" dirty="0" err="1"/>
-              <a:t>Direktiven</a:t>
-            </a:r>
-            <a:endParaRPr lang="en-US" dirty="0"/>
+              <a:rPr lang="en-US" dirty="0"/>
+              <a:t>Bindings</a:t>
+            </a:r>
           </a:p>
         </p:txBody>
       </p:sp>
@@ -3871,49 +3876,61 @@
           <a:lstStyle/>
           <a:p>
             <a:r>
-              <a:rPr lang="en-US" dirty="0" err="1"/>
-              <a:t>Strukturdirektiven</a:t>
-            </a:r>
-            <a:endParaRPr lang="en-US" dirty="0"/>
-          </a:p>
-          <a:p>
-            <a:pPr lvl="1"/>
-            <a:r>
-              <a:rPr lang="en-US" dirty="0" err="1"/>
-              <a:t>ngFor</a:t>
-            </a:r>
-            <a:endParaRPr lang="en-US" dirty="0"/>
-          </a:p>
-          <a:p>
-            <a:pPr lvl="1"/>
-            <a:r>
-              <a:rPr lang="en-US" dirty="0" err="1"/>
-              <a:t>ngIf</a:t>
-            </a:r>
-            <a:endParaRPr lang="en-US" dirty="0"/>
-          </a:p>
-          <a:p>
-            <a:r>
-              <a:rPr lang="en-US" dirty="0" err="1"/>
-              <a:t>Attribut-Direktiven</a:t>
-            </a:r>
-            <a:endParaRPr lang="en-US" dirty="0"/>
-          </a:p>
-          <a:p>
-            <a:pPr lvl="1"/>
-            <a:r>
-              <a:rPr lang="en-US" dirty="0" err="1"/>
-              <a:t>ngStyle</a:t>
-            </a:r>
-            <a:endParaRPr lang="en-US" dirty="0"/>
-          </a:p>
-          <a:p>
-            <a:pPr lvl="1"/>
-            <a:r>
-              <a:rPr lang="en-US" dirty="0" err="1"/>
-              <a:t>ngClass</a:t>
-            </a:r>
-            <a:endParaRPr lang="en-US" dirty="0"/>
+              <a:rPr lang="en-US" sz="3200" dirty="0"/>
+              <a:t>Event: (click)=“</a:t>
+            </a:r>
+            <a:r>
+              <a:rPr lang="en-US" sz="3200" dirty="0" err="1"/>
+              <a:t>myEvent</a:t>
+            </a:r>
+            <a:r>
+              <a:rPr lang="en-US" sz="3200" dirty="0"/>
+              <a:t>()” </a:t>
+            </a:r>
+          </a:p>
+          <a:p>
+            <a:r>
+              <a:rPr lang="en-US" sz="3200" dirty="0"/>
+              <a:t>One-Way: [</a:t>
+            </a:r>
+            <a:r>
+              <a:rPr lang="en-US" sz="3200" dirty="0" err="1"/>
+              <a:t>myProperty</a:t>
+            </a:r>
+            <a:r>
+              <a:rPr lang="en-US" sz="3200" dirty="0"/>
+              <a:t>]=“</a:t>
+            </a:r>
+            <a:r>
+              <a:rPr lang="en-US" sz="3200" dirty="0" err="1"/>
+              <a:t>myValue</a:t>
+            </a:r>
+            <a:r>
+              <a:rPr lang="en-US" sz="3200" dirty="0"/>
+              <a:t>”</a:t>
+            </a:r>
+          </a:p>
+          <a:p>
+            <a:r>
+              <a:rPr lang="en-US" sz="3200" dirty="0"/>
+              <a:t>Two-Way: [(</a:t>
+            </a:r>
+            <a:r>
+              <a:rPr lang="en-US" sz="3200" dirty="0" err="1"/>
+              <a:t>myProperty</a:t>
+            </a:r>
+            <a:r>
+              <a:rPr lang="en-US" sz="3200" dirty="0"/>
+              <a:t>)]=“</a:t>
+            </a:r>
+            <a:r>
+              <a:rPr lang="en-US" sz="3200" dirty="0" err="1"/>
+              <a:t>myValue</a:t>
+            </a:r>
+            <a:r>
+              <a:rPr lang="en-US" sz="3200" dirty="0"/>
+              <a:t>”</a:t>
+            </a:r>
           </a:p>
           <a:p>
             <a:endParaRPr lang="en-US" dirty="0"/>
@@ -3969,13 +3986,20 @@
     </p:spTree>
     <p:extLst>
       <p:ext uri="{BB962C8B-B14F-4D97-AF65-F5344CB8AC3E}">
-        <p14:creationId xmlns:p14="http://schemas.microsoft.com/office/powerpoint/2010/main" val="1050006647"/>
+        <p14:creationId xmlns:p14="http://schemas.microsoft.com/office/powerpoint/2010/main" val="1588588730"/>
       </p:ext>
     </p:extLst>
   </p:cSld>
   <p:clrMapOvr>
     <a:masterClrMapping/>
   </p:clrMapOvr>
+  <p:timing>
+    <p:tnLst>
+      <p:par>
+        <p:cTn id="1" dur="indefinite" restart="never" nodeType="tmRoot"/>
+      </p:par>
+    </p:tnLst>
+  </p:timing>
 </p:sld>
 </file>
 
@@ -4013,7 +4037,7 @@
           <a:p>
             <a:r>
               <a:rPr lang="en-US" dirty="0"/>
-              <a:t>Bindings</a:t>
+              <a:t>Routing</a:t>
             </a:r>
           </a:p>
         </p:txBody>
@@ -4034,61 +4058,53 @@
           <a:lstStyle/>
           <a:p>
             <a:r>
-              <a:rPr lang="en-US" dirty="0"/>
-              <a:t>Event: (click)=“</a:t>
-            </a:r>
-            <a:r>
-              <a:rPr lang="en-US" dirty="0" err="1"/>
-              <a:t>myEvent</a:t>
-            </a:r>
-            <a:r>
-              <a:rPr lang="en-US" dirty="0"/>
-              <a:t>()” </a:t>
-            </a:r>
-          </a:p>
-          <a:p>
-            <a:r>
-              <a:rPr lang="en-US" dirty="0"/>
-              <a:t>One-Way: [</a:t>
-            </a:r>
-            <a:r>
-              <a:rPr lang="en-US" dirty="0" err="1"/>
-              <a:t>myProperty</a:t>
-            </a:r>
-            <a:r>
-              <a:rPr lang="en-US" dirty="0"/>
-              <a:t>]=“</a:t>
-            </a:r>
-            <a:r>
-              <a:rPr lang="en-US" dirty="0" err="1"/>
-              <a:t>myValue</a:t>
-            </a:r>
-            <a:r>
-              <a:rPr lang="en-US" dirty="0"/>
-              <a:t>”</a:t>
-            </a:r>
-          </a:p>
-          <a:p>
-            <a:r>
-              <a:rPr lang="en-US" dirty="0"/>
-              <a:t>Two-Way: [(</a:t>
-            </a:r>
-            <a:r>
-              <a:rPr lang="en-US" dirty="0" err="1"/>
-              <a:t>myProperty</a:t>
-            </a:r>
-            <a:r>
-              <a:rPr lang="en-US" dirty="0"/>
-              <a:t>)]=“</a:t>
-            </a:r>
-            <a:r>
-              <a:rPr lang="en-US" dirty="0" err="1"/>
-              <a:t>myValue</a:t>
-            </a:r>
-            <a:r>
-              <a:rPr lang="en-US" dirty="0"/>
-              <a:t>”</a:t>
-            </a:r>
+              <a:rPr lang="en-US" sz="3200" dirty="0"/>
+              <a:t>Navigation </a:t>
+            </a:r>
+            <a:r>
+              <a:rPr lang="en-US" sz="3200" dirty="0" err="1"/>
+              <a:t>innerhalb</a:t>
+            </a:r>
+            <a:r>
+              <a:rPr lang="en-US" sz="3200" dirty="0"/>
+              <a:t> der </a:t>
+            </a:r>
+            <a:r>
+              <a:rPr lang="en-US" sz="3200" dirty="0" err="1"/>
+              <a:t>Applikation</a:t>
+            </a:r>
+            <a:endParaRPr lang="en-US" sz="3200" dirty="0"/>
+          </a:p>
+          <a:p>
+            <a:r>
+              <a:rPr lang="en-US" sz="3200" dirty="0" err="1"/>
+              <a:t>Austausch</a:t>
+            </a:r>
+            <a:r>
+              <a:rPr lang="en-US" sz="3200" dirty="0"/>
+              <a:t> der </a:t>
+            </a:r>
+            <a:r>
+              <a:rPr lang="en-US" sz="3200" dirty="0" err="1"/>
+              <a:t>Inhalte</a:t>
+            </a:r>
+            <a:r>
+              <a:rPr lang="en-US" sz="3200" dirty="0"/>
+              <a:t> </a:t>
+            </a:r>
+            <a:r>
+              <a:rPr lang="en-US" sz="3200" dirty="0" err="1"/>
+              <a:t>definierter</a:t>
+            </a:r>
+            <a:r>
+              <a:rPr lang="en-US" sz="3200" dirty="0"/>
+              <a:t> </a:t>
+            </a:r>
+            <a:r>
+              <a:rPr lang="en-US" sz="3200" dirty="0" err="1"/>
+              <a:t>Bereiche</a:t>
+            </a:r>
+            <a:endParaRPr lang="en-US" sz="3200" dirty="0"/>
           </a:p>
           <a:p>
             <a:endParaRPr lang="en-US" dirty="0"/>
@@ -4144,13 +4160,20 @@
     </p:spTree>
     <p:extLst>
       <p:ext uri="{BB962C8B-B14F-4D97-AF65-F5344CB8AC3E}">
-        <p14:creationId xmlns:p14="http://schemas.microsoft.com/office/powerpoint/2010/main" val="1588588730"/>
+        <p14:creationId xmlns:p14="http://schemas.microsoft.com/office/powerpoint/2010/main" val="358734237"/>
       </p:ext>
     </p:extLst>
   </p:cSld>
   <p:clrMapOvr>
     <a:masterClrMapping/>
   </p:clrMapOvr>
+  <p:timing>
+    <p:tnLst>
+      <p:par>
+        <p:cTn id="1" dur="indefinite" restart="never" nodeType="tmRoot"/>
+      </p:par>
+    </p:tnLst>
+  </p:timing>
 </p:sld>
 </file>
 
@@ -4188,7 +4211,15 @@
           <a:p>
             <a:r>
               <a:rPr lang="en-US" dirty="0"/>
-              <a:t>Routing</a:t>
+              <a:t>Was </a:t>
+            </a:r>
+            <a:r>
+              <a:rPr lang="en-US" dirty="0" err="1"/>
+              <a:t>ist</a:t>
+            </a:r>
+            <a:r>
+              <a:rPr lang="en-US" dirty="0"/>
+              <a:t> Gulp?</a:t>
             </a:r>
           </a:p>
         </p:txBody>
@@ -4205,56 +4236,150 @@
         </p:nvSpPr>
         <p:spPr/>
         <p:txBody>
-          <a:bodyPr/>
-          <a:lstStyle/>
-          <a:p>
-            <a:r>
-              <a:rPr lang="en-US" dirty="0"/>
-              <a:t>Navigation </a:t>
-            </a:r>
-            <a:r>
-              <a:rPr lang="en-US" dirty="0" err="1"/>
-              <a:t>innerhalb</a:t>
-            </a:r>
-            <a:r>
-              <a:rPr lang="en-US" dirty="0"/>
-              <a:t> der </a:t>
-            </a:r>
-            <a:r>
-              <a:rPr lang="en-US" dirty="0" err="1"/>
-              <a:t>Applikation</a:t>
-            </a:r>
-            <a:endParaRPr lang="en-US" dirty="0"/>
-          </a:p>
-          <a:p>
-            <a:r>
-              <a:rPr lang="en-US" dirty="0" err="1"/>
-              <a:t>Austausch</a:t>
-            </a:r>
-            <a:r>
-              <a:rPr lang="en-US" dirty="0"/>
-              <a:t> der </a:t>
-            </a:r>
-            <a:r>
-              <a:rPr lang="en-US" dirty="0" err="1"/>
-              <a:t>Inhalte</a:t>
-            </a:r>
-            <a:r>
-              <a:rPr lang="en-US" dirty="0"/>
+          <a:bodyPr>
+            <a:normAutofit/>
+          </a:bodyPr>
+          <a:lstStyle/>
+          <a:p>
+            <a:r>
+              <a:rPr lang="en-US" sz="2800" dirty="0"/>
+              <a:t>Gulp </a:t>
+            </a:r>
+            <a:r>
+              <a:rPr lang="en-US" sz="2800" dirty="0" err="1"/>
+              <a:t>ist</a:t>
+            </a:r>
+            <a:r>
+              <a:rPr lang="en-US" sz="2800" dirty="0"/>
               <a:t> </a:t>
             </a:r>
             <a:r>
-              <a:rPr lang="en-US" dirty="0" err="1"/>
-              <a:t>definierter</a:t>
-            </a:r>
-            <a:r>
-              <a:rPr lang="en-US" dirty="0"/>
+              <a:rPr lang="en-US" sz="2800" dirty="0" err="1"/>
+              <a:t>ein</a:t>
+            </a:r>
+            <a:r>
+              <a:rPr lang="en-US" sz="2800" dirty="0"/>
+              <a:t> Task-Runner</a:t>
+            </a:r>
+          </a:p>
+          <a:p>
+            <a:endParaRPr lang="en-US" sz="2800" dirty="0"/>
+          </a:p>
+          <a:p>
+            <a:r>
+              <a:rPr lang="en-US" sz="2800" dirty="0" err="1"/>
+              <a:t>Basiert</a:t>
+            </a:r>
+            <a:r>
+              <a:rPr lang="en-US" sz="2800" dirty="0"/>
+              <a:t> auf Node.js</a:t>
+            </a:r>
+          </a:p>
+          <a:p>
+            <a:endParaRPr lang="en-US" sz="2800" dirty="0"/>
+          </a:p>
+          <a:p>
+            <a:r>
+              <a:rPr lang="en-US" sz="2800" dirty="0"/>
+              <a:t>Gulp-Tasks </a:t>
+            </a:r>
+            <a:r>
+              <a:rPr lang="en-US" sz="2800" dirty="0" err="1"/>
+              <a:t>sind</a:t>
+            </a:r>
+            <a:r>
+              <a:rPr lang="en-US" sz="2800" dirty="0"/>
               <a:t> </a:t>
             </a:r>
             <a:r>
-              <a:rPr lang="en-US" dirty="0" err="1"/>
-              <a:t>Bereiche</a:t>
-            </a:r>
+              <a:rPr lang="en-US" sz="2800" dirty="0" err="1"/>
+              <a:t>kleine</a:t>
+            </a:r>
+            <a:r>
+              <a:rPr lang="en-US" sz="2800" dirty="0"/>
+              <a:t>, </a:t>
+            </a:r>
+            <a:r>
+              <a:rPr lang="en-US" sz="2800" dirty="0" err="1"/>
+              <a:t>Eigentständige</a:t>
+            </a:r>
+            <a:r>
+              <a:rPr lang="en-US" sz="2800" dirty="0"/>
+              <a:t> JavaScript-</a:t>
+            </a:r>
+            <a:r>
+              <a:rPr lang="en-US" sz="2800" dirty="0" err="1"/>
+              <a:t>Funktionen</a:t>
+            </a:r>
+            <a:endParaRPr lang="en-US" sz="2800" dirty="0"/>
+          </a:p>
+          <a:p>
+            <a:endParaRPr lang="en-US" sz="2800" dirty="0"/>
+          </a:p>
+          <a:p>
+            <a:r>
+              <a:rPr lang="en-US" sz="2800" dirty="0" err="1"/>
+              <a:t>Erlaubt</a:t>
+            </a:r>
+            <a:r>
+              <a:rPr lang="en-US" sz="2800" dirty="0"/>
+              <a:t> </a:t>
+            </a:r>
+            <a:r>
+              <a:rPr lang="en-US" sz="2800" dirty="0" err="1"/>
+              <a:t>es</a:t>
+            </a:r>
+            <a:r>
+              <a:rPr lang="en-US" sz="2800" dirty="0"/>
+              <a:t>, </a:t>
+            </a:r>
+            <a:r>
+              <a:rPr lang="en-US" sz="2800" dirty="0" err="1"/>
+              <a:t>Aufgaben</a:t>
+            </a:r>
+            <a:r>
+              <a:rPr lang="en-US" sz="2800" dirty="0"/>
+              <a:t> </a:t>
+            </a:r>
+            <a:r>
+              <a:rPr lang="en-US" sz="2800" dirty="0" err="1"/>
+              <a:t>im</a:t>
+            </a:r>
+            <a:r>
+              <a:rPr lang="en-US" sz="2800" dirty="0"/>
+              <a:t> Build-</a:t>
+            </a:r>
+            <a:r>
+              <a:rPr lang="en-US" sz="2800" dirty="0" err="1"/>
+              <a:t>Prozess</a:t>
+            </a:r>
+            <a:r>
+              <a:rPr lang="en-US" sz="2800" dirty="0"/>
+              <a:t> </a:t>
+            </a:r>
+            <a:r>
+              <a:rPr lang="en-US" sz="2800" dirty="0" err="1"/>
+              <a:t>bequem</a:t>
+            </a:r>
+            <a:r>
+              <a:rPr lang="en-US" sz="2800" dirty="0"/>
+              <a:t> </a:t>
+            </a:r>
+            <a:r>
+              <a:rPr lang="en-US" sz="2800" dirty="0" err="1"/>
+              <a:t>zu</a:t>
+            </a:r>
+            <a:r>
+              <a:rPr lang="en-US" sz="2800" dirty="0"/>
+              <a:t> </a:t>
+            </a:r>
+            <a:r>
+              <a:rPr lang="en-US" sz="2800" dirty="0" err="1"/>
+              <a:t>automatisieren</a:t>
+            </a:r>
+            <a:endParaRPr lang="en-US" sz="2800" dirty="0"/>
+          </a:p>
+          <a:p>
             <a:endParaRPr lang="en-US" dirty="0"/>
           </a:p>
           <a:p>
@@ -4311,13 +4436,20 @@
     </p:spTree>
     <p:extLst>
       <p:ext uri="{BB962C8B-B14F-4D97-AF65-F5344CB8AC3E}">
-        <p14:creationId xmlns:p14="http://schemas.microsoft.com/office/powerpoint/2010/main" val="358734237"/>
+        <p14:creationId xmlns:p14="http://schemas.microsoft.com/office/powerpoint/2010/main" val="1259724130"/>
       </p:ext>
     </p:extLst>
   </p:cSld>
   <p:clrMapOvr>
     <a:masterClrMapping/>
   </p:clrMapOvr>
+  <p:timing>
+    <p:tnLst>
+      <p:par>
+        <p:cTn id="1" dur="indefinite" restart="never" nodeType="tmRoot"/>
+      </p:par>
+    </p:tnLst>
+  </p:timing>
 </p:sld>
 </file>
 
@@ -4355,15 +4487,7 @@
           <a:p>
             <a:r>
               <a:rPr lang="en-US" dirty="0"/>
-              <a:t>Was </a:t>
-            </a:r>
-            <a:r>
-              <a:rPr lang="en-US" dirty="0" err="1"/>
-              <a:t>ist</a:t>
-            </a:r>
-            <a:r>
-              <a:rPr lang="en-US" dirty="0"/>
-              <a:t> Gulp?</a:t>
+              <a:t>Apache Cordova</a:t>
             </a:r>
           </a:p>
         </p:txBody>
@@ -4384,145 +4508,104 @@
           <a:lstStyle/>
           <a:p>
             <a:r>
-              <a:rPr lang="en-US" dirty="0"/>
-              <a:t>Gulp </a:t>
-            </a:r>
-            <a:r>
-              <a:rPr lang="en-US" dirty="0" err="1"/>
-              <a:t>ist</a:t>
-            </a:r>
-            <a:r>
-              <a:rPr lang="en-US" dirty="0"/>
+              <a:rPr lang="en-US" sz="2800" dirty="0"/>
+              <a:t>Framework </a:t>
+            </a:r>
+            <a:r>
+              <a:rPr lang="en-US" sz="2800" dirty="0" err="1"/>
+              <a:t>zu</a:t>
+            </a:r>
+            <a:r>
+              <a:rPr lang="en-US" sz="2800" dirty="0"/>
               <a:t> </a:t>
             </a:r>
             <a:r>
-              <a:rPr lang="en-US" dirty="0" err="1"/>
-              <a:t>ein</a:t>
-            </a:r>
-            <a:r>
-              <a:rPr lang="en-US" dirty="0"/>
-              <a:t> Task-Runner</a:t>
-            </a:r>
-          </a:p>
-          <a:p>
-            <a:endParaRPr lang="en-US" dirty="0"/>
-          </a:p>
-          <a:p>
-            <a:r>
-              <a:rPr lang="en-US" dirty="0" err="1"/>
-              <a:t>Basiert</a:t>
-            </a:r>
-            <a:r>
-              <a:rPr lang="en-US" dirty="0"/>
-              <a:t> auf Node.js</a:t>
-            </a:r>
-          </a:p>
-          <a:p>
-            <a:endParaRPr lang="en-US" dirty="0"/>
-          </a:p>
-          <a:p>
-            <a:r>
-              <a:rPr lang="en-US" dirty="0"/>
-              <a:t>Gulp-Tasks </a:t>
-            </a:r>
-            <a:r>
-              <a:rPr lang="en-US" dirty="0" err="1"/>
-              <a:t>sind</a:t>
-            </a:r>
-            <a:r>
-              <a:rPr lang="en-US" dirty="0"/>
+              <a:rPr lang="en-US" sz="2800" dirty="0" err="1"/>
+              <a:t>Erstellung</a:t>
+            </a:r>
+            <a:r>
+              <a:rPr lang="en-US" sz="2800" dirty="0"/>
               <a:t> </a:t>
             </a:r>
             <a:r>
-              <a:rPr lang="en-US" dirty="0" err="1"/>
-              <a:t>kleine</a:t>
-            </a:r>
-            <a:r>
-              <a:rPr lang="en-US" dirty="0"/>
-              <a:t>, </a:t>
-            </a:r>
-            <a:r>
-              <a:rPr lang="en-US" dirty="0" err="1"/>
-              <a:t>Eigentständige</a:t>
-            </a:r>
-            <a:r>
-              <a:rPr lang="en-US" dirty="0"/>
-              <a:t> JavaScript-</a:t>
-            </a:r>
-            <a:r>
-              <a:rPr lang="en-US" dirty="0" err="1"/>
+              <a:rPr lang="en-US" sz="2800" dirty="0" err="1"/>
+              <a:t>hybrider</a:t>
+            </a:r>
+            <a:r>
+              <a:rPr lang="en-US" sz="2800" dirty="0"/>
+              <a:t> </a:t>
+            </a:r>
+            <a:r>
+              <a:rPr lang="en-US" sz="2800" dirty="0" err="1"/>
+              <a:t>Applikationen</a:t>
+            </a:r>
+            <a:r>
+              <a:rPr lang="en-US" sz="2800" dirty="0"/>
+              <a:t> auf </a:t>
+            </a:r>
+            <a:r>
+              <a:rPr lang="en-US" sz="2800" dirty="0" err="1"/>
+              <a:t>verschiedenen</a:t>
+            </a:r>
+            <a:r>
+              <a:rPr lang="en-US" sz="2800" dirty="0"/>
+              <a:t> </a:t>
+            </a:r>
+            <a:r>
+              <a:rPr lang="en-US" sz="2800" dirty="0" err="1"/>
+              <a:t>Plattformen</a:t>
+            </a:r>
+            <a:endParaRPr lang="en-US" sz="2800" dirty="0"/>
+          </a:p>
+          <a:p>
+            <a:endParaRPr lang="en-US" sz="2800" dirty="0"/>
+          </a:p>
+          <a:p>
+            <a:r>
+              <a:rPr lang="en-US" sz="2800" dirty="0" err="1"/>
+              <a:t>Erweiterbar</a:t>
+            </a:r>
+            <a:r>
+              <a:rPr lang="en-US" sz="2800" dirty="0"/>
+              <a:t> </a:t>
+            </a:r>
+            <a:r>
+              <a:rPr lang="en-US" sz="2800" dirty="0" err="1"/>
+              <a:t>durch</a:t>
+            </a:r>
+            <a:r>
+              <a:rPr lang="en-US" sz="2800" dirty="0"/>
+              <a:t> Plugins</a:t>
+            </a:r>
+          </a:p>
+          <a:p>
+            <a:endParaRPr lang="en-US" sz="2800" dirty="0"/>
+          </a:p>
+          <a:p>
+            <a:r>
+              <a:rPr lang="en-US" sz="2800" dirty="0" err="1"/>
+              <a:t>Ermöglicht</a:t>
+            </a:r>
+            <a:r>
+              <a:rPr lang="en-US" sz="2800" dirty="0"/>
+              <a:t> </a:t>
+            </a:r>
+            <a:r>
+              <a:rPr lang="en-US" sz="2800" dirty="0" err="1"/>
+              <a:t>Zugriff</a:t>
+            </a:r>
+            <a:r>
+              <a:rPr lang="en-US" sz="2800" dirty="0"/>
+              <a:t> auf native </a:t>
+            </a:r>
+            <a:r>
+              <a:rPr lang="en-US" sz="2800" dirty="0" err="1"/>
               <a:t>Funktionen</a:t>
             </a:r>
-            <a:endParaRPr lang="en-US" dirty="0"/>
-          </a:p>
-          <a:p>
-            <a:endParaRPr lang="en-US" dirty="0"/>
-          </a:p>
-          <a:p>
-            <a:r>
-              <a:rPr lang="en-US" dirty="0" err="1"/>
-              <a:t>Erlaubt</a:t>
-            </a:r>
-            <a:r>
-              <a:rPr lang="en-US" dirty="0"/>
-              <a:t> </a:t>
-            </a:r>
-            <a:r>
-              <a:rPr lang="en-US" dirty="0" err="1"/>
-              <a:t>es</a:t>
-            </a:r>
-            <a:r>
-              <a:rPr lang="en-US" dirty="0"/>
-              <a:t>, </a:t>
-            </a:r>
-            <a:r>
-              <a:rPr lang="en-US" dirty="0" err="1"/>
-              <a:t>Aufgaben</a:t>
-            </a:r>
-            <a:r>
-              <a:rPr lang="en-US" dirty="0"/>
-              <a:t> </a:t>
-            </a:r>
-            <a:r>
-              <a:rPr lang="en-US" dirty="0" err="1"/>
-              <a:t>im</a:t>
-            </a:r>
-            <a:r>
-              <a:rPr lang="en-US" dirty="0"/>
-              <a:t> Build-</a:t>
-            </a:r>
-            <a:r>
-              <a:rPr lang="en-US" dirty="0" err="1"/>
-              <a:t>Prozess</a:t>
-            </a:r>
-            <a:r>
-              <a:rPr lang="en-US" dirty="0"/>
-              <a:t> </a:t>
-            </a:r>
-            <a:r>
-              <a:rPr lang="en-US" dirty="0" err="1"/>
-              <a:t>bequem</a:t>
-            </a:r>
-            <a:r>
-              <a:rPr lang="en-US" dirty="0"/>
-              <a:t> </a:t>
-            </a:r>
-            <a:r>
-              <a:rPr lang="en-US" dirty="0" err="1"/>
-              <a:t>zu</a:t>
-            </a:r>
-            <a:r>
-              <a:rPr lang="en-US" dirty="0"/>
-              <a:t> </a:t>
-            </a:r>
-            <a:r>
-              <a:rPr lang="en-US" dirty="0" err="1"/>
-              <a:t>automatisieren</a:t>
-            </a:r>
-            <a:endParaRPr lang="en-US" dirty="0"/>
-          </a:p>
-          <a:p>
-            <a:endParaRPr lang="en-US" dirty="0"/>
+            <a:r>
+              <a:rPr lang="en-US" sz="2800" dirty="0"/>
+              <a:t> und Hardware</a:t>
+            </a:r>
           </a:p>
           <a:p>
             <a:endParaRPr lang="en-US" dirty="0"/>
@@ -4578,13 +4661,20 @@
     </p:spTree>
     <p:extLst>
       <p:ext uri="{BB962C8B-B14F-4D97-AF65-F5344CB8AC3E}">
-        <p14:creationId xmlns:p14="http://schemas.microsoft.com/office/powerpoint/2010/main" val="1259724130"/>
+        <p14:creationId xmlns:p14="http://schemas.microsoft.com/office/powerpoint/2010/main" val="1569326095"/>
       </p:ext>
     </p:extLst>
   </p:cSld>
   <p:clrMapOvr>
     <a:masterClrMapping/>
   </p:clrMapOvr>
+  <p:timing>
+    <p:tnLst>
+      <p:par>
+        <p:cTn id="1" dur="indefinite" restart="never" nodeType="tmRoot"/>
+      </p:par>
+    </p:tnLst>
+  </p:timing>
 </p:sld>
 </file>
 
@@ -4612,197 +4702,70 @@
             <a:spLocks noGrp="1"/>
           </p:cNvSpPr>
           <p:nvPr>
-            <p:ph type="title"/>
-          </p:nvPr>
-        </p:nvSpPr>
-        <p:spPr/>
-        <p:txBody>
-          <a:bodyPr/>
-          <a:lstStyle/>
-          <a:p>
-            <a:r>
-              <a:rPr lang="en-US" dirty="0"/>
-              <a:t>Apache Cordova</a:t>
-            </a:r>
-          </a:p>
-        </p:txBody>
-      </p:sp>
-      <p:sp>
-        <p:nvSpPr>
-          <p:cNvPr id="3" name="Content Placeholder 2"/>
-          <p:cNvSpPr>
-            <a:spLocks noGrp="1"/>
-          </p:cNvSpPr>
-          <p:nvPr>
-            <p:ph idx="1"/>
-          </p:nvPr>
-        </p:nvSpPr>
-        <p:spPr/>
-        <p:txBody>
-          <a:bodyPr/>
-          <a:lstStyle/>
-          <a:p>
-            <a:r>
-              <a:rPr lang="en-US" dirty="0"/>
-              <a:t>Framework </a:t>
-            </a:r>
-            <a:r>
-              <a:rPr lang="en-US" dirty="0" err="1"/>
-              <a:t>zu</a:t>
-            </a:r>
-            <a:r>
-              <a:rPr lang="en-US" dirty="0"/>
-              <a:t> </a:t>
-            </a:r>
-            <a:r>
-              <a:rPr lang="en-US" dirty="0" err="1"/>
-              <a:t>Erstellung</a:t>
-            </a:r>
-            <a:r>
-              <a:rPr lang="en-US" dirty="0"/>
-              <a:t> </a:t>
-            </a:r>
-            <a:r>
-              <a:rPr lang="en-US" dirty="0" err="1"/>
-              <a:t>hybrider</a:t>
-            </a:r>
-            <a:r>
-              <a:rPr lang="en-US" dirty="0"/>
-              <a:t> </a:t>
-            </a:r>
-            <a:r>
-              <a:rPr lang="en-US" dirty="0" err="1"/>
-              <a:t>Applikationen</a:t>
-            </a:r>
-            <a:r>
-              <a:rPr lang="en-US" dirty="0"/>
-              <a:t> auf </a:t>
-            </a:r>
-            <a:r>
-              <a:rPr lang="en-US" dirty="0" err="1"/>
-              <a:t>verschiedenen</a:t>
-            </a:r>
-            <a:r>
-              <a:rPr lang="en-US" dirty="0"/>
-              <a:t> </a:t>
-            </a:r>
-            <a:r>
-              <a:rPr lang="en-US" dirty="0" err="1"/>
-              <a:t>Plattformen</a:t>
-            </a:r>
-            <a:endParaRPr lang="en-US" dirty="0"/>
-          </a:p>
-          <a:p>
-            <a:endParaRPr lang="en-US" dirty="0"/>
-          </a:p>
-          <a:p>
-            <a:r>
-              <a:rPr lang="en-US" dirty="0" err="1"/>
-              <a:t>Erweiterbar</a:t>
-            </a:r>
-            <a:r>
-              <a:rPr lang="en-US" dirty="0"/>
-              <a:t> </a:t>
-            </a:r>
-            <a:r>
-              <a:rPr lang="en-US" dirty="0" err="1"/>
-              <a:t>durch</a:t>
-            </a:r>
-            <a:r>
-              <a:rPr lang="en-US" dirty="0"/>
-              <a:t> Plugins</a:t>
-            </a:r>
-          </a:p>
-          <a:p>
-            <a:endParaRPr lang="en-US" dirty="0"/>
-          </a:p>
-          <a:p>
-            <a:r>
-              <a:rPr lang="en-US" dirty="0" err="1"/>
-              <a:t>Ermöglicht</a:t>
-            </a:r>
-            <a:r>
-              <a:rPr lang="en-US" dirty="0"/>
-              <a:t> </a:t>
-            </a:r>
-            <a:r>
-              <a:rPr lang="en-US" dirty="0" err="1"/>
-              <a:t>Zugriff</a:t>
-            </a:r>
-            <a:r>
-              <a:rPr lang="en-US" dirty="0"/>
-              <a:t> auf native </a:t>
-            </a:r>
-            <a:r>
-              <a:rPr lang="en-US" dirty="0" err="1"/>
-              <a:t>Funktionen</a:t>
-            </a:r>
-            <a:r>
-              <a:rPr lang="en-US" dirty="0"/>
-              <a:t> und Hardware</a:t>
-            </a:r>
-          </a:p>
-          <a:p>
-            <a:endParaRPr lang="en-US" dirty="0"/>
-          </a:p>
-        </p:txBody>
-      </p:sp>
-      <p:sp>
-        <p:nvSpPr>
-          <p:cNvPr id="4" name="Footer Placeholder 3"/>
-          <p:cNvSpPr>
-            <a:spLocks noGrp="1"/>
-          </p:cNvSpPr>
-          <p:nvPr>
-            <p:ph type="ftr" sz="quarter" idx="11"/>
-          </p:nvPr>
-        </p:nvSpPr>
-        <p:spPr/>
-        <p:txBody>
-          <a:bodyPr/>
-          <a:lstStyle/>
-          <a:p>
-            <a:r>
-              <a:rPr lang="de-DE"/>
-              <a:t>Thinktecture AG</a:t>
-            </a:r>
-            <a:endParaRPr lang="de-DE" dirty="0"/>
-          </a:p>
-        </p:txBody>
-      </p:sp>
-      <p:sp>
-        <p:nvSpPr>
-          <p:cNvPr id="5" name="Slide Number Placeholder 4"/>
-          <p:cNvSpPr>
-            <a:spLocks noGrp="1"/>
-          </p:cNvSpPr>
-          <p:nvPr>
-            <p:ph type="sldNum" sz="quarter" idx="12"/>
-          </p:nvPr>
-        </p:nvSpPr>
-        <p:spPr/>
-        <p:txBody>
-          <a:bodyPr/>
-          <a:lstStyle/>
-          <a:p>
-            <a:fld id="{1EC80B17-0255-4FEF-A7E8-10FE22C1DB72}" type="slidenum">
-              <a:rPr lang="de-DE" smtClean="0"/>
-              <a:t>14</a:t>
-            </a:fld>
-            <a:endParaRPr lang="de-DE"/>
+            <p:ph type="ctrTitle"/>
+          </p:nvPr>
+        </p:nvSpPr>
+        <p:spPr/>
+        <p:txBody>
+          <a:bodyPr/>
+          <a:lstStyle/>
+          <a:p>
+            <a:r>
+              <a:rPr lang="en-US" sz="4800" dirty="0" err="1"/>
+              <a:t>Fragen</a:t>
+            </a:r>
+            <a:r>
+              <a:rPr lang="en-US" sz="4800" dirty="0"/>
+              <a:t>?</a:t>
+            </a:r>
+          </a:p>
+        </p:txBody>
+      </p:sp>
+      <p:sp>
+        <p:nvSpPr>
+          <p:cNvPr id="3" name="Subtitle 2"/>
+          <p:cNvSpPr>
+            <a:spLocks noGrp="1"/>
+          </p:cNvSpPr>
+          <p:nvPr>
+            <p:ph type="subTitle" idx="1"/>
+          </p:nvPr>
+        </p:nvSpPr>
+        <p:spPr/>
+        <p:txBody>
+          <a:bodyPr>
+            <a:normAutofit/>
+          </a:bodyPr>
+          <a:lstStyle/>
+          <a:p>
+            <a:r>
+              <a:rPr lang="en-US" sz="3200" dirty="0" err="1"/>
+              <a:t>Antworten</a:t>
+            </a:r>
+            <a:r>
+              <a:rPr lang="en-US" sz="3200" dirty="0"/>
+              <a:t>!</a:t>
+            </a:r>
           </a:p>
         </p:txBody>
       </p:sp>
     </p:spTree>
     <p:extLst>
       <p:ext uri="{BB962C8B-B14F-4D97-AF65-F5344CB8AC3E}">
-        <p14:creationId xmlns:p14="http://schemas.microsoft.com/office/powerpoint/2010/main" val="1569326095"/>
+        <p14:creationId xmlns:p14="http://schemas.microsoft.com/office/powerpoint/2010/main" val="1973764660"/>
       </p:ext>
     </p:extLst>
   </p:cSld>
   <p:clrMapOvr>
     <a:masterClrMapping/>
   </p:clrMapOvr>
+  <p:timing>
+    <p:tnLst>
+      <p:par>
+        <p:cTn id="1" dur="indefinite" restart="never" nodeType="tmRoot"/>
+      </p:par>
+    </p:tnLst>
+  </p:timing>
 </p:sld>
 </file>
 
@@ -4830,88 +4793,6 @@
             <a:spLocks noGrp="1"/>
           </p:cNvSpPr>
           <p:nvPr>
-            <p:ph type="ctrTitle"/>
-          </p:nvPr>
-        </p:nvSpPr>
-        <p:spPr/>
-        <p:txBody>
-          <a:bodyPr/>
-          <a:lstStyle/>
-          <a:p>
-            <a:r>
-              <a:rPr lang="en-US" dirty="0" err="1"/>
-              <a:t>Fragen</a:t>
-            </a:r>
-            <a:r>
-              <a:rPr lang="en-US" dirty="0"/>
-              <a:t>?</a:t>
-            </a:r>
-          </a:p>
-        </p:txBody>
-      </p:sp>
-      <p:sp>
-        <p:nvSpPr>
-          <p:cNvPr id="3" name="Subtitle 2"/>
-          <p:cNvSpPr>
-            <a:spLocks noGrp="1"/>
-          </p:cNvSpPr>
-          <p:nvPr>
-            <p:ph type="subTitle" idx="1"/>
-          </p:nvPr>
-        </p:nvSpPr>
-        <p:spPr/>
-        <p:txBody>
-          <a:bodyPr/>
-          <a:lstStyle/>
-          <a:p>
-            <a:r>
-              <a:rPr lang="en-US" dirty="0" err="1"/>
-              <a:t>Antworten</a:t>
-            </a:r>
-            <a:r>
-              <a:rPr lang="en-US" dirty="0"/>
-              <a:t>!</a:t>
-            </a:r>
-          </a:p>
-        </p:txBody>
-      </p:sp>
-    </p:spTree>
-    <p:extLst>
-      <p:ext uri="{BB962C8B-B14F-4D97-AF65-F5344CB8AC3E}">
-        <p14:creationId xmlns:p14="http://schemas.microsoft.com/office/powerpoint/2010/main" val="1973764660"/>
-      </p:ext>
-    </p:extLst>
-  </p:cSld>
-  <p:clrMapOvr>
-    <a:masterClrMapping/>
-  </p:clrMapOvr>
-</p:sld>
-</file>
-
-<file path=ppt/slides/slide16.xml><?xml version="1.0" encoding="utf-8"?>
-<p:sld xmlns:a="http://schemas.openxmlformats.org/drawingml/2006/main" xmlns:r="http://schemas.openxmlformats.org/officeDocument/2006/relationships" xmlns:p="http://schemas.openxmlformats.org/presentationml/2006/main">
-  <p:cSld>
-    <p:spTree>
-      <p:nvGrpSpPr>
-        <p:cNvPr id="1" name=""/>
-        <p:cNvGrpSpPr/>
-        <p:nvPr/>
-      </p:nvGrpSpPr>
-      <p:grpSpPr>
-        <a:xfrm>
-          <a:off x="0" y="0"/>
-          <a:ext cx="0" cy="0"/>
-          <a:chOff x="0" y="0"/>
-          <a:chExt cx="0" cy="0"/>
-        </a:xfrm>
-      </p:grpSpPr>
-      <p:sp>
-        <p:nvSpPr>
-          <p:cNvPr id="2" name="Title 1"/>
-          <p:cNvSpPr>
-            <a:spLocks noGrp="1"/>
-          </p:cNvSpPr>
-          <p:nvPr>
             <p:ph type="title"/>
           </p:nvPr>
         </p:nvSpPr>
@@ -4990,7 +4871,7 @@
           <a:p>
             <a:fld id="{1EC80B17-0255-4FEF-A7E8-10FE22C1DB72}" type="slidenum">
               <a:rPr lang="de-DE" smtClean="0"/>
-              <a:t>16</a:t>
+              <a:t>15</a:t>
             </a:fld>
             <a:endParaRPr lang="de-DE"/>
           </a:p>
@@ -5006,6 +4887,13 @@
   <p:clrMapOvr>
     <a:masterClrMapping/>
   </p:clrMapOvr>
+  <p:timing>
+    <p:tnLst>
+      <p:par>
+        <p:cTn id="1" dur="indefinite" restart="never" nodeType="tmRoot"/>
+      </p:par>
+    </p:tnLst>
+  </p:timing>
 </p:sld>
 </file>
 
@@ -5285,7 +5173,7 @@
         </p:nvSpPr>
         <p:spPr>
           <a:xfrm>
-            <a:off x="4237112" y="1600200"/>
+            <a:off x="5364088" y="1600200"/>
             <a:ext cx="4906888" cy="4525963"/>
           </a:xfrm>
         </p:spPr>
@@ -5382,11 +5270,7 @@
               <a:defRPr/>
             </a:pPr>
             <a:r>
-              <a:rPr lang="en-US" dirty="0"/>
-              <a:t>		</a:t>
-            </a:r>
-            <a:r>
-              <a:rPr lang="en-US" dirty="0" err="1"/>
+              <a:rPr lang="en-US" dirty="0" err="1" smtClean="0"/>
               <a:t>Fokus</a:t>
             </a:r>
             <a:r>
@@ -5413,8 +5297,12 @@
               <a:defRPr/>
             </a:pPr>
             <a:r>
+              <a:rPr lang="en-US" dirty="0" smtClean="0"/>
+              <a:t>- </a:t>
+            </a:r>
+            <a:r>
               <a:rPr lang="en-US" dirty="0"/>
-              <a:t>		- Backend</a:t>
+              <a:t>Backend</a:t>
             </a:r>
           </a:p>
           <a:p>
@@ -5436,8 +5324,8 @@
               <a:defRPr/>
             </a:pPr>
             <a:r>
-              <a:rPr lang="en-US" dirty="0"/>
-              <a:t>		- </a:t>
+              <a:rPr lang="en-US" dirty="0" smtClean="0"/>
+              <a:t>- </a:t>
             </a:r>
             <a:r>
               <a:rPr lang="en-US" dirty="0" err="1"/>
@@ -5464,18 +5352,26 @@
               <a:defRPr/>
             </a:pPr>
             <a:r>
+              <a:rPr lang="en-US" dirty="0" smtClean="0"/>
+              <a:t>- </a:t>
+            </a:r>
+            <a:r>
               <a:rPr lang="en-US" dirty="0"/>
-              <a:t>	      	- C# / .NET Core</a:t>
+              <a:t>C# / .NET Core</a:t>
             </a:r>
             <a:br>
               <a:rPr lang="en-US" dirty="0"/>
             </a:br>
+            <a:r>
+              <a:rPr lang="en-US" dirty="0"/>
+              <a:t/>
+            </a:r>
             <a:br>
               <a:rPr lang="en-US" dirty="0"/>
             </a:br>
             <a:r>
-              <a:rPr lang="en-US" dirty="0"/>
-              <a:t>	@</a:t>
+              <a:rPr lang="en-US" dirty="0" smtClean="0"/>
+              <a:t>@</a:t>
             </a:r>
             <a:r>
               <a:rPr lang="en-US" dirty="0" err="1"/>
@@ -5561,6 +5457,13 @@
   <p:clrMapOvr>
     <a:masterClrMapping/>
   </p:clrMapOvr>
+  <p:timing>
+    <p:tnLst>
+      <p:par>
+        <p:cTn id="1" dur="indefinite" restart="never" nodeType="tmRoot"/>
+      </p:par>
+    </p:tnLst>
+  </p:timing>
 </p:sld>
 </file>
 
@@ -5583,7 +5486,7 @@
       </p:grpSpPr>
       <p:sp>
         <p:nvSpPr>
-          <p:cNvPr id="2" name="Titel 1"/>
+          <p:cNvPr id="2" name="Title 1"/>
           <p:cNvSpPr>
             <a:spLocks noGrp="1"/>
           </p:cNvSpPr>
@@ -5598,14 +5501,56 @@
           <a:p>
             <a:r>
               <a:rPr lang="en-US" dirty="0"/>
-              <a:t>Apps should run on any device and platform</a:t>
-            </a:r>
-          </a:p>
-        </p:txBody>
-      </p:sp>
-      <p:sp>
-        <p:nvSpPr>
-          <p:cNvPr id="4" name="Fußzeilenplatzhalter 3"/>
+              <a:t>Agenda</a:t>
+            </a:r>
+          </a:p>
+        </p:txBody>
+      </p:sp>
+      <p:sp>
+        <p:nvSpPr>
+          <p:cNvPr id="3" name="Content Placeholder 2"/>
+          <p:cNvSpPr>
+            <a:spLocks noGrp="1"/>
+          </p:cNvSpPr>
+          <p:nvPr>
+            <p:ph idx="1"/>
+          </p:nvPr>
+        </p:nvSpPr>
+        <p:spPr/>
+        <p:txBody>
+          <a:bodyPr>
+            <a:normAutofit/>
+          </a:bodyPr>
+          <a:lstStyle/>
+          <a:p>
+            <a:r>
+              <a:rPr lang="en-US" sz="3200" dirty="0"/>
+              <a:t>Block 1: Intro &amp; Setup</a:t>
+            </a:r>
+          </a:p>
+          <a:p>
+            <a:r>
+              <a:rPr lang="en-US" sz="3200" dirty="0"/>
+              <a:t>Block 2: Angular</a:t>
+            </a:r>
+          </a:p>
+          <a:p>
+            <a:r>
+              <a:rPr lang="en-US" sz="3200" dirty="0"/>
+              <a:t>Block 3: Angular &amp; Cordova</a:t>
+            </a:r>
+          </a:p>
+          <a:p>
+            <a:r>
+              <a:rPr lang="en-US" sz="3200" dirty="0"/>
+              <a:t>Block 4: Cordova &amp; FAQ</a:t>
+            </a:r>
+          </a:p>
+        </p:txBody>
+      </p:sp>
+      <p:sp>
+        <p:nvSpPr>
+          <p:cNvPr id="4" name="Footer Placeholder 3"/>
           <p:cNvSpPr>
             <a:spLocks noGrp="1"/>
           </p:cNvSpPr>
@@ -5619,15 +5564,16 @@
           <a:lstStyle/>
           <a:p>
             <a:r>
-              <a:rPr lang="en-US" dirty="0"/>
+              <a:rPr lang="de-DE"/>
               <a:t>Thinktecture AG</a:t>
             </a:r>
-          </a:p>
-        </p:txBody>
-      </p:sp>
-      <p:sp>
-        <p:nvSpPr>
-          <p:cNvPr id="5" name="Foliennummernplatzhalter 4"/>
+            <a:endParaRPr lang="de-DE" dirty="0"/>
+          </a:p>
+        </p:txBody>
+      </p:sp>
+      <p:sp>
+        <p:nvSpPr>
+          <p:cNvPr id="5" name="Slide Number Placeholder 4"/>
           <p:cNvSpPr>
             <a:spLocks noGrp="1"/>
           </p:cNvSpPr>
@@ -5641,1517 +5587,30 @@
           <a:lstStyle/>
           <a:p>
             <a:fld id="{1EC80B17-0255-4FEF-A7E8-10FE22C1DB72}" type="slidenum">
-              <a:rPr lang="en-US" smtClean="0"/>
+              <a:rPr lang="de-DE" smtClean="0"/>
               <a:t>3</a:t>
             </a:fld>
-            <a:endParaRPr lang="en-US" dirty="0"/>
-          </a:p>
-        </p:txBody>
-      </p:sp>
-      <p:sp>
-        <p:nvSpPr>
-          <p:cNvPr id="20" name="Textfeld 19"/>
-          <p:cNvSpPr txBox="1"/>
-          <p:nvPr/>
-        </p:nvSpPr>
-        <p:spPr>
-          <a:xfrm>
-            <a:off x="490059" y="1976970"/>
-            <a:ext cx="2851956" cy="369332"/>
-          </a:xfrm>
-          <a:prstGeom prst="rect">
-            <a:avLst/>
-          </a:prstGeom>
-          <a:noFill/>
-        </p:spPr>
-        <p:txBody>
-          <a:bodyPr wrap="square" rtlCol="0">
-            <a:spAutoFit/>
-          </a:bodyPr>
-          <a:lstStyle/>
-          <a:p>
-            <a:r>
-              <a:rPr lang="en-US" dirty="0">
-                <a:latin typeface="Textra LT Book" panose="02000503080000020004" pitchFamily="2" charset="0"/>
-              </a:rPr>
-              <a:t>Support all devices</a:t>
-            </a:r>
-          </a:p>
-        </p:txBody>
-      </p:sp>
-      <p:sp>
-        <p:nvSpPr>
-          <p:cNvPr id="21" name="Textfeld 20"/>
-          <p:cNvSpPr txBox="1"/>
-          <p:nvPr/>
-        </p:nvSpPr>
-        <p:spPr>
-          <a:xfrm>
-            <a:off x="457200" y="3299409"/>
-            <a:ext cx="2851956" cy="369332"/>
-          </a:xfrm>
-          <a:prstGeom prst="rect">
-            <a:avLst/>
-          </a:prstGeom>
-          <a:noFill/>
-        </p:spPr>
-        <p:txBody>
-          <a:bodyPr wrap="square" rtlCol="0">
-            <a:spAutoFit/>
-          </a:bodyPr>
-          <a:lstStyle/>
-          <a:p>
-            <a:r>
-              <a:rPr lang="en-US" dirty="0">
-                <a:latin typeface="Textra LT Book" panose="02000503080000020004" pitchFamily="2" charset="0"/>
-              </a:rPr>
-              <a:t>Support any platform</a:t>
-            </a:r>
-          </a:p>
-        </p:txBody>
-      </p:sp>
-      <p:sp>
-        <p:nvSpPr>
-          <p:cNvPr id="22" name="Textfeld 21"/>
-          <p:cNvSpPr txBox="1"/>
-          <p:nvPr/>
-        </p:nvSpPr>
-        <p:spPr>
-          <a:xfrm>
-            <a:off x="457200" y="4572161"/>
-            <a:ext cx="3466728" cy="369332"/>
-          </a:xfrm>
-          <a:prstGeom prst="rect">
-            <a:avLst/>
-          </a:prstGeom>
-          <a:noFill/>
-        </p:spPr>
-        <p:txBody>
-          <a:bodyPr wrap="square" rtlCol="0">
-            <a:spAutoFit/>
-          </a:bodyPr>
-          <a:lstStyle/>
-          <a:p>
-            <a:r>
-              <a:rPr lang="en-US" dirty="0">
-                <a:latin typeface="Textra LT Book" panose="02000503080000020004" pitchFamily="2" charset="0"/>
-              </a:rPr>
-              <a:t>Support apps and websites</a:t>
-            </a:r>
-          </a:p>
-        </p:txBody>
-      </p:sp>
-      <p:sp>
-        <p:nvSpPr>
-          <p:cNvPr id="30" name="Textfeld 29"/>
-          <p:cNvSpPr txBox="1"/>
-          <p:nvPr/>
-        </p:nvSpPr>
-        <p:spPr>
-          <a:xfrm>
-            <a:off x="1259632" y="5421965"/>
-            <a:ext cx="6624736" cy="523220"/>
-          </a:xfrm>
-          <a:prstGeom prst="rect">
-            <a:avLst/>
-          </a:prstGeom>
-          <a:solidFill>
-            <a:srgbClr val="558ED5"/>
-          </a:solidFill>
-        </p:spPr>
-        <p:txBody>
-          <a:bodyPr wrap="square" rtlCol="0">
-            <a:spAutoFit/>
-          </a:bodyPr>
-          <a:lstStyle/>
-          <a:p>
-            <a:pPr algn="ctr"/>
-            <a:r>
-              <a:rPr lang="en-US" sz="2800" dirty="0">
-                <a:solidFill>
-                  <a:schemeClr val="bg1"/>
-                </a:solidFill>
-                <a:latin typeface="Textra LT Book" panose="02000503080000020004" pitchFamily="2" charset="0"/>
-              </a:rPr>
-              <a:t>Multi platform + multi channel approach</a:t>
-            </a:r>
-          </a:p>
-        </p:txBody>
-      </p:sp>
-      <p:pic>
-        <p:nvPicPr>
-          <p:cNvPr id="3" name="Grafik 2"/>
-          <p:cNvPicPr>
-            <a:picLocks noChangeAspect="1"/>
-          </p:cNvPicPr>
-          <p:nvPr/>
-        </p:nvPicPr>
-        <p:blipFill rotWithShape="1">
-          <a:blip r:embed="rId2">
-            <a:extLst>
-              <a:ext uri="{28A0092B-C50C-407E-A947-70E740481C1C}">
-                <a14:useLocalDpi xmlns:a14="http://schemas.microsoft.com/office/drawing/2010/main" val="0"/>
-              </a:ext>
-            </a:extLst>
-          </a:blip>
-          <a:srcRect b="19573"/>
-          <a:stretch/>
-        </p:blipFill>
-        <p:spPr>
-          <a:xfrm>
-            <a:off x="5399707" y="1593034"/>
-            <a:ext cx="2306986" cy="1137203"/>
-          </a:xfrm>
-          <a:prstGeom prst="rect">
-            <a:avLst/>
-          </a:prstGeom>
-        </p:spPr>
-      </p:pic>
-      <p:grpSp>
-        <p:nvGrpSpPr>
-          <p:cNvPr id="15" name="Gruppieren 14"/>
-          <p:cNvGrpSpPr/>
-          <p:nvPr/>
-        </p:nvGrpSpPr>
-        <p:grpSpPr>
-          <a:xfrm>
-            <a:off x="5690641" y="4796827"/>
-            <a:ext cx="470757" cy="470757"/>
-            <a:chOff x="6693069" y="4514011"/>
-            <a:chExt cx="639425" cy="639425"/>
-          </a:xfrm>
-        </p:grpSpPr>
-        <p:pic>
-          <p:nvPicPr>
-            <p:cNvPr id="6" name="Grafik 5"/>
-            <p:cNvPicPr>
-              <a:picLocks noChangeAspect="1"/>
-            </p:cNvPicPr>
-            <p:nvPr/>
-          </p:nvPicPr>
-          <p:blipFill>
-            <a:blip r:embed="rId3" cstate="print">
-              <a:grayscl/>
-              <a:extLst>
-                <a:ext uri="{28A0092B-C50C-407E-A947-70E740481C1C}">
-                  <a14:useLocalDpi xmlns:a14="http://schemas.microsoft.com/office/drawing/2010/main" val="0"/>
-                </a:ext>
-              </a:extLst>
-            </a:blip>
-            <a:stretch>
-              <a:fillRect/>
-            </a:stretch>
-          </p:blipFill>
-          <p:spPr>
-            <a:xfrm>
-              <a:off x="6775155" y="4596097"/>
-              <a:ext cx="475253" cy="475253"/>
-            </a:xfrm>
-            <a:prstGeom prst="rect">
-              <a:avLst/>
-            </a:prstGeom>
-          </p:spPr>
-        </p:pic>
-        <p:sp>
-          <p:nvSpPr>
-            <p:cNvPr id="31" name="Ellipse 30"/>
-            <p:cNvSpPr/>
-            <p:nvPr/>
-          </p:nvSpPr>
-          <p:spPr>
-            <a:xfrm>
-              <a:off x="6693069" y="4514011"/>
-              <a:ext cx="639425" cy="639425"/>
-            </a:xfrm>
-            <a:prstGeom prst="ellipse">
-              <a:avLst/>
-            </a:prstGeom>
-            <a:noFill/>
-            <a:ln w="19050">
-              <a:solidFill>
-                <a:srgbClr val="F5F5F5"/>
-              </a:solidFill>
-            </a:ln>
-          </p:spPr>
-          <p:style>
-            <a:lnRef idx="2">
-              <a:schemeClr val="accent1">
-                <a:shade val="50000"/>
-              </a:schemeClr>
-            </a:lnRef>
-            <a:fillRef idx="1">
-              <a:schemeClr val="accent1"/>
-            </a:fillRef>
-            <a:effectRef idx="0">
-              <a:schemeClr val="accent1"/>
-            </a:effectRef>
-            <a:fontRef idx="minor">
-              <a:schemeClr val="lt1"/>
-            </a:fontRef>
-          </p:style>
-          <p:txBody>
-            <a:bodyPr rtlCol="0" anchor="ctr"/>
-            <a:lstStyle/>
-            <a:p>
-              <a:pPr algn="ctr"/>
-              <a:endParaRPr lang="en-US" dirty="0"/>
-            </a:p>
-          </p:txBody>
-        </p:sp>
-      </p:grpSp>
-      <p:grpSp>
-        <p:nvGrpSpPr>
-          <p:cNvPr id="16" name="Gruppieren 15"/>
-          <p:cNvGrpSpPr/>
-          <p:nvPr/>
-        </p:nvGrpSpPr>
-        <p:grpSpPr>
-          <a:xfrm>
-            <a:off x="6442267" y="4811280"/>
-            <a:ext cx="470757" cy="470757"/>
-            <a:chOff x="7546406" y="4528464"/>
-            <a:chExt cx="639425" cy="639425"/>
-          </a:xfrm>
-        </p:grpSpPr>
-        <p:pic>
-          <p:nvPicPr>
-            <p:cNvPr id="11" name="Grafik 10"/>
-            <p:cNvPicPr>
-              <a:picLocks noChangeAspect="1"/>
-            </p:cNvPicPr>
-            <p:nvPr/>
-          </p:nvPicPr>
-          <p:blipFill>
-            <a:blip r:embed="rId4" cstate="print">
-              <a:grayscl/>
-              <a:extLst>
-                <a:ext uri="{28A0092B-C50C-407E-A947-70E740481C1C}">
-                  <a14:useLocalDpi xmlns:a14="http://schemas.microsoft.com/office/drawing/2010/main" val="0"/>
-                </a:ext>
-              </a:extLst>
-            </a:blip>
-            <a:stretch>
-              <a:fillRect/>
-            </a:stretch>
-          </p:blipFill>
-          <p:spPr>
-            <a:xfrm>
-              <a:off x="7564184" y="4543382"/>
-              <a:ext cx="603868" cy="603868"/>
-            </a:xfrm>
-            <a:prstGeom prst="rect">
-              <a:avLst/>
-            </a:prstGeom>
-          </p:spPr>
-        </p:pic>
-        <p:sp>
-          <p:nvSpPr>
-            <p:cNvPr id="32" name="Ellipse 31"/>
-            <p:cNvSpPr/>
-            <p:nvPr/>
-          </p:nvSpPr>
-          <p:spPr>
-            <a:xfrm>
-              <a:off x="7546406" y="4528464"/>
-              <a:ext cx="639425" cy="639425"/>
-            </a:xfrm>
-            <a:prstGeom prst="ellipse">
-              <a:avLst/>
-            </a:prstGeom>
-            <a:noFill/>
-            <a:ln w="19050">
-              <a:solidFill>
-                <a:srgbClr val="F5F5F5"/>
-              </a:solidFill>
-            </a:ln>
-          </p:spPr>
-          <p:style>
-            <a:lnRef idx="2">
-              <a:schemeClr val="accent1">
-                <a:shade val="50000"/>
-              </a:schemeClr>
-            </a:lnRef>
-            <a:fillRef idx="1">
-              <a:schemeClr val="accent1"/>
-            </a:fillRef>
-            <a:effectRef idx="0">
-              <a:schemeClr val="accent1"/>
-            </a:effectRef>
-            <a:fontRef idx="minor">
-              <a:schemeClr val="lt1"/>
-            </a:fontRef>
-          </p:style>
-          <p:txBody>
-            <a:bodyPr rtlCol="0" anchor="ctr"/>
-            <a:lstStyle/>
-            <a:p>
-              <a:pPr algn="ctr"/>
-              <a:endParaRPr lang="en-US" dirty="0"/>
-            </a:p>
-          </p:txBody>
-        </p:sp>
-      </p:grpSp>
-      <p:grpSp>
-        <p:nvGrpSpPr>
-          <p:cNvPr id="17" name="Gruppieren 16"/>
-          <p:cNvGrpSpPr/>
-          <p:nvPr/>
-        </p:nvGrpSpPr>
-        <p:grpSpPr>
-          <a:xfrm>
-            <a:off x="7125579" y="4830451"/>
-            <a:ext cx="470757" cy="470757"/>
-            <a:chOff x="8348075" y="4547635"/>
-            <a:chExt cx="639425" cy="639425"/>
-          </a:xfrm>
-        </p:grpSpPr>
-        <p:pic>
-          <p:nvPicPr>
-            <p:cNvPr id="8" name="Grafik 7"/>
-            <p:cNvPicPr>
-              <a:picLocks noChangeAspect="1"/>
-            </p:cNvPicPr>
-            <p:nvPr/>
-          </p:nvPicPr>
-          <p:blipFill rotWithShape="1">
-            <a:blip r:embed="rId5" cstate="print">
-              <a:grayscl/>
-              <a:extLst>
-                <a:ext uri="{28A0092B-C50C-407E-A947-70E740481C1C}">
-                  <a14:useLocalDpi xmlns:a14="http://schemas.microsoft.com/office/drawing/2010/main" val="0"/>
-                </a:ext>
-              </a:extLst>
-            </a:blip>
-            <a:srcRect l="16439" r="21000"/>
-            <a:stretch/>
-          </p:blipFill>
-          <p:spPr>
-            <a:xfrm>
-              <a:off x="8450507" y="4615840"/>
-              <a:ext cx="434559" cy="464671"/>
-            </a:xfrm>
-            <a:prstGeom prst="rect">
-              <a:avLst/>
-            </a:prstGeom>
-          </p:spPr>
-        </p:pic>
-        <p:sp>
-          <p:nvSpPr>
-            <p:cNvPr id="33" name="Ellipse 32"/>
-            <p:cNvSpPr/>
-            <p:nvPr/>
-          </p:nvSpPr>
-          <p:spPr>
-            <a:xfrm>
-              <a:off x="8348075" y="4547635"/>
-              <a:ext cx="639425" cy="639425"/>
-            </a:xfrm>
-            <a:prstGeom prst="ellipse">
-              <a:avLst/>
-            </a:prstGeom>
-            <a:noFill/>
-            <a:ln w="19050">
-              <a:solidFill>
-                <a:srgbClr val="F5F5F5"/>
-              </a:solidFill>
-            </a:ln>
-          </p:spPr>
-          <p:style>
-            <a:lnRef idx="2">
-              <a:schemeClr val="accent1">
-                <a:shade val="50000"/>
-              </a:schemeClr>
-            </a:lnRef>
-            <a:fillRef idx="1">
-              <a:schemeClr val="accent1"/>
-            </a:fillRef>
-            <a:effectRef idx="0">
-              <a:schemeClr val="accent1"/>
-            </a:effectRef>
-            <a:fontRef idx="minor">
-              <a:schemeClr val="lt1"/>
-            </a:fontRef>
-          </p:style>
-          <p:txBody>
-            <a:bodyPr rtlCol="0" anchor="ctr"/>
-            <a:lstStyle/>
-            <a:p>
-              <a:pPr algn="ctr"/>
-              <a:endParaRPr lang="en-US" dirty="0"/>
-            </a:p>
-          </p:txBody>
-        </p:sp>
-      </p:grpSp>
-      <p:grpSp>
-        <p:nvGrpSpPr>
-          <p:cNvPr id="85" name="Gruppieren 84"/>
-          <p:cNvGrpSpPr/>
-          <p:nvPr/>
-        </p:nvGrpSpPr>
-        <p:grpSpPr>
-          <a:xfrm>
-            <a:off x="7147761" y="3518076"/>
-            <a:ext cx="426393" cy="414980"/>
-            <a:chOff x="7280300" y="3546024"/>
-            <a:chExt cx="426393" cy="414980"/>
-          </a:xfrm>
-        </p:grpSpPr>
-        <p:sp>
-          <p:nvSpPr>
-            <p:cNvPr id="55" name="Ellipse 54"/>
-            <p:cNvSpPr/>
-            <p:nvPr/>
-          </p:nvSpPr>
-          <p:spPr>
-            <a:xfrm>
-              <a:off x="7280300" y="3546024"/>
-              <a:ext cx="426393" cy="414980"/>
-            </a:xfrm>
-            <a:prstGeom prst="ellipse">
-              <a:avLst/>
-            </a:prstGeom>
-            <a:solidFill>
-              <a:schemeClr val="bg1"/>
-            </a:solidFill>
-            <a:ln w="19050">
-              <a:solidFill>
-                <a:srgbClr val="F5F5F5"/>
-              </a:solidFill>
-            </a:ln>
-          </p:spPr>
-          <p:style>
-            <a:lnRef idx="2">
-              <a:schemeClr val="accent1">
-                <a:shade val="50000"/>
-              </a:schemeClr>
-            </a:lnRef>
-            <a:fillRef idx="1">
-              <a:schemeClr val="accent1"/>
-            </a:fillRef>
-            <a:effectRef idx="0">
-              <a:schemeClr val="accent1"/>
-            </a:effectRef>
-            <a:fontRef idx="minor">
-              <a:schemeClr val="lt1"/>
-            </a:fontRef>
-          </p:style>
-          <p:txBody>
-            <a:bodyPr rtlCol="0" anchor="ctr"/>
-            <a:lstStyle/>
-            <a:p>
-              <a:pPr algn="ctr"/>
-              <a:endParaRPr lang="en-US" dirty="0"/>
-            </a:p>
-          </p:txBody>
-        </p:sp>
-        <p:pic>
-          <p:nvPicPr>
-            <p:cNvPr id="56" name="Grafik 55"/>
-            <p:cNvPicPr>
-              <a:picLocks noChangeAspect="1"/>
-            </p:cNvPicPr>
-            <p:nvPr/>
-          </p:nvPicPr>
-          <p:blipFill>
-            <a:blip r:embed="rId6" cstate="print">
-              <a:grayscl/>
-              <a:extLst>
-                <a:ext uri="{28A0092B-C50C-407E-A947-70E740481C1C}">
-                  <a14:useLocalDpi xmlns:a14="http://schemas.microsoft.com/office/drawing/2010/main" val="0"/>
-                </a:ext>
-              </a:extLst>
-            </a:blip>
-            <a:stretch>
-              <a:fillRect/>
-            </a:stretch>
-          </p:blipFill>
-          <p:spPr>
-            <a:xfrm>
-              <a:off x="7377533" y="3625494"/>
-              <a:ext cx="231878" cy="255453"/>
-            </a:xfrm>
-            <a:prstGeom prst="rect">
-              <a:avLst/>
-            </a:prstGeom>
-          </p:spPr>
-        </p:pic>
-      </p:grpSp>
-      <p:grpSp>
-        <p:nvGrpSpPr>
-          <p:cNvPr id="80" name="Gruppieren 79"/>
-          <p:cNvGrpSpPr/>
-          <p:nvPr/>
-        </p:nvGrpSpPr>
-        <p:grpSpPr>
-          <a:xfrm>
-            <a:off x="5712823" y="2996952"/>
-            <a:ext cx="426393" cy="414980"/>
-            <a:chOff x="5709617" y="2996952"/>
-            <a:chExt cx="426393" cy="414980"/>
-          </a:xfrm>
-        </p:grpSpPr>
-        <p:sp>
-          <p:nvSpPr>
-            <p:cNvPr id="57" name="Ellipse 56"/>
-            <p:cNvSpPr/>
-            <p:nvPr/>
-          </p:nvSpPr>
-          <p:spPr>
-            <a:xfrm>
-              <a:off x="5709617" y="2996952"/>
-              <a:ext cx="426393" cy="414980"/>
-            </a:xfrm>
-            <a:prstGeom prst="ellipse">
-              <a:avLst/>
-            </a:prstGeom>
-            <a:solidFill>
-              <a:schemeClr val="bg1"/>
-            </a:solidFill>
-            <a:ln w="19050">
-              <a:solidFill>
-                <a:srgbClr val="F5F5F5"/>
-              </a:solidFill>
-            </a:ln>
-          </p:spPr>
-          <p:style>
-            <a:lnRef idx="2">
-              <a:schemeClr val="accent1">
-                <a:shade val="50000"/>
-              </a:schemeClr>
-            </a:lnRef>
-            <a:fillRef idx="1">
-              <a:schemeClr val="accent1"/>
-            </a:fillRef>
-            <a:effectRef idx="0">
-              <a:schemeClr val="accent1"/>
-            </a:effectRef>
-            <a:fontRef idx="minor">
-              <a:schemeClr val="lt1"/>
-            </a:fontRef>
-          </p:style>
-          <p:txBody>
-            <a:bodyPr rtlCol="0" anchor="ctr"/>
-            <a:lstStyle/>
-            <a:p>
-              <a:pPr algn="ctr"/>
-              <a:endParaRPr lang="en-US" dirty="0"/>
-            </a:p>
-          </p:txBody>
-        </p:sp>
-        <p:pic>
-          <p:nvPicPr>
-            <p:cNvPr id="58" name="Grafik 57"/>
-            <p:cNvPicPr>
-              <a:picLocks noChangeAspect="1"/>
-            </p:cNvPicPr>
-            <p:nvPr/>
-          </p:nvPicPr>
-          <p:blipFill rotWithShape="1">
-            <a:blip r:embed="rId7">
-              <a:extLst>
-                <a:ext uri="{28A0092B-C50C-407E-A947-70E740481C1C}">
-                  <a14:useLocalDpi xmlns:a14="http://schemas.microsoft.com/office/drawing/2010/main" val="0"/>
-                </a:ext>
-              </a:extLst>
-            </a:blip>
-            <a:srcRect r="88826" b="4651"/>
-            <a:stretch/>
-          </p:blipFill>
-          <p:spPr>
-            <a:xfrm>
-              <a:off x="5798357" y="3048045"/>
-              <a:ext cx="248910" cy="292041"/>
-            </a:xfrm>
-            <a:prstGeom prst="rect">
-              <a:avLst/>
-            </a:prstGeom>
-          </p:spPr>
-        </p:pic>
-      </p:grpSp>
-      <p:grpSp>
-        <p:nvGrpSpPr>
-          <p:cNvPr id="81" name="Gruppieren 80"/>
-          <p:cNvGrpSpPr/>
-          <p:nvPr/>
-        </p:nvGrpSpPr>
-        <p:grpSpPr>
-          <a:xfrm>
-            <a:off x="6464449" y="2996952"/>
-            <a:ext cx="426393" cy="414980"/>
-            <a:chOff x="6497813" y="2996952"/>
-            <a:chExt cx="426393" cy="414980"/>
-          </a:xfrm>
-        </p:grpSpPr>
-        <p:sp>
-          <p:nvSpPr>
-            <p:cNvPr id="59" name="Ellipse 58"/>
-            <p:cNvSpPr/>
-            <p:nvPr/>
-          </p:nvSpPr>
-          <p:spPr>
-            <a:xfrm>
-              <a:off x="6497813" y="2996952"/>
-              <a:ext cx="426393" cy="414980"/>
-            </a:xfrm>
-            <a:prstGeom prst="ellipse">
-              <a:avLst/>
-            </a:prstGeom>
-            <a:solidFill>
-              <a:schemeClr val="bg1"/>
-            </a:solidFill>
-            <a:ln w="19050">
-              <a:solidFill>
-                <a:srgbClr val="F5F5F5"/>
-              </a:solidFill>
-            </a:ln>
-          </p:spPr>
-          <p:style>
-            <a:lnRef idx="2">
-              <a:schemeClr val="accent1">
-                <a:shade val="50000"/>
-              </a:schemeClr>
-            </a:lnRef>
-            <a:fillRef idx="1">
-              <a:schemeClr val="accent1"/>
-            </a:fillRef>
-            <a:effectRef idx="0">
-              <a:schemeClr val="accent1"/>
-            </a:effectRef>
-            <a:fontRef idx="minor">
-              <a:schemeClr val="lt1"/>
-            </a:fontRef>
-          </p:style>
-          <p:txBody>
-            <a:bodyPr rtlCol="0" anchor="ctr"/>
-            <a:lstStyle/>
-            <a:p>
-              <a:pPr algn="ctr"/>
-              <a:endParaRPr lang="en-US" dirty="0"/>
-            </a:p>
-          </p:txBody>
-        </p:sp>
-        <p:pic>
-          <p:nvPicPr>
-            <p:cNvPr id="60" name="Grafik 59"/>
-            <p:cNvPicPr>
-              <a:picLocks noChangeAspect="1"/>
-            </p:cNvPicPr>
-            <p:nvPr/>
-          </p:nvPicPr>
-          <p:blipFill rotWithShape="1">
-            <a:blip r:embed="rId7">
-              <a:extLst>
-                <a:ext uri="{28A0092B-C50C-407E-A947-70E740481C1C}">
-                  <a14:useLocalDpi xmlns:a14="http://schemas.microsoft.com/office/drawing/2010/main" val="0"/>
-                </a:ext>
-              </a:extLst>
-            </a:blip>
-            <a:srcRect l="25595" t="19768" r="57765" b="19767"/>
-            <a:stretch/>
-          </p:blipFill>
-          <p:spPr>
-            <a:xfrm>
-              <a:off x="6541050" y="3099647"/>
-              <a:ext cx="370673" cy="185197"/>
-            </a:xfrm>
-            <a:prstGeom prst="rect">
-              <a:avLst/>
-            </a:prstGeom>
-          </p:spPr>
-        </p:pic>
-      </p:grpSp>
-      <p:grpSp>
-        <p:nvGrpSpPr>
-          <p:cNvPr id="83" name="Gruppieren 82"/>
-          <p:cNvGrpSpPr/>
-          <p:nvPr/>
-        </p:nvGrpSpPr>
-        <p:grpSpPr>
-          <a:xfrm>
-            <a:off x="5712823" y="3515133"/>
-            <a:ext cx="426393" cy="417923"/>
-            <a:chOff x="5709617" y="3543081"/>
-            <a:chExt cx="426393" cy="417923"/>
-          </a:xfrm>
-        </p:grpSpPr>
-        <p:sp>
-          <p:nvSpPr>
-            <p:cNvPr id="54" name="Ellipse 53"/>
-            <p:cNvSpPr/>
-            <p:nvPr/>
-          </p:nvSpPr>
-          <p:spPr>
-            <a:xfrm>
-              <a:off x="5709617" y="3543081"/>
-              <a:ext cx="426393" cy="414980"/>
-            </a:xfrm>
-            <a:prstGeom prst="ellipse">
-              <a:avLst/>
-            </a:prstGeom>
-            <a:solidFill>
-              <a:schemeClr val="bg1"/>
-            </a:solidFill>
-            <a:ln w="19050">
-              <a:solidFill>
-                <a:srgbClr val="F5F5F5"/>
-              </a:solidFill>
-            </a:ln>
-          </p:spPr>
-          <p:style>
-            <a:lnRef idx="2">
-              <a:schemeClr val="accent1">
-                <a:shade val="50000"/>
-              </a:schemeClr>
-            </a:lnRef>
-            <a:fillRef idx="1">
-              <a:schemeClr val="accent1"/>
-            </a:fillRef>
-            <a:effectRef idx="0">
-              <a:schemeClr val="accent1"/>
-            </a:effectRef>
-            <a:fontRef idx="minor">
-              <a:schemeClr val="lt1"/>
-            </a:fontRef>
-          </p:style>
-          <p:txBody>
-            <a:bodyPr rtlCol="0" anchor="ctr"/>
-            <a:lstStyle/>
-            <a:p>
-              <a:pPr algn="ctr"/>
-              <a:endParaRPr lang="en-US" dirty="0"/>
-            </a:p>
-          </p:txBody>
-        </p:sp>
-        <p:grpSp>
-          <p:nvGrpSpPr>
-            <p:cNvPr id="61" name="Gruppieren 60"/>
-            <p:cNvGrpSpPr/>
-            <p:nvPr/>
-          </p:nvGrpSpPr>
-          <p:grpSpPr>
-            <a:xfrm>
-              <a:off x="5743803" y="3611085"/>
-              <a:ext cx="358019" cy="349919"/>
-              <a:chOff x="6735421" y="5000613"/>
-              <a:chExt cx="358019" cy="349919"/>
-            </a:xfrm>
-          </p:grpSpPr>
-          <p:pic>
-            <p:nvPicPr>
-              <p:cNvPr id="62" name="Grafik 61"/>
-              <p:cNvPicPr>
-                <a:picLocks noChangeAspect="1"/>
-              </p:cNvPicPr>
-              <p:nvPr/>
-            </p:nvPicPr>
-            <p:blipFill rotWithShape="1">
-              <a:blip r:embed="rId8" cstate="print">
-                <a:grayscl/>
-                <a:extLst>
-                  <a:ext uri="{28A0092B-C50C-407E-A947-70E740481C1C}">
-                    <a14:useLocalDpi xmlns:a14="http://schemas.microsoft.com/office/drawing/2010/main" val="0"/>
-                  </a:ext>
-                </a:extLst>
-              </a:blip>
-              <a:srcRect l="14385" t="59521" r="71503" b="16959"/>
-              <a:stretch/>
-            </p:blipFill>
-            <p:spPr>
-              <a:xfrm>
-                <a:off x="6791359" y="5000613"/>
-                <a:ext cx="231927" cy="217267"/>
-              </a:xfrm>
-              <a:prstGeom prst="rect">
-                <a:avLst/>
-              </a:prstGeom>
-            </p:spPr>
-          </p:pic>
-          <p:sp>
-            <p:nvSpPr>
-              <p:cNvPr id="63" name="Textfeld 62"/>
-              <p:cNvSpPr txBox="1"/>
-              <p:nvPr/>
-            </p:nvSpPr>
-            <p:spPr>
-              <a:xfrm>
-                <a:off x="6735421" y="5165866"/>
-                <a:ext cx="358019" cy="184666"/>
-              </a:xfrm>
-              <a:prstGeom prst="rect">
-                <a:avLst/>
-              </a:prstGeom>
-              <a:noFill/>
-            </p:spPr>
-            <p:txBody>
-              <a:bodyPr wrap="square" rtlCol="0">
-                <a:spAutoFit/>
-              </a:bodyPr>
-              <a:lstStyle/>
-              <a:p>
-                <a:r>
-                  <a:rPr lang="en-US" sz="600" dirty="0">
-                    <a:solidFill>
-                      <a:schemeClr val="bg1">
-                        <a:lumMod val="50000"/>
-                      </a:schemeClr>
-                    </a:solidFill>
-                    <a:latin typeface="Arial Narrow" panose="020B0606020202030204" pitchFamily="34" charset="0"/>
-                  </a:rPr>
-                  <a:t>Store</a:t>
-                </a:r>
-              </a:p>
-            </p:txBody>
-          </p:sp>
-        </p:grpSp>
-      </p:grpSp>
-      <p:grpSp>
-        <p:nvGrpSpPr>
-          <p:cNvPr id="82" name="Gruppieren 81"/>
-          <p:cNvGrpSpPr/>
-          <p:nvPr/>
-        </p:nvGrpSpPr>
-        <p:grpSpPr>
-          <a:xfrm>
-            <a:off x="7147761" y="2996952"/>
-            <a:ext cx="426393" cy="414980"/>
-            <a:chOff x="7280300" y="2996952"/>
-            <a:chExt cx="426393" cy="414980"/>
-          </a:xfrm>
-        </p:grpSpPr>
-        <p:sp>
-          <p:nvSpPr>
-            <p:cNvPr id="64" name="Ellipse 63"/>
-            <p:cNvSpPr/>
-            <p:nvPr/>
-          </p:nvSpPr>
-          <p:spPr>
-            <a:xfrm>
-              <a:off x="7280300" y="2996952"/>
-              <a:ext cx="426393" cy="414980"/>
-            </a:xfrm>
-            <a:prstGeom prst="ellipse">
-              <a:avLst/>
-            </a:prstGeom>
-            <a:solidFill>
-              <a:schemeClr val="bg1"/>
-            </a:solidFill>
-            <a:ln w="19050">
-              <a:solidFill>
-                <a:srgbClr val="F5F5F5"/>
-              </a:solidFill>
-            </a:ln>
-          </p:spPr>
-          <p:style>
-            <a:lnRef idx="2">
-              <a:schemeClr val="accent1">
-                <a:shade val="50000"/>
-              </a:schemeClr>
-            </a:lnRef>
-            <a:fillRef idx="1">
-              <a:schemeClr val="accent1"/>
-            </a:fillRef>
-            <a:effectRef idx="0">
-              <a:schemeClr val="accent1"/>
-            </a:effectRef>
-            <a:fontRef idx="minor">
-              <a:schemeClr val="lt1"/>
-            </a:fontRef>
-          </p:style>
-          <p:txBody>
-            <a:bodyPr rtlCol="0" anchor="ctr"/>
-            <a:lstStyle/>
-            <a:p>
-              <a:pPr algn="ctr"/>
-              <a:endParaRPr lang="en-US" dirty="0"/>
-            </a:p>
-          </p:txBody>
-        </p:sp>
-        <p:grpSp>
-          <p:nvGrpSpPr>
-            <p:cNvPr id="65" name="Gruppieren 64"/>
-            <p:cNvGrpSpPr/>
-            <p:nvPr/>
-          </p:nvGrpSpPr>
-          <p:grpSpPr>
-            <a:xfrm>
-              <a:off x="7310468" y="3054844"/>
-              <a:ext cx="366055" cy="356257"/>
-              <a:chOff x="8274693" y="4443004"/>
-              <a:chExt cx="366055" cy="356257"/>
-            </a:xfrm>
-          </p:grpSpPr>
-          <p:pic>
-            <p:nvPicPr>
-              <p:cNvPr id="66" name="Grafik 65"/>
-              <p:cNvPicPr>
-                <a:picLocks noChangeAspect="1"/>
-              </p:cNvPicPr>
-              <p:nvPr/>
-            </p:nvPicPr>
-            <p:blipFill rotWithShape="1">
-              <a:blip r:embed="rId8" cstate="print">
-                <a:grayscl/>
-                <a:extLst>
-                  <a:ext uri="{28A0092B-C50C-407E-A947-70E740481C1C}">
-                    <a14:useLocalDpi xmlns:a14="http://schemas.microsoft.com/office/drawing/2010/main" val="0"/>
-                  </a:ext>
-                </a:extLst>
-              </a:blip>
-              <a:srcRect l="14385" t="59521" r="71503" b="16959"/>
-              <a:stretch/>
-            </p:blipFill>
-            <p:spPr>
-              <a:xfrm>
-                <a:off x="8341758" y="4443004"/>
-                <a:ext cx="231927" cy="217267"/>
-              </a:xfrm>
-              <a:prstGeom prst="rect">
-                <a:avLst/>
-              </a:prstGeom>
-            </p:spPr>
-          </p:pic>
-          <p:sp>
-            <p:nvSpPr>
-              <p:cNvPr id="67" name="Textfeld 66"/>
-              <p:cNvSpPr txBox="1"/>
-              <p:nvPr/>
-            </p:nvSpPr>
-            <p:spPr>
-              <a:xfrm>
-                <a:off x="8274693" y="4614595"/>
-                <a:ext cx="366055" cy="184666"/>
-              </a:xfrm>
-              <a:prstGeom prst="rect">
-                <a:avLst/>
-              </a:prstGeom>
-              <a:noFill/>
-            </p:spPr>
-            <p:txBody>
-              <a:bodyPr wrap="square" rtlCol="0">
-                <a:spAutoFit/>
-              </a:bodyPr>
-              <a:lstStyle/>
-              <a:p>
-                <a:r>
-                  <a:rPr lang="en-US" sz="600" dirty="0">
-                    <a:solidFill>
-                      <a:schemeClr val="bg1">
-                        <a:lumMod val="50000"/>
-                      </a:schemeClr>
-                    </a:solidFill>
-                    <a:latin typeface="Arial Narrow" panose="020B0606020202030204" pitchFamily="34" charset="0"/>
-                  </a:rPr>
-                  <a:t>Phone</a:t>
-                </a:r>
-              </a:p>
-            </p:txBody>
-          </p:sp>
-        </p:grpSp>
-      </p:grpSp>
-      <p:grpSp>
-        <p:nvGrpSpPr>
-          <p:cNvPr id="84" name="Gruppieren 83"/>
-          <p:cNvGrpSpPr/>
-          <p:nvPr/>
-        </p:nvGrpSpPr>
-        <p:grpSpPr>
-          <a:xfrm>
-            <a:off x="6464449" y="3515133"/>
-            <a:ext cx="426393" cy="414980"/>
-            <a:chOff x="6494675" y="3543081"/>
-            <a:chExt cx="426393" cy="414980"/>
-          </a:xfrm>
-        </p:grpSpPr>
-        <p:sp>
-          <p:nvSpPr>
-            <p:cNvPr id="68" name="Ellipse 67"/>
-            <p:cNvSpPr/>
-            <p:nvPr/>
-          </p:nvSpPr>
-          <p:spPr>
-            <a:xfrm>
-              <a:off x="6494675" y="3543081"/>
-              <a:ext cx="426393" cy="414980"/>
-            </a:xfrm>
-            <a:prstGeom prst="ellipse">
-              <a:avLst/>
-            </a:prstGeom>
-            <a:solidFill>
-              <a:schemeClr val="bg1"/>
-            </a:solidFill>
-            <a:ln w="19050">
-              <a:solidFill>
-                <a:srgbClr val="F5F5F5"/>
-              </a:solidFill>
-            </a:ln>
-          </p:spPr>
-          <p:style>
-            <a:lnRef idx="2">
-              <a:schemeClr val="accent1">
-                <a:shade val="50000"/>
-              </a:schemeClr>
-            </a:lnRef>
-            <a:fillRef idx="1">
-              <a:schemeClr val="accent1"/>
-            </a:fillRef>
-            <a:effectRef idx="0">
-              <a:schemeClr val="accent1"/>
-            </a:effectRef>
-            <a:fontRef idx="minor">
-              <a:schemeClr val="lt1"/>
-            </a:fontRef>
-          </p:style>
-          <p:txBody>
-            <a:bodyPr rtlCol="0" anchor="ctr"/>
-            <a:lstStyle/>
-            <a:p>
-              <a:pPr algn="ctr"/>
-              <a:endParaRPr lang="en-US" dirty="0"/>
-            </a:p>
-          </p:txBody>
-        </p:sp>
-        <p:pic>
-          <p:nvPicPr>
-            <p:cNvPr id="69" name="Grafik 68"/>
-            <p:cNvPicPr>
-              <a:picLocks noChangeAspect="1"/>
-            </p:cNvPicPr>
-            <p:nvPr/>
-          </p:nvPicPr>
-          <p:blipFill>
-            <a:blip r:embed="rId9" cstate="print">
-              <a:extLst>
-                <a:ext uri="{28A0092B-C50C-407E-A947-70E740481C1C}">
-                  <a14:useLocalDpi xmlns:a14="http://schemas.microsoft.com/office/drawing/2010/main" val="0"/>
-                </a:ext>
-              </a:extLst>
-            </a:blip>
-            <a:stretch>
-              <a:fillRect/>
-            </a:stretch>
-          </p:blipFill>
-          <p:spPr>
-            <a:xfrm>
-              <a:off x="6519022" y="3562634"/>
-              <a:ext cx="378267" cy="375873"/>
-            </a:xfrm>
-            <a:prstGeom prst="rect">
-              <a:avLst/>
-            </a:prstGeom>
-          </p:spPr>
-        </p:pic>
-      </p:grpSp>
-      <p:grpSp>
-        <p:nvGrpSpPr>
-          <p:cNvPr id="71" name="Gruppieren 70"/>
-          <p:cNvGrpSpPr/>
-          <p:nvPr/>
-        </p:nvGrpSpPr>
-        <p:grpSpPr>
-          <a:xfrm>
-            <a:off x="5690641" y="4258989"/>
-            <a:ext cx="470757" cy="470757"/>
-            <a:chOff x="3923928" y="4514013"/>
-            <a:chExt cx="639425" cy="639425"/>
-          </a:xfrm>
-        </p:grpSpPr>
-        <p:pic>
-          <p:nvPicPr>
-            <p:cNvPr id="72" name="Grafik 71"/>
-            <p:cNvPicPr>
-              <a:picLocks noChangeAspect="1"/>
-            </p:cNvPicPr>
-            <p:nvPr/>
-          </p:nvPicPr>
-          <p:blipFill rotWithShape="1">
-            <a:blip r:embed="rId10" cstate="print">
-              <a:grayscl/>
-              <a:extLst>
-                <a:ext uri="{28A0092B-C50C-407E-A947-70E740481C1C}">
-                  <a14:useLocalDpi xmlns:a14="http://schemas.microsoft.com/office/drawing/2010/main" val="0"/>
-                </a:ext>
-              </a:extLst>
-            </a:blip>
-            <a:srcRect l="17976" t="10817" r="13179" b="9996"/>
-            <a:stretch/>
-          </p:blipFill>
-          <p:spPr>
-            <a:xfrm>
-              <a:off x="4082198" y="4605188"/>
-              <a:ext cx="401758" cy="436693"/>
-            </a:xfrm>
-            <a:prstGeom prst="rect">
-              <a:avLst/>
-            </a:prstGeom>
-          </p:spPr>
-        </p:pic>
-        <p:sp>
-          <p:nvSpPr>
-            <p:cNvPr id="73" name="Ellipse 72"/>
-            <p:cNvSpPr/>
-            <p:nvPr/>
-          </p:nvSpPr>
-          <p:spPr>
-            <a:xfrm>
-              <a:off x="3923928" y="4514013"/>
-              <a:ext cx="639425" cy="639425"/>
-            </a:xfrm>
-            <a:prstGeom prst="ellipse">
-              <a:avLst/>
-            </a:prstGeom>
-            <a:noFill/>
-            <a:ln w="19050">
-              <a:solidFill>
-                <a:srgbClr val="F5F5F5"/>
-              </a:solidFill>
-            </a:ln>
-          </p:spPr>
-          <p:style>
-            <a:lnRef idx="2">
-              <a:schemeClr val="accent1">
-                <a:shade val="50000"/>
-              </a:schemeClr>
-            </a:lnRef>
-            <a:fillRef idx="1">
-              <a:schemeClr val="accent1"/>
-            </a:fillRef>
-            <a:effectRef idx="0">
-              <a:schemeClr val="accent1"/>
-            </a:effectRef>
-            <a:fontRef idx="minor">
-              <a:schemeClr val="lt1"/>
-            </a:fontRef>
-          </p:style>
-          <p:txBody>
-            <a:bodyPr rtlCol="0" anchor="ctr"/>
-            <a:lstStyle/>
-            <a:p>
-              <a:pPr algn="ctr"/>
-              <a:endParaRPr lang="en-US" dirty="0"/>
-            </a:p>
-          </p:txBody>
-        </p:sp>
-      </p:grpSp>
-      <p:grpSp>
-        <p:nvGrpSpPr>
-          <p:cNvPr id="74" name="Gruppieren 73"/>
-          <p:cNvGrpSpPr/>
-          <p:nvPr/>
-        </p:nvGrpSpPr>
-        <p:grpSpPr>
-          <a:xfrm>
-            <a:off x="6442267" y="4258989"/>
-            <a:ext cx="470757" cy="470757"/>
-            <a:chOff x="4846975" y="4514013"/>
-            <a:chExt cx="639425" cy="639425"/>
-          </a:xfrm>
-        </p:grpSpPr>
-        <p:pic>
-          <p:nvPicPr>
-            <p:cNvPr id="75" name="Grafik 74"/>
-            <p:cNvPicPr>
-              <a:picLocks noChangeAspect="1"/>
-            </p:cNvPicPr>
-            <p:nvPr/>
-          </p:nvPicPr>
-          <p:blipFill>
-            <a:blip r:embed="rId11" cstate="print">
-              <a:grayscl/>
-              <a:extLst>
-                <a:ext uri="{28A0092B-C50C-407E-A947-70E740481C1C}">
-                  <a14:useLocalDpi xmlns:a14="http://schemas.microsoft.com/office/drawing/2010/main" val="0"/>
-                </a:ext>
-              </a:extLst>
-            </a:blip>
-            <a:stretch>
-              <a:fillRect/>
-            </a:stretch>
-          </p:blipFill>
-          <p:spPr>
-            <a:xfrm>
-              <a:off x="4971390" y="4638428"/>
-              <a:ext cx="390594" cy="390594"/>
-            </a:xfrm>
-            <a:prstGeom prst="rect">
-              <a:avLst/>
-            </a:prstGeom>
-          </p:spPr>
-        </p:pic>
-        <p:sp>
-          <p:nvSpPr>
-            <p:cNvPr id="76" name="Ellipse 75"/>
-            <p:cNvSpPr/>
-            <p:nvPr/>
-          </p:nvSpPr>
-          <p:spPr>
-            <a:xfrm>
-              <a:off x="4846975" y="4514013"/>
-              <a:ext cx="639425" cy="639425"/>
-            </a:xfrm>
-            <a:prstGeom prst="ellipse">
-              <a:avLst/>
-            </a:prstGeom>
-            <a:noFill/>
-            <a:ln w="19050">
-              <a:solidFill>
-                <a:srgbClr val="F5F5F5"/>
-              </a:solidFill>
-            </a:ln>
-          </p:spPr>
-          <p:style>
-            <a:lnRef idx="2">
-              <a:schemeClr val="accent1">
-                <a:shade val="50000"/>
-              </a:schemeClr>
-            </a:lnRef>
-            <a:fillRef idx="1">
-              <a:schemeClr val="accent1"/>
-            </a:fillRef>
-            <a:effectRef idx="0">
-              <a:schemeClr val="accent1"/>
-            </a:effectRef>
-            <a:fontRef idx="minor">
-              <a:schemeClr val="lt1"/>
-            </a:fontRef>
-          </p:style>
-          <p:txBody>
-            <a:bodyPr rtlCol="0" anchor="ctr"/>
-            <a:lstStyle/>
-            <a:p>
-              <a:pPr algn="ctr"/>
-              <a:endParaRPr lang="en-US" dirty="0"/>
-            </a:p>
-          </p:txBody>
-        </p:sp>
-      </p:grpSp>
-      <p:grpSp>
-        <p:nvGrpSpPr>
-          <p:cNvPr id="77" name="Gruppieren 76"/>
-          <p:cNvGrpSpPr/>
-          <p:nvPr/>
-        </p:nvGrpSpPr>
-        <p:grpSpPr>
-          <a:xfrm>
-            <a:off x="4938707" y="4258989"/>
-            <a:ext cx="470757" cy="470757"/>
-            <a:chOff x="5770022" y="4517767"/>
-            <a:chExt cx="639425" cy="639425"/>
-          </a:xfrm>
-        </p:grpSpPr>
-        <p:pic>
-          <p:nvPicPr>
-            <p:cNvPr id="78" name="Grafik 77"/>
-            <p:cNvPicPr>
-              <a:picLocks noChangeAspect="1"/>
-            </p:cNvPicPr>
-            <p:nvPr/>
-          </p:nvPicPr>
-          <p:blipFill>
-            <a:blip r:embed="rId12" cstate="print">
-              <a:grayscl/>
-              <a:extLst>
-                <a:ext uri="{28A0092B-C50C-407E-A947-70E740481C1C}">
-                  <a14:useLocalDpi xmlns:a14="http://schemas.microsoft.com/office/drawing/2010/main" val="0"/>
-                </a:ext>
-              </a:extLst>
-            </a:blip>
-            <a:stretch>
-              <a:fillRect/>
-            </a:stretch>
-          </p:blipFill>
-          <p:spPr>
-            <a:xfrm flipH="1">
-              <a:off x="5795802" y="4539793"/>
-              <a:ext cx="587863" cy="587863"/>
-            </a:xfrm>
-            <a:prstGeom prst="rect">
-              <a:avLst/>
-            </a:prstGeom>
-          </p:spPr>
-        </p:pic>
-        <p:sp>
-          <p:nvSpPr>
-            <p:cNvPr id="79" name="Ellipse 78"/>
-            <p:cNvSpPr/>
-            <p:nvPr/>
-          </p:nvSpPr>
-          <p:spPr>
-            <a:xfrm>
-              <a:off x="5770022" y="4517767"/>
-              <a:ext cx="639425" cy="639425"/>
-            </a:xfrm>
-            <a:prstGeom prst="ellipse">
-              <a:avLst/>
-            </a:prstGeom>
-            <a:noFill/>
-            <a:ln w="19050">
-              <a:solidFill>
-                <a:srgbClr val="F5F5F5"/>
-              </a:solidFill>
-            </a:ln>
-          </p:spPr>
-          <p:style>
-            <a:lnRef idx="2">
-              <a:schemeClr val="accent1">
-                <a:shade val="50000"/>
-              </a:schemeClr>
-            </a:lnRef>
-            <a:fillRef idx="1">
-              <a:schemeClr val="accent1"/>
-            </a:fillRef>
-            <a:effectRef idx="0">
-              <a:schemeClr val="accent1"/>
-            </a:effectRef>
-            <a:fontRef idx="minor">
-              <a:schemeClr val="lt1"/>
-            </a:fontRef>
-          </p:style>
-          <p:txBody>
-            <a:bodyPr rtlCol="0" anchor="ctr"/>
-            <a:lstStyle/>
-            <a:p>
-              <a:pPr algn="ctr"/>
-              <a:endParaRPr lang="en-US" dirty="0"/>
-            </a:p>
-          </p:txBody>
-        </p:sp>
-      </p:grpSp>
-      <p:grpSp>
-        <p:nvGrpSpPr>
-          <p:cNvPr id="50" name="Gruppieren 49"/>
-          <p:cNvGrpSpPr/>
-          <p:nvPr/>
-        </p:nvGrpSpPr>
-        <p:grpSpPr>
-          <a:xfrm>
-            <a:off x="7125579" y="4258989"/>
-            <a:ext cx="470757" cy="470757"/>
-            <a:chOff x="7944453" y="4014508"/>
-            <a:chExt cx="470757" cy="470757"/>
-          </a:xfrm>
-        </p:grpSpPr>
-        <p:sp>
-          <p:nvSpPr>
-            <p:cNvPr id="51" name="Ellipse 50"/>
-            <p:cNvSpPr/>
-            <p:nvPr/>
-          </p:nvSpPr>
-          <p:spPr>
-            <a:xfrm>
-              <a:off x="7944453" y="4014508"/>
-              <a:ext cx="470757" cy="470757"/>
-            </a:xfrm>
-            <a:prstGeom prst="ellipse">
-              <a:avLst/>
-            </a:prstGeom>
-            <a:noFill/>
-            <a:ln w="19050">
-              <a:solidFill>
-                <a:srgbClr val="F5F5F5"/>
-              </a:solidFill>
-            </a:ln>
-          </p:spPr>
-          <p:style>
-            <a:lnRef idx="2">
-              <a:schemeClr val="accent1">
-                <a:shade val="50000"/>
-              </a:schemeClr>
-            </a:lnRef>
-            <a:fillRef idx="1">
-              <a:schemeClr val="accent1"/>
-            </a:fillRef>
-            <a:effectRef idx="0">
-              <a:schemeClr val="accent1"/>
-            </a:effectRef>
-            <a:fontRef idx="minor">
-              <a:schemeClr val="lt1"/>
-            </a:fontRef>
-          </p:style>
-          <p:txBody>
-            <a:bodyPr rtlCol="0" anchor="ctr"/>
-            <a:lstStyle/>
-            <a:p>
-              <a:pPr algn="ctr"/>
-              <a:endParaRPr lang="en-US" dirty="0"/>
-            </a:p>
-          </p:txBody>
-        </p:sp>
-        <p:pic>
-          <p:nvPicPr>
-            <p:cNvPr id="52" name="Grafik 51"/>
-            <p:cNvPicPr>
-              <a:picLocks noChangeAspect="1"/>
-            </p:cNvPicPr>
-            <p:nvPr/>
-          </p:nvPicPr>
-          <p:blipFill rotWithShape="1">
-            <a:blip r:embed="rId13" cstate="print">
-              <a:extLst>
-                <a:ext uri="{28A0092B-C50C-407E-A947-70E740481C1C}">
-                  <a14:useLocalDpi xmlns:a14="http://schemas.microsoft.com/office/drawing/2010/main" val="0"/>
-                </a:ext>
-              </a:extLst>
-            </a:blip>
-            <a:srcRect l="30210" t="7766" r="29091" b="20886"/>
-            <a:stretch/>
-          </p:blipFill>
-          <p:spPr>
-            <a:xfrm>
-              <a:off x="8022067" y="4074331"/>
-              <a:ext cx="315527" cy="351110"/>
-            </a:xfrm>
-            <a:prstGeom prst="rect">
-              <a:avLst/>
-            </a:prstGeom>
-          </p:spPr>
-        </p:pic>
-      </p:grpSp>
-      <p:sp>
-        <p:nvSpPr>
-          <p:cNvPr id="7" name="TextBox 6"/>
-          <p:cNvSpPr txBox="1"/>
-          <p:nvPr/>
-        </p:nvSpPr>
-        <p:spPr>
-          <a:xfrm>
-            <a:off x="1619672" y="1381118"/>
-            <a:ext cx="4234044" cy="369332"/>
-          </a:xfrm>
-          <a:prstGeom prst="rect">
-            <a:avLst/>
-          </a:prstGeom>
-          <a:noFill/>
-        </p:spPr>
-        <p:txBody>
-          <a:bodyPr wrap="none" rtlCol="0">
-            <a:spAutoFit/>
-          </a:bodyPr>
-          <a:lstStyle/>
-          <a:p>
-            <a:r>
-              <a:rPr lang="en-US" dirty="0">
-                <a:solidFill>
-                  <a:schemeClr val="accent6"/>
-                </a:solidFill>
-                <a:latin typeface="Chalkduster" charset="0"/>
-                <a:ea typeface="Chalkduster" charset="0"/>
-                <a:cs typeface="Chalkduster" charset="0"/>
-              </a:rPr>
-              <a:t>Including websites + browsers!</a:t>
-            </a:r>
+            <a:endParaRPr lang="de-DE"/>
           </a:p>
         </p:txBody>
       </p:sp>
     </p:spTree>
     <p:extLst>
       <p:ext uri="{BB962C8B-B14F-4D97-AF65-F5344CB8AC3E}">
-        <p14:creationId xmlns:p14="http://schemas.microsoft.com/office/powerpoint/2010/main" val="702306131"/>
+        <p14:creationId xmlns:p14="http://schemas.microsoft.com/office/powerpoint/2010/main" val="833574788"/>
       </p:ext>
     </p:extLst>
   </p:cSld>
   <p:clrMapOvr>
     <a:masterClrMapping/>
   </p:clrMapOvr>
+  <p:timing>
+    <p:tnLst>
+      <p:par>
+        <p:cTn id="1" dur="indefinite" restart="never" nodeType="tmRoot"/>
+      </p:par>
+    </p:tnLst>
+  </p:timing>
 </p:sld>
 </file>
 
@@ -7189,7 +5648,7 @@
           <a:p>
             <a:r>
               <a:rPr lang="en-US" dirty="0"/>
-              <a:t>Agenda</a:t>
+              <a:t>Intro</a:t>
             </a:r>
           </a:p>
         </p:txBody>
@@ -7206,32 +5665,36 @@
         </p:nvSpPr>
         <p:spPr/>
         <p:txBody>
-          <a:bodyPr>
-            <a:normAutofit/>
-          </a:bodyPr>
-          <a:lstStyle/>
-          <a:p>
-            <a:r>
-              <a:rPr lang="en-US" sz="3200" dirty="0"/>
-              <a:t>Block 1: Intro &amp; Setup</a:t>
-            </a:r>
-          </a:p>
-          <a:p>
-            <a:r>
-              <a:rPr lang="en-US" sz="3200" dirty="0"/>
-              <a:t>Block 2: Angular</a:t>
-            </a:r>
-          </a:p>
-          <a:p>
-            <a:r>
-              <a:rPr lang="en-US" sz="3200" dirty="0"/>
-              <a:t>Block 3: Angular &amp; Cordova</a:t>
-            </a:r>
-          </a:p>
-          <a:p>
-            <a:r>
-              <a:rPr lang="en-US" sz="3200" dirty="0"/>
-              <a:t>Block 4: Cordova &amp; FAQ</a:t>
+          <a:bodyPr/>
+          <a:lstStyle/>
+          <a:p>
+            <a:r>
+              <a:rPr lang="en-US" dirty="0"/>
+              <a:t>Was </a:t>
+            </a:r>
+            <a:r>
+              <a:rPr lang="en-US" dirty="0" err="1"/>
+              <a:t>haben</a:t>
+            </a:r>
+            <a:r>
+              <a:rPr lang="en-US" dirty="0"/>
+              <a:t> </a:t>
+            </a:r>
+            <a:r>
+              <a:rPr lang="en-US" dirty="0" err="1"/>
+              <a:t>wir</a:t>
+            </a:r>
+            <a:r>
+              <a:rPr lang="en-US" dirty="0"/>
+              <a:t> </a:t>
+            </a:r>
+            <a:r>
+              <a:rPr lang="en-US" dirty="0" err="1"/>
+              <a:t>vor</a:t>
+            </a:r>
+            <a:r>
+              <a:rPr lang="en-US" dirty="0"/>
+              <a:t>?</a:t>
             </a:r>
           </a:p>
         </p:txBody>
@@ -7285,13 +5748,20 @@
     </p:spTree>
     <p:extLst>
       <p:ext uri="{BB962C8B-B14F-4D97-AF65-F5344CB8AC3E}">
-        <p14:creationId xmlns:p14="http://schemas.microsoft.com/office/powerpoint/2010/main" val="833574788"/>
+        <p14:creationId xmlns:p14="http://schemas.microsoft.com/office/powerpoint/2010/main" val="740516245"/>
       </p:ext>
     </p:extLst>
   </p:cSld>
   <p:clrMapOvr>
     <a:masterClrMapping/>
   </p:clrMapOvr>
+  <p:timing>
+    <p:tnLst>
+      <p:par>
+        <p:cTn id="1" dur="indefinite" restart="never" nodeType="tmRoot"/>
+      </p:par>
+    </p:tnLst>
+  </p:timing>
 </p:sld>
 </file>
 
@@ -7329,7 +5799,7 @@
           <a:p>
             <a:r>
               <a:rPr lang="en-US" dirty="0"/>
-              <a:t>Intro</a:t>
+              <a:t>Setup</a:t>
             </a:r>
           </a:p>
         </p:txBody>
@@ -7350,33 +5820,28 @@
           <a:lstStyle/>
           <a:p>
             <a:r>
-              <a:rPr lang="en-US" dirty="0"/>
-              <a:t>Was </a:t>
-            </a:r>
-            <a:r>
-              <a:rPr lang="en-US" dirty="0" err="1"/>
-              <a:t>haben</a:t>
-            </a:r>
-            <a:r>
-              <a:rPr lang="en-US" dirty="0"/>
-              <a:t> </a:t>
-            </a:r>
-            <a:r>
-              <a:rPr lang="en-US" dirty="0" err="1"/>
-              <a:t>wir</a:t>
-            </a:r>
-            <a:r>
-              <a:rPr lang="en-US" dirty="0"/>
-              <a:t> </a:t>
-            </a:r>
-            <a:r>
-              <a:rPr lang="en-US" dirty="0" err="1"/>
-              <a:t>vor</a:t>
-            </a:r>
-            <a:r>
-              <a:rPr lang="en-US" dirty="0"/>
-              <a:t>?</a:t>
-            </a:r>
+              <a:rPr lang="de-DE" dirty="0"/>
+              <a:t>Repository:</a:t>
+            </a:r>
+            <a:br>
+              <a:rPr lang="de-DE" dirty="0"/>
+            </a:br>
+            <a:r>
+              <a:rPr lang="de-DE" dirty="0">
+                <a:hlinkClick r:id="rId2"/>
+              </a:rPr>
+              <a:t>https://github.com/thinktecture/hackschool-crossplatform</a:t>
+            </a:r>
+            <a:endParaRPr lang="de-DE" dirty="0"/>
+          </a:p>
+          <a:p>
+            <a:endParaRPr lang="de-DE" dirty="0"/>
+          </a:p>
+          <a:p>
+            <a:endParaRPr lang="de-DE" dirty="0"/>
+          </a:p>
+          <a:p>
+            <a:endParaRPr lang="en-US" dirty="0"/>
           </a:p>
         </p:txBody>
       </p:sp>
@@ -7429,13 +5894,20 @@
     </p:spTree>
     <p:extLst>
       <p:ext uri="{BB962C8B-B14F-4D97-AF65-F5344CB8AC3E}">
-        <p14:creationId xmlns:p14="http://schemas.microsoft.com/office/powerpoint/2010/main" val="740516245"/>
+        <p14:creationId xmlns:p14="http://schemas.microsoft.com/office/powerpoint/2010/main" val="230818132"/>
       </p:ext>
     </p:extLst>
   </p:cSld>
   <p:clrMapOvr>
     <a:masterClrMapping/>
   </p:clrMapOvr>
+  <p:timing>
+    <p:tnLst>
+      <p:par>
+        <p:cTn id="1" dur="indefinite" restart="never" nodeType="tmRoot"/>
+      </p:par>
+    </p:tnLst>
+  </p:timing>
 </p:sld>
 </file>
 
@@ -7473,7 +5945,7 @@
           <a:p>
             <a:r>
               <a:rPr lang="en-US" dirty="0"/>
-              <a:t>Setup</a:t>
+              <a:t>API</a:t>
             </a:r>
           </a:p>
         </p:txBody>
@@ -7494,28 +5966,90 @@
           <a:lstStyle/>
           <a:p>
             <a:r>
-              <a:rPr lang="de-DE" dirty="0"/>
-              <a:t>Repository:</a:t>
-            </a:r>
-            <a:br>
-              <a:rPr lang="de-DE" dirty="0"/>
-            </a:br>
-            <a:r>
-              <a:rPr lang="de-DE" dirty="0">
-                <a:hlinkClick r:id="rId2"/>
-              </a:rPr>
-              <a:t>https://github.com/thinktecture/hackschool-crossplatform</a:t>
-            </a:r>
-            <a:endParaRPr lang="de-DE" dirty="0"/>
-          </a:p>
-          <a:p>
-            <a:endParaRPr lang="de-DE" dirty="0"/>
-          </a:p>
-          <a:p>
-            <a:endParaRPr lang="de-DE" dirty="0"/>
+              <a:rPr lang="en-US" dirty="0"/>
+              <a:t>Mini Pokémon API</a:t>
+            </a:r>
           </a:p>
           <a:p>
             <a:endParaRPr lang="en-US" dirty="0"/>
+          </a:p>
+          <a:p>
+            <a:r>
+              <a:rPr lang="en-US" dirty="0" err="1"/>
+              <a:t>Im</a:t>
+            </a:r>
+            <a:r>
+              <a:rPr lang="en-US" dirty="0"/>
+              <a:t> </a:t>
+            </a:r>
+            <a:r>
+              <a:rPr lang="en-US" dirty="0" err="1"/>
+              <a:t>Ordner</a:t>
+            </a:r>
+            <a:r>
+              <a:rPr lang="en-US" dirty="0"/>
+              <a:t> </a:t>
+            </a:r>
+            <a:r>
+              <a:rPr lang="en-US" i="1" dirty="0" err="1"/>
+              <a:t>api</a:t>
+            </a:r>
+            <a:endParaRPr lang="en-US" i="1" dirty="0"/>
+          </a:p>
+          <a:p>
+            <a:pPr lvl="1"/>
+            <a:r>
+              <a:rPr lang="en-US" dirty="0" err="1"/>
+              <a:t>npm</a:t>
+            </a:r>
+            <a:r>
+              <a:rPr lang="en-US" dirty="0"/>
+              <a:t> </a:t>
+            </a:r>
+            <a:r>
+              <a:rPr lang="en-US" dirty="0" err="1"/>
+              <a:t>i</a:t>
+            </a:r>
+            <a:endParaRPr lang="en-US" dirty="0"/>
+          </a:p>
+          <a:p>
+            <a:pPr lvl="1"/>
+            <a:r>
+              <a:rPr lang="en-US" dirty="0" err="1"/>
+              <a:t>npm</a:t>
+            </a:r>
+            <a:r>
+              <a:rPr lang="en-US" dirty="0"/>
+              <a:t> start</a:t>
+            </a:r>
+          </a:p>
+          <a:p>
+            <a:endParaRPr lang="en-US" dirty="0"/>
+          </a:p>
+          <a:p>
+            <a:r>
+              <a:rPr lang="en-US" dirty="0"/>
+              <a:t>GET http://localhost:8090/pokemon		</a:t>
+            </a:r>
+            <a:r>
+              <a:rPr lang="en-US" dirty="0" err="1"/>
+              <a:t>LiefertListe</a:t>
+            </a:r>
+            <a:endParaRPr lang="en-US" dirty="0"/>
+          </a:p>
+          <a:p>
+            <a:r>
+              <a:rPr lang="en-US" dirty="0"/>
+              <a:t>GET http://localhost:8090/pokemon/{id}	</a:t>
+            </a:r>
+            <a:r>
+              <a:rPr lang="en-US" dirty="0" err="1"/>
+              <a:t>Liefert</a:t>
+            </a:r>
+            <a:r>
+              <a:rPr lang="en-US" dirty="0"/>
+              <a:t> Details </a:t>
+            </a:r>
           </a:p>
         </p:txBody>
       </p:sp>
@@ -7568,13 +6102,20 @@
     </p:spTree>
     <p:extLst>
       <p:ext uri="{BB962C8B-B14F-4D97-AF65-F5344CB8AC3E}">
-        <p14:creationId xmlns:p14="http://schemas.microsoft.com/office/powerpoint/2010/main" val="230818132"/>
+        <p14:creationId xmlns:p14="http://schemas.microsoft.com/office/powerpoint/2010/main" val="1486325254"/>
       </p:ext>
     </p:extLst>
   </p:cSld>
   <p:clrMapOvr>
     <a:masterClrMapping/>
   </p:clrMapOvr>
+  <p:timing>
+    <p:tnLst>
+      <p:par>
+        <p:cTn id="1" dur="indefinite" restart="never" nodeType="tmRoot"/>
+      </p:par>
+    </p:tnLst>
+  </p:timing>
 </p:sld>
 </file>
 
@@ -7612,7 +6153,7 @@
           <a:p>
             <a:r>
               <a:rPr lang="en-US" dirty="0"/>
-              <a:t>API</a:t>
+              <a:t>Angular 2</a:t>
             </a:r>
           </a:p>
         </p:txBody>
@@ -7634,16 +6175,25 @@
           <a:p>
             <a:r>
               <a:rPr lang="en-US" dirty="0"/>
-              <a:t>Mini Pokémon API</a:t>
-            </a:r>
-          </a:p>
-          <a:p>
-            <a:endParaRPr lang="en-US" dirty="0"/>
-          </a:p>
-          <a:p>
+              <a:t>Was </a:t>
+            </a:r>
             <a:r>
               <a:rPr lang="en-US" dirty="0" err="1"/>
-              <a:t>Im</a:t>
+              <a:t>ist</a:t>
+            </a:r>
+            <a:r>
+              <a:rPr lang="en-US" dirty="0"/>
+              <a:t> Angular?</a:t>
+            </a:r>
+          </a:p>
+          <a:p>
+            <a:r>
+              <a:rPr lang="en-US" dirty="0"/>
+              <a:t>Was </a:t>
+            </a:r>
+            <a:r>
+              <a:rPr lang="en-US" dirty="0" err="1"/>
+              <a:t>ist</a:t>
             </a:r>
             <a:r>
               <a:rPr lang="en-US" dirty="0"/>
@@ -7651,71 +6201,19 @@
             </a:r>
             <a:r>
               <a:rPr lang="en-US" dirty="0" err="1"/>
-              <a:t>Ordner</a:t>
+              <a:t>es</a:t>
             </a:r>
             <a:r>
               <a:rPr lang="en-US" dirty="0"/>
               <a:t> </a:t>
             </a:r>
             <a:r>
-              <a:rPr lang="en-US" i="1" dirty="0" err="1"/>
-              <a:t>api</a:t>
-            </a:r>
-            <a:endParaRPr lang="en-US" i="1" dirty="0"/>
-          </a:p>
-          <a:p>
-            <a:pPr lvl="1"/>
-            <a:r>
               <a:rPr lang="en-US" dirty="0" err="1"/>
-              <a:t>npm</a:t>
+              <a:t>nicht</a:t>
             </a:r>
             <a:r>
               <a:rPr lang="en-US" dirty="0"/>
-              <a:t> </a:t>
-            </a:r>
-            <a:r>
-              <a:rPr lang="en-US" dirty="0" err="1"/>
-              <a:t>i</a:t>
-            </a:r>
-            <a:endParaRPr lang="en-US" dirty="0"/>
-          </a:p>
-          <a:p>
-            <a:pPr lvl="1"/>
-            <a:r>
-              <a:rPr lang="en-US" dirty="0" err="1"/>
-              <a:t>npm</a:t>
-            </a:r>
-            <a:r>
-              <a:rPr lang="en-US" dirty="0"/>
-              <a:t> start</a:t>
-            </a:r>
-          </a:p>
-          <a:p>
-            <a:endParaRPr lang="en-US" dirty="0"/>
-          </a:p>
-          <a:p>
-            <a:r>
-              <a:rPr lang="en-US" dirty="0"/>
-              <a:t>GET http://localhost:8090/pokemon		</a:t>
-            </a:r>
-            <a:r>
-              <a:rPr lang="en-US" dirty="0" err="1"/>
-              <a:t>LiefertListe</a:t>
-            </a:r>
-            <a:endParaRPr lang="en-US" dirty="0"/>
-          </a:p>
-          <a:p>
-            <a:r>
-              <a:rPr lang="en-US" dirty="0"/>
-              <a:t>GET http://localhost:8090/pokemon/{id}	</a:t>
-            </a:r>
-            <a:r>
-              <a:rPr lang="en-US" dirty="0" err="1"/>
-              <a:t>Liefert</a:t>
-            </a:r>
-            <a:r>
-              <a:rPr lang="en-US" dirty="0"/>
-              <a:t> Details </a:t>
+              <a:t>?</a:t>
             </a:r>
           </a:p>
         </p:txBody>
@@ -7769,13 +6267,20 @@
     </p:spTree>
     <p:extLst>
       <p:ext uri="{BB962C8B-B14F-4D97-AF65-F5344CB8AC3E}">
-        <p14:creationId xmlns:p14="http://schemas.microsoft.com/office/powerpoint/2010/main" val="1486325254"/>
+        <p14:creationId xmlns:p14="http://schemas.microsoft.com/office/powerpoint/2010/main" val="1754785008"/>
       </p:ext>
     </p:extLst>
   </p:cSld>
   <p:clrMapOvr>
     <a:masterClrMapping/>
   </p:clrMapOvr>
+  <p:timing>
+    <p:tnLst>
+      <p:par>
+        <p:cTn id="1" dur="indefinite" restart="never" nodeType="tmRoot"/>
+      </p:par>
+    </p:tnLst>
+  </p:timing>
 </p:sld>
 </file>
 
@@ -7812,9 +6317,18 @@
           <a:lstStyle/>
           <a:p>
             <a:r>
+              <a:rPr lang="en-US" dirty="0" err="1"/>
+              <a:t>Komponenten</a:t>
+            </a:r>
+            <a:r>
               <a:rPr lang="en-US" dirty="0"/>
-              <a:t>Angular 2</a:t>
-            </a:r>
+              <a:t> und </a:t>
+            </a:r>
+            <a:r>
+              <a:rPr lang="en-US" dirty="0" err="1"/>
+              <a:t>Direktiven</a:t>
+            </a:r>
+            <a:endParaRPr lang="en-US" dirty="0"/>
           </a:p>
         </p:txBody>
       </p:sp>
@@ -7830,50 +6344,114 @@
         </p:nvSpPr>
         <p:spPr/>
         <p:txBody>
-          <a:bodyPr/>
-          <a:lstStyle/>
-          <a:p>
-            <a:r>
-              <a:rPr lang="en-US" dirty="0"/>
+          <a:bodyPr>
+            <a:normAutofit/>
+          </a:bodyPr>
+          <a:lstStyle/>
+          <a:p>
+            <a:r>
+              <a:rPr lang="en-US" sz="3200" dirty="0"/>
               <a:t>Was </a:t>
             </a:r>
             <a:r>
-              <a:rPr lang="en-US" dirty="0" err="1"/>
-              <a:t>ist</a:t>
-            </a:r>
-            <a:r>
-              <a:rPr lang="en-US" dirty="0"/>
-              <a:t> Angular?</a:t>
-            </a:r>
-          </a:p>
-          <a:p>
-            <a:r>
-              <a:rPr lang="en-US" dirty="0"/>
+              <a:rPr lang="en-US" sz="3200" dirty="0" err="1"/>
+              <a:t>sind</a:t>
+            </a:r>
+            <a:r>
+              <a:rPr lang="en-US" sz="3200" dirty="0"/>
+              <a:t> </a:t>
+            </a:r>
+            <a:r>
+              <a:rPr lang="en-US" sz="3200" dirty="0" err="1"/>
+              <a:t>Komponenten</a:t>
+            </a:r>
+            <a:r>
+              <a:rPr lang="en-US" sz="3200" dirty="0"/>
+              <a:t>?</a:t>
+            </a:r>
+          </a:p>
+          <a:p>
+            <a:pPr lvl="1"/>
+            <a:r>
+              <a:rPr lang="en-US" sz="3200" dirty="0" err="1"/>
+              <a:t>Erstellen</a:t>
+            </a:r>
+            <a:r>
+              <a:rPr lang="en-US" sz="3200" dirty="0"/>
+              <a:t> </a:t>
+            </a:r>
+            <a:r>
+              <a:rPr lang="en-US" sz="3200" dirty="0" err="1"/>
+              <a:t>neues</a:t>
+            </a:r>
+            <a:r>
+              <a:rPr lang="en-US" sz="3200" dirty="0"/>
+              <a:t> HTML</a:t>
+            </a:r>
+          </a:p>
+          <a:p>
+            <a:r>
+              <a:rPr lang="en-US" sz="3200" dirty="0"/>
               <a:t>Was </a:t>
             </a:r>
             <a:r>
-              <a:rPr lang="en-US" dirty="0" err="1"/>
-              <a:t>ist</a:t>
-            </a:r>
-            <a:r>
-              <a:rPr lang="en-US" dirty="0"/>
+              <a:rPr lang="en-US" sz="3200" dirty="0" err="1"/>
+              <a:t>sind</a:t>
+            </a:r>
+            <a:r>
+              <a:rPr lang="en-US" sz="3200" dirty="0"/>
               <a:t> </a:t>
             </a:r>
             <a:r>
-              <a:rPr lang="en-US" dirty="0" err="1"/>
-              <a:t>es</a:t>
-            </a:r>
-            <a:r>
-              <a:rPr lang="en-US" dirty="0"/>
+              <a:rPr lang="en-US" sz="3200" dirty="0" err="1"/>
+              <a:t>Direktiven</a:t>
+            </a:r>
+            <a:r>
+              <a:rPr lang="en-US" sz="3200" dirty="0"/>
+              <a:t>?</a:t>
+            </a:r>
+          </a:p>
+          <a:p>
+            <a:pPr lvl="1"/>
+            <a:r>
+              <a:rPr lang="en-US" sz="3200" dirty="0" err="1"/>
+              <a:t>Nehmen</a:t>
+            </a:r>
+            <a:r>
+              <a:rPr lang="en-US" sz="3200" dirty="0"/>
               <a:t> </a:t>
             </a:r>
             <a:r>
-              <a:rPr lang="en-US" dirty="0" err="1"/>
-              <a:t>nicht</a:t>
-            </a:r>
-            <a:r>
-              <a:rPr lang="en-US" dirty="0"/>
-              <a:t>?</a:t>
+              <a:rPr lang="en-US" sz="3200" dirty="0" err="1"/>
+              <a:t>Einfluss</a:t>
+            </a:r>
+            <a:r>
+              <a:rPr lang="en-US" sz="3200" dirty="0"/>
+              <a:t> auf den DOM </a:t>
+            </a:r>
+            <a:r>
+              <a:rPr lang="en-US" sz="3200" dirty="0" err="1"/>
+              <a:t>innerhalb</a:t>
+            </a:r>
+            <a:r>
+              <a:rPr lang="en-US" sz="3200" dirty="0"/>
+              <a:t> </a:t>
+            </a:r>
+            <a:r>
+              <a:rPr lang="en-US" sz="3200" dirty="0" err="1"/>
+              <a:t>oder</a:t>
+            </a:r>
+            <a:r>
+              <a:rPr lang="en-US" sz="3200" dirty="0"/>
+              <a:t> auf </a:t>
+            </a:r>
+            <a:r>
+              <a:rPr lang="en-US" sz="3200" dirty="0" err="1"/>
+              <a:t>einem</a:t>
+            </a:r>
+            <a:r>
+              <a:rPr lang="en-US" sz="3200" dirty="0"/>
+              <a:t> HTML-Tag</a:t>
             </a:r>
           </a:p>
         </p:txBody>
@@ -7927,13 +6505,20 @@
     </p:spTree>
     <p:extLst>
       <p:ext uri="{BB962C8B-B14F-4D97-AF65-F5344CB8AC3E}">
-        <p14:creationId xmlns:p14="http://schemas.microsoft.com/office/powerpoint/2010/main" val="1754785008"/>
+        <p14:creationId xmlns:p14="http://schemas.microsoft.com/office/powerpoint/2010/main" val="2040905628"/>
       </p:ext>
     </p:extLst>
   </p:cSld>
   <p:clrMapOvr>
     <a:masterClrMapping/>
   </p:clrMapOvr>
+  <p:timing>
+    <p:tnLst>
+      <p:par>
+        <p:cTn id="1" dur="indefinite" restart="never" nodeType="tmRoot"/>
+      </p:par>
+    </p:tnLst>
+  </p:timing>
 </p:sld>
 </file>
 
@@ -7971,14 +6556,6 @@
           <a:p>
             <a:r>
               <a:rPr lang="en-US" dirty="0" err="1"/>
-              <a:t>Komponenten</a:t>
-            </a:r>
-            <a:r>
-              <a:rPr lang="en-US" dirty="0"/>
-              <a:t> und </a:t>
-            </a:r>
-            <a:r>
-              <a:rPr lang="en-US" dirty="0" err="1"/>
               <a:t>Direktiven</a:t>
             </a:r>
             <a:endParaRPr lang="en-US" dirty="0"/>
@@ -8001,109 +6578,52 @@
           <a:lstStyle/>
           <a:p>
             <a:r>
-              <a:rPr lang="en-US" dirty="0"/>
-              <a:t>Was </a:t>
-            </a:r>
-            <a:r>
-              <a:rPr lang="en-US" dirty="0" err="1"/>
-              <a:t>sind</a:t>
-            </a:r>
-            <a:r>
-              <a:rPr lang="en-US" dirty="0"/>
-              <a:t> </a:t>
-            </a:r>
-            <a:r>
-              <a:rPr lang="en-US" dirty="0" err="1"/>
-              <a:t>Komponenten</a:t>
-            </a:r>
-            <a:r>
-              <a:rPr lang="en-US" dirty="0"/>
-              <a:t>?</a:t>
-            </a:r>
+              <a:rPr lang="en-US" sz="3200" dirty="0" err="1"/>
+              <a:t>Strukturdirektiven</a:t>
+            </a:r>
+            <a:endParaRPr lang="en-US" sz="3200" dirty="0"/>
           </a:p>
           <a:p>
             <a:pPr lvl="1"/>
             <a:r>
-              <a:rPr lang="en-US" dirty="0" err="1"/>
-              <a:t>Erstellen</a:t>
-            </a:r>
-            <a:r>
-              <a:rPr lang="en-US" dirty="0"/>
-              <a:t> </a:t>
-            </a:r>
-            <a:r>
-              <a:rPr lang="en-US" dirty="0" err="1"/>
-              <a:t>neues</a:t>
-            </a:r>
-            <a:r>
-              <a:rPr lang="en-US" dirty="0"/>
-              <a:t> HTML</a:t>
-            </a:r>
-          </a:p>
-          <a:p>
-            <a:r>
-              <a:rPr lang="en-US" dirty="0"/>
-              <a:t>Was </a:t>
-            </a:r>
-            <a:r>
-              <a:rPr lang="en-US" dirty="0" err="1"/>
-              <a:t>sind</a:t>
-            </a:r>
-            <a:r>
-              <a:rPr lang="en-US" dirty="0"/>
-              <a:t> </a:t>
-            </a:r>
-            <a:r>
-              <a:rPr lang="en-US" dirty="0" err="1"/>
-              <a:t>Direktiven</a:t>
-            </a:r>
-            <a:r>
-              <a:rPr lang="en-US" dirty="0"/>
-              <a:t>?</a:t>
-            </a:r>
+              <a:rPr lang="en-US" sz="3200" dirty="0" err="1"/>
+              <a:t>ngFor</a:t>
+            </a:r>
+            <a:endParaRPr lang="en-US" sz="3200" dirty="0"/>
           </a:p>
           <a:p>
             <a:pPr lvl="1"/>
             <a:r>
-              <a:rPr lang="en-US" dirty="0" err="1"/>
-              <a:t>Nehmen</a:t>
-            </a:r>
-            <a:r>
-              <a:rPr lang="en-US" dirty="0"/>
-              <a:t> </a:t>
-            </a:r>
-            <a:r>
-              <a:rPr lang="en-US" dirty="0" err="1"/>
-              <a:t>Einfluss</a:t>
-            </a:r>
-            <a:r>
-              <a:rPr lang="en-US" dirty="0"/>
-              <a:t> auf den DOM </a:t>
-            </a:r>
-            <a:r>
-              <a:rPr lang="en-US" dirty="0" err="1"/>
-              <a:t>innerhalb</a:t>
-            </a:r>
-            <a:r>
-              <a:rPr lang="en-US" dirty="0"/>
-              <a:t> </a:t>
-            </a:r>
-            <a:r>
-              <a:rPr lang="en-US" dirty="0" err="1"/>
-              <a:t>oder</a:t>
-            </a:r>
-            <a:r>
-              <a:rPr lang="en-US" dirty="0"/>
-              <a:t> auf </a:t>
-            </a:r>
-            <a:r>
-              <a:rPr lang="en-US" dirty="0" err="1"/>
-              <a:t>einem</a:t>
-            </a:r>
-            <a:r>
-              <a:rPr lang="en-US" dirty="0"/>
-              <a:t> HTML-Tag</a:t>
-            </a:r>
+              <a:rPr lang="en-US" sz="3200" dirty="0" err="1"/>
+              <a:t>ngIf</a:t>
+            </a:r>
+            <a:endParaRPr lang="en-US" sz="3200" dirty="0"/>
+          </a:p>
+          <a:p>
+            <a:r>
+              <a:rPr lang="en-US" sz="3200" dirty="0" err="1"/>
+              <a:t>Attribut-Direktiven</a:t>
+            </a:r>
+            <a:endParaRPr lang="en-US" sz="3200" dirty="0"/>
+          </a:p>
+          <a:p>
+            <a:pPr lvl="1"/>
+            <a:r>
+              <a:rPr lang="en-US" sz="3200" dirty="0" err="1"/>
+              <a:t>ngStyle</a:t>
+            </a:r>
+            <a:endParaRPr lang="en-US" sz="3200" dirty="0"/>
+          </a:p>
+          <a:p>
+            <a:pPr lvl="1"/>
+            <a:r>
+              <a:rPr lang="en-US" sz="3200" dirty="0" err="1"/>
+              <a:t>ngClass</a:t>
+            </a:r>
+            <a:endParaRPr lang="en-US" sz="3200" dirty="0"/>
+          </a:p>
+          <a:p>
+            <a:endParaRPr lang="en-US" dirty="0"/>
           </a:p>
         </p:txBody>
       </p:sp>
@@ -8156,13 +6676,20 @@
     </p:spTree>
     <p:extLst>
       <p:ext uri="{BB962C8B-B14F-4D97-AF65-F5344CB8AC3E}">
-        <p14:creationId xmlns:p14="http://schemas.microsoft.com/office/powerpoint/2010/main" val="2040905628"/>
+        <p14:creationId xmlns:p14="http://schemas.microsoft.com/office/powerpoint/2010/main" val="1050006647"/>
       </p:ext>
     </p:extLst>
   </p:cSld>
   <p:clrMapOvr>
     <a:masterClrMapping/>
   </p:clrMapOvr>
+  <p:timing>
+    <p:tnLst>
+      <p:par>
+        <p:cTn id="1" dur="indefinite" restart="never" nodeType="tmRoot"/>
+      </p:par>
+    </p:tnLst>
+  </p:timing>
 </p:sld>
 </file>
 
